--- a/ppt/R-15-DeepLearning.pptx
+++ b/ppt/R-15-DeepLearning.pptx
@@ -5,10 +5,10 @@
     <p:sldMasterId id="2147483653" r:id="rId1"/>
   </p:sldMasterIdLst>
   <p:notesMasterIdLst>
-    <p:notesMasterId r:id="rId51"/>
+    <p:notesMasterId r:id="rId44"/>
   </p:notesMasterIdLst>
   <p:handoutMasterIdLst>
-    <p:handoutMasterId r:id="rId52"/>
+    <p:handoutMasterId r:id="rId45"/>
   </p:handoutMasterIdLst>
   <p:sldIdLst>
     <p:sldId id="264" r:id="rId2"/>
@@ -38,28 +38,21 @@
     <p:sldId id="346" r:id="rId26"/>
     <p:sldId id="347" r:id="rId27"/>
     <p:sldId id="291" r:id="rId28"/>
-    <p:sldId id="292" r:id="rId29"/>
-    <p:sldId id="295" r:id="rId30"/>
-    <p:sldId id="296" r:id="rId31"/>
-    <p:sldId id="297" r:id="rId32"/>
-    <p:sldId id="298" r:id="rId33"/>
-    <p:sldId id="321" r:id="rId34"/>
-    <p:sldId id="322" r:id="rId35"/>
-    <p:sldId id="349" r:id="rId36"/>
-    <p:sldId id="323" r:id="rId37"/>
-    <p:sldId id="324" r:id="rId38"/>
-    <p:sldId id="325" r:id="rId39"/>
-    <p:sldId id="326" r:id="rId40"/>
-    <p:sldId id="348" r:id="rId41"/>
-    <p:sldId id="350" r:id="rId42"/>
-    <p:sldId id="327" r:id="rId43"/>
-    <p:sldId id="328" r:id="rId44"/>
-    <p:sldId id="343" r:id="rId45"/>
-    <p:sldId id="329" r:id="rId46"/>
-    <p:sldId id="330" r:id="rId47"/>
-    <p:sldId id="332" r:id="rId48"/>
-    <p:sldId id="335" r:id="rId49"/>
-    <p:sldId id="334" r:id="rId50"/>
+    <p:sldId id="322" r:id="rId29"/>
+    <p:sldId id="349" r:id="rId30"/>
+    <p:sldId id="323" r:id="rId31"/>
+    <p:sldId id="324" r:id="rId32"/>
+    <p:sldId id="325" r:id="rId33"/>
+    <p:sldId id="326" r:id="rId34"/>
+    <p:sldId id="348" r:id="rId35"/>
+    <p:sldId id="350" r:id="rId36"/>
+    <p:sldId id="327" r:id="rId37"/>
+    <p:sldId id="328" r:id="rId38"/>
+    <p:sldId id="343" r:id="rId39"/>
+    <p:sldId id="329" r:id="rId40"/>
+    <p:sldId id="330" r:id="rId41"/>
+    <p:sldId id="332" r:id="rId42"/>
+    <p:sldId id="335" r:id="rId43"/>
   </p:sldIdLst>
   <p:sldSz cx="9144000" cy="6858000" type="screen4x3"/>
   <p:notesSz cx="6648450" cy="9782175"/>
@@ -6109,11 +6102,15 @@
           <a:p>
             <a:r>
               <a:rPr lang="fr-FR" dirty="0" smtClean="0"/>
-              <a:t>Possède </a:t>
-            </a:r>
-            <a:r>
-              <a:rPr lang="fr-FR" dirty="0" smtClean="0"/>
-              <a:t>un fonctionnalité intéressante : Il sait afficher le réseau graphiquement</a:t>
+              <a:t>Possède un fonctionnalité intéressante : Il </a:t>
+            </a:r>
+            <a:r>
+              <a:rPr lang="fr-FR" dirty="0" smtClean="0"/>
+              <a:t>affiche </a:t>
+            </a:r>
+            <a:r>
+              <a:rPr lang="fr-FR" dirty="0" smtClean="0"/>
+              <a:t>le réseau graphiquement</a:t>
             </a:r>
           </a:p>
         </p:txBody>
@@ -6345,1135 +6342,6 @@
 </file>
 
 <file path=ppt/slides/slide28.xml><?xml version="1.0" encoding="utf-8"?>
-<p:sld xmlns:a="http://schemas.openxmlformats.org/drawingml/2006/main" xmlns:r="http://schemas.openxmlformats.org/officeDocument/2006/relationships" xmlns:p="http://schemas.openxmlformats.org/presentationml/2006/main">
-  <p:cSld>
-    <p:spTree>
-      <p:nvGrpSpPr>
-        <p:cNvPr id="1" name=""/>
-        <p:cNvGrpSpPr/>
-        <p:nvPr/>
-      </p:nvGrpSpPr>
-      <p:grpSpPr>
-        <a:xfrm>
-          <a:off x="0" y="0"/>
-          <a:ext cx="0" cy="0"/>
-          <a:chOff x="0" y="0"/>
-          <a:chExt cx="0" cy="0"/>
-        </a:xfrm>
-      </p:grpSpPr>
-      <p:sp>
-        <p:nvSpPr>
-          <p:cNvPr id="2" name="Titre 1"/>
-          <p:cNvSpPr>
-            <a:spLocks noGrp="1"/>
-          </p:cNvSpPr>
-          <p:nvPr>
-            <p:ph type="title"/>
-          </p:nvPr>
-        </p:nvSpPr>
-        <p:spPr/>
-        <p:txBody>
-          <a:bodyPr/>
-          <a:lstStyle/>
-          <a:p>
-            <a:r>
-              <a:rPr lang="fr-FR" dirty="0" smtClean="0"/>
-              <a:t>CPU, GPU, TPU</a:t>
-            </a:r>
-            <a:endParaRPr lang="fr-FR" dirty="0"/>
-          </a:p>
-        </p:txBody>
-      </p:sp>
-      <p:sp>
-        <p:nvSpPr>
-          <p:cNvPr id="3" name="Espace réservé du contenu 2"/>
-          <p:cNvSpPr>
-            <a:spLocks noGrp="1"/>
-          </p:cNvSpPr>
-          <p:nvPr>
-            <p:ph idx="1"/>
-          </p:nvPr>
-        </p:nvSpPr>
-        <p:spPr/>
-        <p:txBody>
-          <a:bodyPr/>
-          <a:lstStyle/>
-          <a:p>
-            <a:r>
-              <a:rPr lang="fr-FR" dirty="0" err="1" smtClean="0"/>
-              <a:t>TensorFlow</a:t>
-            </a:r>
-            <a:r>
-              <a:rPr lang="fr-FR" dirty="0" smtClean="0"/>
-              <a:t> est multiple CPU</a:t>
-            </a:r>
-          </a:p>
-          <a:p>
-            <a:r>
-              <a:rPr lang="fr-FR" dirty="0" err="1" smtClean="0"/>
-              <a:t>TensorFlow</a:t>
-            </a:r>
-            <a:r>
-              <a:rPr lang="fr-FR" dirty="0" smtClean="0"/>
-              <a:t> est GPU</a:t>
-            </a:r>
-          </a:p>
-          <a:p>
-            <a:pPr lvl="1"/>
-            <a:r>
-              <a:rPr lang="fr-FR" dirty="0" smtClean="0"/>
-              <a:t>Raison du Succès</a:t>
-            </a:r>
-          </a:p>
-          <a:p>
-            <a:pPr lvl="1"/>
-            <a:r>
-              <a:rPr lang="fr-FR" dirty="0" smtClean="0"/>
-              <a:t>Technologies GPGPU et GPPGPU</a:t>
-            </a:r>
-          </a:p>
-          <a:p>
-            <a:r>
-              <a:rPr lang="fr-FR" dirty="0" err="1" smtClean="0"/>
-              <a:t>TensorFlow</a:t>
-            </a:r>
-            <a:r>
-              <a:rPr lang="fr-FR" dirty="0" smtClean="0"/>
-              <a:t> est TPU</a:t>
-            </a:r>
-          </a:p>
-          <a:p>
-            <a:pPr lvl="1"/>
-            <a:r>
-              <a:rPr lang="fr-FR" dirty="0" err="1" smtClean="0"/>
-              <a:t>Tensor</a:t>
-            </a:r>
-            <a:r>
-              <a:rPr lang="fr-FR" dirty="0" smtClean="0"/>
-              <a:t> </a:t>
-            </a:r>
-            <a:r>
-              <a:rPr lang="fr-FR" dirty="0" err="1" smtClean="0"/>
-              <a:t>Processing</a:t>
-            </a:r>
-            <a:r>
-              <a:rPr lang="fr-FR" dirty="0" smtClean="0"/>
-              <a:t> Unit</a:t>
-            </a:r>
-          </a:p>
-          <a:p>
-            <a:pPr lvl="1"/>
-            <a:r>
-              <a:rPr lang="fr-FR" dirty="0" smtClean="0"/>
-              <a:t>Uniquement pour le </a:t>
-            </a:r>
-            <a:r>
-              <a:rPr lang="fr-FR" dirty="0" err="1" smtClean="0"/>
-              <a:t>deep</a:t>
-            </a:r>
-            <a:r>
-              <a:rPr lang="fr-FR" dirty="0" smtClean="0"/>
-              <a:t> </a:t>
-            </a:r>
-            <a:r>
-              <a:rPr lang="fr-FR" dirty="0" err="1" smtClean="0"/>
-              <a:t>learning</a:t>
-            </a:r>
-            <a:endParaRPr lang="fr-FR" dirty="0" smtClean="0"/>
-          </a:p>
-          <a:p>
-            <a:pPr lvl="1"/>
-            <a:r>
-              <a:rPr lang="fr-FR" dirty="0" smtClean="0"/>
-              <a:t>Format propriétaire Google Cloud ML</a:t>
-            </a:r>
-          </a:p>
-          <a:p>
-            <a:r>
-              <a:rPr lang="fr-FR" dirty="0" smtClean="0"/>
-              <a:t>CPU, GPU et TPU sont génériques grâce à ABC</a:t>
-            </a:r>
-          </a:p>
-          <a:p>
-            <a:pPr lvl="1"/>
-            <a:endParaRPr lang="fr-FR" dirty="0" smtClean="0"/>
-          </a:p>
-          <a:p>
-            <a:pPr lvl="1"/>
-            <a:endParaRPr lang="fr-FR" dirty="0"/>
-          </a:p>
-        </p:txBody>
-      </p:sp>
-    </p:spTree>
-    <p:extLst>
-      <p:ext uri="{BB962C8B-B14F-4D97-AF65-F5344CB8AC3E}">
-        <p14:creationId xmlns:p14="http://schemas.microsoft.com/office/powerpoint/2010/main" val="2252247136"/>
-      </p:ext>
-    </p:extLst>
-  </p:cSld>
-  <p:clrMapOvr>
-    <a:masterClrMapping/>
-  </p:clrMapOvr>
-</p:sld>
-</file>
-
-<file path=ppt/slides/slide29.xml><?xml version="1.0" encoding="utf-8"?>
-<p:sld xmlns:a="http://schemas.openxmlformats.org/drawingml/2006/main" xmlns:r="http://schemas.openxmlformats.org/officeDocument/2006/relationships" xmlns:p="http://schemas.openxmlformats.org/presentationml/2006/main">
-  <p:cSld>
-    <p:spTree>
-      <p:nvGrpSpPr>
-        <p:cNvPr id="1" name=""/>
-        <p:cNvGrpSpPr/>
-        <p:nvPr/>
-      </p:nvGrpSpPr>
-      <p:grpSpPr>
-        <a:xfrm>
-          <a:off x="0" y="0"/>
-          <a:ext cx="0" cy="0"/>
-          <a:chOff x="0" y="0"/>
-          <a:chExt cx="0" cy="0"/>
-        </a:xfrm>
-      </p:grpSpPr>
-      <p:sp>
-        <p:nvSpPr>
-          <p:cNvPr id="2" name="Titre 1"/>
-          <p:cNvSpPr>
-            <a:spLocks noGrp="1"/>
-          </p:cNvSpPr>
-          <p:nvPr>
-            <p:ph type="title"/>
-          </p:nvPr>
-        </p:nvSpPr>
-        <p:spPr/>
-        <p:txBody>
-          <a:bodyPr/>
-          <a:lstStyle/>
-          <a:p>
-            <a:r>
-              <a:rPr lang="fr-FR" dirty="0" smtClean="0"/>
-              <a:t>CUDA</a:t>
-            </a:r>
-            <a:endParaRPr lang="fr-FR" dirty="0"/>
-          </a:p>
-        </p:txBody>
-      </p:sp>
-      <p:sp>
-        <p:nvSpPr>
-          <p:cNvPr id="3" name="Espace réservé du contenu 2"/>
-          <p:cNvSpPr>
-            <a:spLocks noGrp="1"/>
-          </p:cNvSpPr>
-          <p:nvPr>
-            <p:ph idx="1"/>
-          </p:nvPr>
-        </p:nvSpPr>
-        <p:spPr/>
-        <p:txBody>
-          <a:bodyPr/>
-          <a:lstStyle/>
-          <a:p>
-            <a:r>
-              <a:rPr lang="fr-FR" dirty="0" smtClean="0"/>
-              <a:t>API et Architecture </a:t>
-            </a:r>
-            <a:r>
-              <a:rPr lang="fr-FR" dirty="0" err="1" smtClean="0"/>
-              <a:t>NVidia</a:t>
-            </a:r>
-            <a:r>
-              <a:rPr lang="fr-FR" dirty="0" smtClean="0"/>
-              <a:t> de traitement parallèle de GPU</a:t>
-            </a:r>
-          </a:p>
-          <a:p>
-            <a:r>
-              <a:rPr lang="fr-FR" dirty="0" smtClean="0"/>
-              <a:t>Obligatoire </a:t>
-            </a:r>
-            <a:r>
-              <a:rPr lang="fr-FR" dirty="0"/>
-              <a:t>p</a:t>
-            </a:r>
-            <a:r>
-              <a:rPr lang="fr-FR" dirty="0" smtClean="0"/>
-              <a:t>our </a:t>
-            </a:r>
-            <a:r>
-              <a:rPr lang="fr-FR" dirty="0" err="1" smtClean="0"/>
-              <a:t>TensorFlow</a:t>
-            </a:r>
-            <a:r>
-              <a:rPr lang="fr-FR" dirty="0" smtClean="0"/>
-              <a:t> GPU</a:t>
-            </a:r>
-          </a:p>
-          <a:p>
-            <a:pPr lvl="1"/>
-            <a:r>
-              <a:rPr lang="fr-FR" dirty="0" smtClean="0"/>
-              <a:t>Uniquement pour cartes graphiques haut de gamme</a:t>
-            </a:r>
-          </a:p>
-          <a:p>
-            <a:pPr lvl="1"/>
-            <a:r>
-              <a:rPr lang="fr-FR" dirty="0" smtClean="0"/>
-              <a:t>Compatible cartes </a:t>
-            </a:r>
-            <a:r>
-              <a:rPr lang="fr-FR" dirty="0" err="1" smtClean="0"/>
-              <a:t>mutliples</a:t>
-            </a:r>
-            <a:endParaRPr lang="fr-FR" dirty="0" smtClean="0"/>
-          </a:p>
-          <a:p>
-            <a:pPr lvl="1"/>
-            <a:r>
-              <a:rPr lang="fr-FR" dirty="0" smtClean="0"/>
-              <a:t>Compatible TPU et ferme de GPU</a:t>
-            </a:r>
-          </a:p>
-          <a:p>
-            <a:r>
-              <a:rPr lang="fr-FR" dirty="0" smtClean="0"/>
-              <a:t>CUDA </a:t>
-            </a:r>
-            <a:r>
-              <a:rPr lang="fr-FR" dirty="0" err="1" smtClean="0"/>
-              <a:t>Toolkit</a:t>
-            </a:r>
-            <a:endParaRPr lang="fr-FR" dirty="0" smtClean="0"/>
-          </a:p>
-          <a:p>
-            <a:pPr lvl="1"/>
-            <a:r>
-              <a:rPr lang="fr-FR" dirty="0" err="1"/>
-              <a:t>Toolkit</a:t>
-            </a:r>
-            <a:r>
-              <a:rPr lang="fr-FR" dirty="0"/>
-              <a:t> de programmation parallèle sur GPU</a:t>
-            </a:r>
-          </a:p>
-          <a:p>
-            <a:pPr lvl="1"/>
-            <a:r>
-              <a:rPr lang="fr-FR" dirty="0"/>
-              <a:t>CUPTI : Outil de </a:t>
-            </a:r>
-            <a:r>
-              <a:rPr lang="fr-FR" dirty="0" err="1"/>
-              <a:t>debugging</a:t>
-            </a:r>
-            <a:r>
-              <a:rPr lang="fr-FR" dirty="0"/>
-              <a:t> et </a:t>
-            </a:r>
-            <a:r>
-              <a:rPr lang="fr-FR" dirty="0" err="1"/>
-              <a:t>tracage</a:t>
-            </a:r>
-            <a:r>
-              <a:rPr lang="fr-FR" dirty="0"/>
-              <a:t> de </a:t>
-            </a:r>
-            <a:r>
-              <a:rPr lang="fr-FR" dirty="0" smtClean="0"/>
-              <a:t>GPU</a:t>
-            </a:r>
-          </a:p>
-          <a:p>
-            <a:r>
-              <a:rPr lang="fr-FR" dirty="0" err="1" smtClean="0"/>
-              <a:t>NVidia</a:t>
-            </a:r>
-            <a:r>
-              <a:rPr lang="fr-FR" dirty="0" smtClean="0"/>
-              <a:t> </a:t>
-            </a:r>
-            <a:r>
-              <a:rPr lang="fr-FR" dirty="0" err="1" smtClean="0"/>
-              <a:t>Deep</a:t>
-            </a:r>
-            <a:r>
-              <a:rPr lang="fr-FR" dirty="0" smtClean="0"/>
-              <a:t> Learning SDK est basé sur CUDA</a:t>
-            </a:r>
-          </a:p>
-          <a:p>
-            <a:pPr lvl="1"/>
-            <a:endParaRPr lang="fr-FR" dirty="0"/>
-          </a:p>
-        </p:txBody>
-      </p:sp>
-    </p:spTree>
-    <p:extLst>
-      <p:ext uri="{BB962C8B-B14F-4D97-AF65-F5344CB8AC3E}">
-        <p14:creationId xmlns:p14="http://schemas.microsoft.com/office/powerpoint/2010/main" val="877932831"/>
-      </p:ext>
-    </p:extLst>
-  </p:cSld>
-  <p:clrMapOvr>
-    <a:masterClrMapping/>
-  </p:clrMapOvr>
-</p:sld>
-</file>
-
-<file path=ppt/slides/slide3.xml><?xml version="1.0" encoding="utf-8"?>
-<p:sld xmlns:a="http://schemas.openxmlformats.org/drawingml/2006/main" xmlns:r="http://schemas.openxmlformats.org/officeDocument/2006/relationships" xmlns:p="http://schemas.openxmlformats.org/presentationml/2006/main">
-  <p:cSld>
-    <p:spTree>
-      <p:nvGrpSpPr>
-        <p:cNvPr id="1" name=""/>
-        <p:cNvGrpSpPr/>
-        <p:nvPr/>
-      </p:nvGrpSpPr>
-      <p:grpSpPr>
-        <a:xfrm>
-          <a:off x="0" y="0"/>
-          <a:ext cx="0" cy="0"/>
-          <a:chOff x="0" y="0"/>
-          <a:chExt cx="0" cy="0"/>
-        </a:xfrm>
-      </p:grpSpPr>
-      <p:sp>
-        <p:nvSpPr>
-          <p:cNvPr id="2" name="Titre 1"/>
-          <p:cNvSpPr>
-            <a:spLocks noGrp="1"/>
-          </p:cNvSpPr>
-          <p:nvPr>
-            <p:ph type="title"/>
-          </p:nvPr>
-        </p:nvSpPr>
-        <p:spPr/>
-        <p:txBody>
-          <a:bodyPr/>
-          <a:lstStyle/>
-          <a:p>
-            <a:r>
-              <a:rPr lang="fr-FR" dirty="0" smtClean="0"/>
-              <a:t>Perceptron</a:t>
-            </a:r>
-            <a:endParaRPr lang="fr-FR" dirty="0"/>
-          </a:p>
-        </p:txBody>
-      </p:sp>
-      <p:sp>
-        <p:nvSpPr>
-          <p:cNvPr id="3" name="Espace réservé du contenu 2"/>
-          <p:cNvSpPr>
-            <a:spLocks noGrp="1"/>
-          </p:cNvSpPr>
-          <p:nvPr>
-            <p:ph idx="1"/>
-          </p:nvPr>
-        </p:nvSpPr>
-        <p:spPr/>
-        <p:txBody>
-          <a:bodyPr/>
-          <a:lstStyle/>
-          <a:p>
-            <a:r>
-              <a:rPr lang="fr-FR" dirty="0" smtClean="0"/>
-              <a:t>Un perceptron possède plusieurs entrées (ix), une sortie (o), un seuil et une fonction d’activation (f)</a:t>
-            </a:r>
-          </a:p>
-          <a:p>
-            <a:r>
-              <a:rPr lang="fr-FR" dirty="0" smtClean="0"/>
-              <a:t>Chaque entrée possède un poids (</a:t>
-            </a:r>
-            <a:r>
-              <a:rPr lang="fr-FR" dirty="0" err="1" smtClean="0"/>
-              <a:t>Wx</a:t>
-            </a:r>
-            <a:r>
-              <a:rPr lang="fr-FR" dirty="0" smtClean="0"/>
-              <a:t>)</a:t>
-            </a:r>
-          </a:p>
-          <a:p>
-            <a:endParaRPr lang="fr-FR" dirty="0"/>
-          </a:p>
-        </p:txBody>
-      </p:sp>
-      <p:pic>
-        <p:nvPicPr>
-          <p:cNvPr id="1026" name="Picture 2" descr="Schéma d'un perceptron à n entrées."/>
-          <p:cNvPicPr>
-            <a:picLocks noChangeAspect="1" noChangeArrowheads="1"/>
-          </p:cNvPicPr>
-          <p:nvPr/>
-        </p:nvPicPr>
-        <p:blipFill>
-          <a:blip r:embed="rId2">
-            <a:extLst>
-              <a:ext uri="{28A0092B-C50C-407E-A947-70E740481C1C}">
-                <a14:useLocalDpi xmlns:a14="http://schemas.microsoft.com/office/drawing/2010/main" val="0"/>
-              </a:ext>
-            </a:extLst>
-          </a:blip>
-          <a:srcRect/>
-          <a:stretch>
-            <a:fillRect/>
-          </a:stretch>
-        </p:blipFill>
-        <p:spPr bwMode="auto">
-          <a:xfrm>
-            <a:off x="1216473" y="2719205"/>
-            <a:ext cx="5640561" cy="3990698"/>
-          </a:xfrm>
-          <a:prstGeom prst="rect">
-            <a:avLst/>
-          </a:prstGeom>
-          <a:noFill/>
-          <a:extLst>
-            <a:ext uri="{909E8E84-426E-40DD-AFC4-6F175D3DCCD1}">
-              <a14:hiddenFill xmlns:a14="http://schemas.microsoft.com/office/drawing/2010/main">
-                <a:solidFill>
-                  <a:srgbClr val="FFFFFF"/>
-                </a:solidFill>
-              </a14:hiddenFill>
-            </a:ext>
-          </a:extLst>
-        </p:spPr>
-      </p:pic>
-    </p:spTree>
-    <p:extLst>
-      <p:ext uri="{BB962C8B-B14F-4D97-AF65-F5344CB8AC3E}">
-        <p14:creationId xmlns:p14="http://schemas.microsoft.com/office/powerpoint/2010/main" val="3016717785"/>
-      </p:ext>
-    </p:extLst>
-  </p:cSld>
-  <p:clrMapOvr>
-    <a:masterClrMapping/>
-  </p:clrMapOvr>
-</p:sld>
-</file>
-
-<file path=ppt/slides/slide30.xml><?xml version="1.0" encoding="utf-8"?>
-<p:sld xmlns:a="http://schemas.openxmlformats.org/drawingml/2006/main" xmlns:r="http://schemas.openxmlformats.org/officeDocument/2006/relationships" xmlns:p="http://schemas.openxmlformats.org/presentationml/2006/main">
-  <p:cSld>
-    <p:spTree>
-      <p:nvGrpSpPr>
-        <p:cNvPr id="1" name=""/>
-        <p:cNvGrpSpPr/>
-        <p:nvPr/>
-      </p:nvGrpSpPr>
-      <p:grpSpPr>
-        <a:xfrm>
-          <a:off x="0" y="0"/>
-          <a:ext cx="0" cy="0"/>
-          <a:chOff x="0" y="0"/>
-          <a:chExt cx="0" cy="0"/>
-        </a:xfrm>
-      </p:grpSpPr>
-      <p:sp>
-        <p:nvSpPr>
-          <p:cNvPr id="2" name="Titre 1"/>
-          <p:cNvSpPr>
-            <a:spLocks noGrp="1"/>
-          </p:cNvSpPr>
-          <p:nvPr>
-            <p:ph type="title"/>
-          </p:nvPr>
-        </p:nvSpPr>
-        <p:spPr/>
-        <p:txBody>
-          <a:bodyPr/>
-          <a:lstStyle/>
-          <a:p>
-            <a:r>
-              <a:rPr lang="fr-FR" dirty="0" err="1" smtClean="0"/>
-              <a:t>NVidia</a:t>
-            </a:r>
-            <a:r>
-              <a:rPr lang="fr-FR" dirty="0" smtClean="0"/>
-              <a:t> </a:t>
-            </a:r>
-            <a:r>
-              <a:rPr lang="fr-FR" dirty="0" err="1" smtClean="0"/>
-              <a:t>Deep</a:t>
-            </a:r>
-            <a:r>
-              <a:rPr lang="fr-FR" dirty="0" smtClean="0"/>
-              <a:t> Learning SDK</a:t>
-            </a:r>
-            <a:endParaRPr lang="fr-FR" dirty="0"/>
-          </a:p>
-        </p:txBody>
-      </p:sp>
-      <p:sp>
-        <p:nvSpPr>
-          <p:cNvPr id="3" name="Espace réservé du contenu 2"/>
-          <p:cNvSpPr>
-            <a:spLocks noGrp="1"/>
-          </p:cNvSpPr>
-          <p:nvPr>
-            <p:ph idx="1"/>
-          </p:nvPr>
-        </p:nvSpPr>
-        <p:spPr/>
-        <p:txBody>
-          <a:bodyPr/>
-          <a:lstStyle/>
-          <a:p>
-            <a:r>
-              <a:rPr lang="fr-FR" dirty="0" smtClean="0"/>
-              <a:t>Compatible </a:t>
-            </a:r>
-            <a:r>
-              <a:rPr lang="fr-FR" dirty="0" err="1" smtClean="0"/>
-              <a:t>TensorFLow</a:t>
-            </a:r>
-            <a:r>
-              <a:rPr lang="fr-FR" dirty="0" smtClean="0"/>
-              <a:t> mais pas que</a:t>
-            </a:r>
-          </a:p>
-          <a:p>
-            <a:endParaRPr lang="fr-FR" dirty="0"/>
-          </a:p>
-          <a:p>
-            <a:endParaRPr lang="fr-FR" dirty="0" smtClean="0"/>
-          </a:p>
-          <a:p>
-            <a:endParaRPr lang="fr-FR" dirty="0"/>
-          </a:p>
-          <a:p>
-            <a:endParaRPr lang="fr-FR" dirty="0" smtClean="0"/>
-          </a:p>
-          <a:p>
-            <a:pPr lvl="1"/>
-            <a:r>
-              <a:rPr lang="fr-FR" dirty="0" err="1" smtClean="0"/>
-              <a:t>cuDNN</a:t>
-            </a:r>
-            <a:r>
-              <a:rPr lang="fr-FR" dirty="0" smtClean="0"/>
-              <a:t> : Noyau du SDK pour le </a:t>
-            </a:r>
-            <a:r>
-              <a:rPr lang="fr-FR" dirty="0" err="1" smtClean="0"/>
-              <a:t>deep</a:t>
-            </a:r>
-            <a:r>
-              <a:rPr lang="fr-FR" dirty="0" smtClean="0"/>
-              <a:t> </a:t>
-            </a:r>
-            <a:r>
-              <a:rPr lang="fr-FR" dirty="0" err="1" smtClean="0"/>
-              <a:t>learning</a:t>
-            </a:r>
-            <a:endParaRPr lang="fr-FR" dirty="0" smtClean="0"/>
-          </a:p>
-          <a:p>
-            <a:pPr lvl="1"/>
-            <a:r>
-              <a:rPr lang="fr-FR" dirty="0" err="1" smtClean="0"/>
-              <a:t>tensorRT</a:t>
-            </a:r>
-            <a:r>
-              <a:rPr lang="fr-FR" dirty="0" smtClean="0"/>
-              <a:t> : API spécialisée </a:t>
-            </a:r>
-            <a:r>
-              <a:rPr lang="fr-FR" dirty="0" err="1" smtClean="0"/>
-              <a:t>TensorFlow</a:t>
-            </a:r>
-            <a:r>
-              <a:rPr lang="fr-FR" dirty="0" smtClean="0"/>
-              <a:t> pour les perfs</a:t>
-            </a:r>
-          </a:p>
-          <a:p>
-            <a:pPr lvl="1"/>
-            <a:r>
-              <a:rPr lang="fr-FR" dirty="0" smtClean="0"/>
-              <a:t>NCCL : Multiple GPU</a:t>
-            </a:r>
-          </a:p>
-          <a:p>
-            <a:endParaRPr lang="fr-FR" dirty="0"/>
-          </a:p>
-          <a:p>
-            <a:endParaRPr lang="fr-FR" dirty="0" smtClean="0"/>
-          </a:p>
-          <a:p>
-            <a:endParaRPr lang="fr-FR" dirty="0"/>
-          </a:p>
-          <a:p>
-            <a:endParaRPr lang="fr-FR" dirty="0"/>
-          </a:p>
-        </p:txBody>
-      </p:sp>
-      <p:pic>
-        <p:nvPicPr>
-          <p:cNvPr id="4" name="Image 3"/>
-          <p:cNvPicPr>
-            <a:picLocks noChangeAspect="1"/>
-          </p:cNvPicPr>
-          <p:nvPr/>
-        </p:nvPicPr>
-        <p:blipFill>
-          <a:blip r:embed="rId2"/>
-          <a:stretch>
-            <a:fillRect/>
-          </a:stretch>
-        </p:blipFill>
-        <p:spPr>
-          <a:xfrm>
-            <a:off x="0" y="1922510"/>
-            <a:ext cx="9144000" cy="2043668"/>
-          </a:xfrm>
-          <a:prstGeom prst="rect">
-            <a:avLst/>
-          </a:prstGeom>
-        </p:spPr>
-      </p:pic>
-      <p:pic>
-        <p:nvPicPr>
-          <p:cNvPr id="5" name="Image 4"/>
-          <p:cNvPicPr>
-            <a:picLocks noChangeAspect="1"/>
-          </p:cNvPicPr>
-          <p:nvPr/>
-        </p:nvPicPr>
-        <p:blipFill>
-          <a:blip r:embed="rId3"/>
-          <a:stretch>
-            <a:fillRect/>
-          </a:stretch>
-        </p:blipFill>
-        <p:spPr>
-          <a:xfrm>
-            <a:off x="16899" y="5405832"/>
-            <a:ext cx="9144000" cy="1047504"/>
-          </a:xfrm>
-          <a:prstGeom prst="rect">
-            <a:avLst/>
-          </a:prstGeom>
-        </p:spPr>
-      </p:pic>
-    </p:spTree>
-    <p:extLst>
-      <p:ext uri="{BB962C8B-B14F-4D97-AF65-F5344CB8AC3E}">
-        <p14:creationId xmlns:p14="http://schemas.microsoft.com/office/powerpoint/2010/main" val="2238412285"/>
-      </p:ext>
-    </p:extLst>
-  </p:cSld>
-  <p:clrMapOvr>
-    <a:masterClrMapping/>
-  </p:clrMapOvr>
-</p:sld>
-</file>
-
-<file path=ppt/slides/slide31.xml><?xml version="1.0" encoding="utf-8"?>
-<p:sld xmlns:a="http://schemas.openxmlformats.org/drawingml/2006/main" xmlns:r="http://schemas.openxmlformats.org/officeDocument/2006/relationships" xmlns:p="http://schemas.openxmlformats.org/presentationml/2006/main">
-  <p:cSld>
-    <p:spTree>
-      <p:nvGrpSpPr>
-        <p:cNvPr id="1" name=""/>
-        <p:cNvGrpSpPr/>
-        <p:nvPr/>
-      </p:nvGrpSpPr>
-      <p:grpSpPr>
-        <a:xfrm>
-          <a:off x="0" y="0"/>
-          <a:ext cx="0" cy="0"/>
-          <a:chOff x="0" y="0"/>
-          <a:chExt cx="0" cy="0"/>
-        </a:xfrm>
-      </p:grpSpPr>
-      <p:sp>
-        <p:nvSpPr>
-          <p:cNvPr id="2" name="Titre 1"/>
-          <p:cNvSpPr>
-            <a:spLocks noGrp="1"/>
-          </p:cNvSpPr>
-          <p:nvPr>
-            <p:ph type="title"/>
-          </p:nvPr>
-        </p:nvSpPr>
-        <p:spPr/>
-        <p:txBody>
-          <a:bodyPr/>
-          <a:lstStyle/>
-          <a:p>
-            <a:r>
-              <a:rPr lang="fr-FR" dirty="0" smtClean="0"/>
-              <a:t>Complexité</a:t>
-            </a:r>
-            <a:endParaRPr lang="fr-FR" dirty="0"/>
-          </a:p>
-        </p:txBody>
-      </p:sp>
-      <p:sp>
-        <p:nvSpPr>
-          <p:cNvPr id="3" name="Espace réservé du contenu 2"/>
-          <p:cNvSpPr>
-            <a:spLocks noGrp="1"/>
-          </p:cNvSpPr>
-          <p:nvPr>
-            <p:ph idx="1"/>
-          </p:nvPr>
-        </p:nvSpPr>
-        <p:spPr/>
-        <p:txBody>
-          <a:bodyPr/>
-          <a:lstStyle/>
-          <a:p>
-            <a:r>
-              <a:rPr lang="fr-FR" dirty="0" smtClean="0"/>
-              <a:t>L'API </a:t>
-            </a:r>
-            <a:r>
-              <a:rPr lang="fr-FR" dirty="0" err="1" smtClean="0"/>
-              <a:t>TensorFlow</a:t>
-            </a:r>
-            <a:r>
-              <a:rPr lang="fr-FR" dirty="0" smtClean="0"/>
-              <a:t> dérive de </a:t>
-            </a:r>
-            <a:r>
-              <a:rPr lang="fr-FR" dirty="0" err="1" smtClean="0"/>
-              <a:t>DistBelief</a:t>
-            </a:r>
-            <a:r>
-              <a:rPr lang="fr-FR" dirty="0" smtClean="0"/>
-              <a:t> de Google Brain créée en 2011</a:t>
-            </a:r>
-          </a:p>
-          <a:p>
-            <a:pPr lvl="1"/>
-            <a:r>
-              <a:rPr lang="fr-FR" dirty="0" smtClean="0"/>
-              <a:t>L'API est ancienne</a:t>
-            </a:r>
-          </a:p>
-          <a:p>
-            <a:pPr lvl="1"/>
-            <a:r>
-              <a:rPr lang="fr-FR" dirty="0" smtClean="0"/>
-              <a:t>L'API est parfois un peu complexe à lire</a:t>
-            </a:r>
-          </a:p>
-          <a:p>
-            <a:pPr lvl="1"/>
-            <a:r>
-              <a:rPr lang="fr-FR" dirty="0" smtClean="0"/>
-              <a:t>L'API est parfois beaucoup plus complexe que </a:t>
-            </a:r>
-            <a:r>
-              <a:rPr lang="fr-FR" dirty="0" err="1" smtClean="0"/>
-              <a:t>SKLearn</a:t>
-            </a:r>
-            <a:endParaRPr lang="fr-FR" dirty="0" smtClean="0"/>
-          </a:p>
-          <a:p>
-            <a:pPr lvl="1"/>
-            <a:r>
-              <a:rPr lang="fr-FR" dirty="0" smtClean="0"/>
-              <a:t>Il peut être difficile de créer un réseau de neurones sur mesure</a:t>
-            </a:r>
-          </a:p>
-          <a:p>
-            <a:pPr lvl="1"/>
-            <a:r>
-              <a:rPr lang="fr-FR" dirty="0" smtClean="0"/>
-              <a:t>L'API n'est pas compatible avec d'autre implémentation de réseaux neuronaux comme </a:t>
-            </a:r>
-            <a:r>
-              <a:rPr lang="fr-FR" dirty="0" err="1" smtClean="0"/>
-              <a:t>PyTorch</a:t>
-            </a:r>
-            <a:endParaRPr lang="fr-FR" dirty="0" smtClean="0"/>
-          </a:p>
-          <a:p>
-            <a:endParaRPr lang="fr-FR" dirty="0" smtClean="0"/>
-          </a:p>
-          <a:p>
-            <a:pPr lvl="1"/>
-            <a:endParaRPr lang="fr-FR" dirty="0"/>
-          </a:p>
-        </p:txBody>
-      </p:sp>
-    </p:spTree>
-    <p:extLst>
-      <p:ext uri="{BB962C8B-B14F-4D97-AF65-F5344CB8AC3E}">
-        <p14:creationId xmlns:p14="http://schemas.microsoft.com/office/powerpoint/2010/main" val="3684128315"/>
-      </p:ext>
-    </p:extLst>
-  </p:cSld>
-  <p:clrMapOvr>
-    <a:masterClrMapping/>
-  </p:clrMapOvr>
-</p:sld>
-</file>
-
-<file path=ppt/slides/slide32.xml><?xml version="1.0" encoding="utf-8"?>
-<p:sld xmlns:a="http://schemas.openxmlformats.org/drawingml/2006/main" xmlns:r="http://schemas.openxmlformats.org/officeDocument/2006/relationships" xmlns:p="http://schemas.openxmlformats.org/presentationml/2006/main">
-  <p:cSld>
-    <p:spTree>
-      <p:nvGrpSpPr>
-        <p:cNvPr id="1" name=""/>
-        <p:cNvGrpSpPr/>
-        <p:nvPr/>
-      </p:nvGrpSpPr>
-      <p:grpSpPr>
-        <a:xfrm>
-          <a:off x="0" y="0"/>
-          <a:ext cx="0" cy="0"/>
-          <a:chOff x="0" y="0"/>
-          <a:chExt cx="0" cy="0"/>
-        </a:xfrm>
-      </p:grpSpPr>
-      <p:sp>
-        <p:nvSpPr>
-          <p:cNvPr id="2" name="Titre 1"/>
-          <p:cNvSpPr>
-            <a:spLocks noGrp="1"/>
-          </p:cNvSpPr>
-          <p:nvPr>
-            <p:ph type="title"/>
-          </p:nvPr>
-        </p:nvSpPr>
-        <p:spPr/>
-        <p:txBody>
-          <a:bodyPr/>
-          <a:lstStyle/>
-          <a:p>
-            <a:r>
-              <a:rPr lang="fr-FR" dirty="0" smtClean="0"/>
-              <a:t>Programmer </a:t>
-            </a:r>
-            <a:r>
-              <a:rPr lang="fr-FR" dirty="0" err="1" smtClean="0"/>
-              <a:t>TensorFlow</a:t>
-            </a:r>
-            <a:endParaRPr lang="fr-FR" dirty="0"/>
-          </a:p>
-        </p:txBody>
-      </p:sp>
-      <p:pic>
-        <p:nvPicPr>
-          <p:cNvPr id="2050" name="Picture 2" descr="https://www.tensorflow.org/images/tensorflow_programming_environment.png"/>
-          <p:cNvPicPr>
-            <a:picLocks noChangeAspect="1" noChangeArrowheads="1"/>
-          </p:cNvPicPr>
-          <p:nvPr/>
-        </p:nvPicPr>
-        <p:blipFill>
-          <a:blip r:embed="rId2">
-            <a:extLst>
-              <a:ext uri="{28A0092B-C50C-407E-A947-70E740481C1C}">
-                <a14:useLocalDpi xmlns:a14="http://schemas.microsoft.com/office/drawing/2010/main" val="0"/>
-              </a:ext>
-            </a:extLst>
-          </a:blip>
-          <a:srcRect/>
-          <a:stretch>
-            <a:fillRect/>
-          </a:stretch>
-        </p:blipFill>
-        <p:spPr bwMode="auto">
-          <a:xfrm>
-            <a:off x="433331" y="1628800"/>
-            <a:ext cx="8712616" cy="3816424"/>
-          </a:xfrm>
-          <a:prstGeom prst="rect">
-            <a:avLst/>
-          </a:prstGeom>
-          <a:noFill/>
-          <a:extLst>
-            <a:ext uri="{909E8E84-426E-40DD-AFC4-6F175D3DCCD1}">
-              <a14:hiddenFill xmlns:a14="http://schemas.microsoft.com/office/drawing/2010/main">
-                <a:solidFill>
-                  <a:srgbClr val="FFFFFF"/>
-                </a:solidFill>
-              </a14:hiddenFill>
-            </a:ext>
-          </a:extLst>
-        </p:spPr>
-      </p:pic>
-    </p:spTree>
-    <p:extLst>
-      <p:ext uri="{BB962C8B-B14F-4D97-AF65-F5344CB8AC3E}">
-        <p14:creationId xmlns:p14="http://schemas.microsoft.com/office/powerpoint/2010/main" val="980100207"/>
-      </p:ext>
-    </p:extLst>
-  </p:cSld>
-  <p:clrMapOvr>
-    <a:masterClrMapping/>
-  </p:clrMapOvr>
-</p:sld>
-</file>
-
-<file path=ppt/slides/slide33.xml><?xml version="1.0" encoding="utf-8"?>
-<p:sld xmlns:a="http://schemas.openxmlformats.org/drawingml/2006/main" xmlns:r="http://schemas.openxmlformats.org/officeDocument/2006/relationships" xmlns:p="http://schemas.openxmlformats.org/presentationml/2006/main">
-  <p:cSld>
-    <p:spTree>
-      <p:nvGrpSpPr>
-        <p:cNvPr id="1" name=""/>
-        <p:cNvGrpSpPr/>
-        <p:nvPr/>
-      </p:nvGrpSpPr>
-      <p:grpSpPr>
-        <a:xfrm>
-          <a:off x="0" y="0"/>
-          <a:ext cx="0" cy="0"/>
-          <a:chOff x="0" y="0"/>
-          <a:chExt cx="0" cy="0"/>
-        </a:xfrm>
-      </p:grpSpPr>
-      <p:sp>
-        <p:nvSpPr>
-          <p:cNvPr id="2" name="Titre 1"/>
-          <p:cNvSpPr>
-            <a:spLocks noGrp="1"/>
-          </p:cNvSpPr>
-          <p:nvPr>
-            <p:ph type="title"/>
-          </p:nvPr>
-        </p:nvSpPr>
-        <p:spPr/>
-        <p:txBody>
-          <a:bodyPr/>
-          <a:lstStyle/>
-          <a:p>
-            <a:r>
-              <a:rPr lang="fr-FR" smtClean="0"/>
-              <a:t>Modèle DNN</a:t>
-            </a:r>
-            <a:endParaRPr lang="fr-FR"/>
-          </a:p>
-        </p:txBody>
-      </p:sp>
-      <p:sp>
-        <p:nvSpPr>
-          <p:cNvPr id="3" name="Espace réservé du contenu 2"/>
-          <p:cNvSpPr>
-            <a:spLocks noGrp="1"/>
-          </p:cNvSpPr>
-          <p:nvPr>
-            <p:ph idx="1"/>
-          </p:nvPr>
-        </p:nvSpPr>
-        <p:spPr/>
-        <p:txBody>
-          <a:bodyPr/>
-          <a:lstStyle/>
-          <a:p>
-            <a:r>
-              <a:rPr lang="fr-FR" dirty="0" err="1" smtClean="0"/>
-              <a:t>Deep</a:t>
-            </a:r>
-            <a:r>
-              <a:rPr lang="fr-FR" dirty="0" smtClean="0"/>
-              <a:t> Neural Network</a:t>
-            </a:r>
-          </a:p>
-          <a:p>
-            <a:r>
-              <a:rPr lang="fr-FR" dirty="0" smtClean="0"/>
-              <a:t>Les réseaux neuronaux sont implémentés dans les </a:t>
-            </a:r>
-            <a:r>
-              <a:rPr lang="fr-FR" dirty="0" err="1" smtClean="0"/>
-              <a:t>Estimator</a:t>
-            </a:r>
-            <a:r>
-              <a:rPr lang="fr-FR" dirty="0" smtClean="0"/>
-              <a:t> TF</a:t>
-            </a:r>
-          </a:p>
-          <a:p>
-            <a:pPr lvl="1"/>
-            <a:r>
-              <a:rPr lang="fr-FR" dirty="0" err="1" smtClean="0"/>
-              <a:t>DNNClassifier</a:t>
-            </a:r>
-            <a:endParaRPr lang="fr-FR" dirty="0" smtClean="0"/>
-          </a:p>
-          <a:p>
-            <a:r>
-              <a:rPr lang="fr-FR" dirty="0" smtClean="0"/>
-              <a:t>Difficiles à utiliser</a:t>
-            </a:r>
-          </a:p>
-          <a:p>
-            <a:r>
-              <a:rPr lang="fr-FR" dirty="0" smtClean="0"/>
-              <a:t>Préférer </a:t>
-            </a:r>
-            <a:r>
-              <a:rPr lang="fr-FR" dirty="0" err="1" smtClean="0"/>
-              <a:t>Keras</a:t>
-            </a:r>
-            <a:endParaRPr lang="fr-FR" dirty="0" smtClean="0"/>
-          </a:p>
-          <a:p>
-            <a:pPr lvl="1"/>
-            <a:endParaRPr lang="fr-FR" dirty="0"/>
-          </a:p>
-        </p:txBody>
-      </p:sp>
-      <p:pic>
-        <p:nvPicPr>
-          <p:cNvPr id="1026" name="Picture 2" descr="../_images/multilayerperceptron_network.png"/>
-          <p:cNvPicPr>
-            <a:picLocks noChangeAspect="1" noChangeArrowheads="1"/>
-          </p:cNvPicPr>
-          <p:nvPr/>
-        </p:nvPicPr>
-        <p:blipFill>
-          <a:blip r:embed="rId2">
-            <a:extLst>
-              <a:ext uri="{28A0092B-C50C-407E-A947-70E740481C1C}">
-                <a14:useLocalDpi xmlns:a14="http://schemas.microsoft.com/office/drawing/2010/main" val="0"/>
-              </a:ext>
-            </a:extLst>
-          </a:blip>
-          <a:srcRect/>
-          <a:stretch>
-            <a:fillRect/>
-          </a:stretch>
-        </p:blipFill>
-        <p:spPr bwMode="auto">
-          <a:xfrm>
-            <a:off x="3923928" y="2550470"/>
-            <a:ext cx="3600400" cy="3913079"/>
-          </a:xfrm>
-          <a:prstGeom prst="rect">
-            <a:avLst/>
-          </a:prstGeom>
-          <a:noFill/>
-          <a:extLst>
-            <a:ext uri="{909E8E84-426E-40DD-AFC4-6F175D3DCCD1}">
-              <a14:hiddenFill xmlns:a14="http://schemas.microsoft.com/office/drawing/2010/main">
-                <a:solidFill>
-                  <a:srgbClr val="FFFFFF"/>
-                </a:solidFill>
-              </a14:hiddenFill>
-            </a:ext>
-          </a:extLst>
-        </p:spPr>
-      </p:pic>
-    </p:spTree>
-    <p:extLst>
-      <p:ext uri="{BB962C8B-B14F-4D97-AF65-F5344CB8AC3E}">
-        <p14:creationId xmlns:p14="http://schemas.microsoft.com/office/powerpoint/2010/main" val="250569521"/>
-      </p:ext>
-    </p:extLst>
-  </p:cSld>
-  <p:clrMapOvr>
-    <a:masterClrMapping/>
-  </p:clrMapOvr>
-</p:sld>
-</file>
-
-<file path=ppt/slides/slide34.xml><?xml version="1.0" encoding="utf-8"?>
 <p:sld xmlns:a="http://schemas.openxmlformats.org/drawingml/2006/main" xmlns:r="http://schemas.openxmlformats.org/officeDocument/2006/relationships" xmlns:p="http://schemas.openxmlformats.org/presentationml/2006/main">
   <p:cSld>
     <p:spTree>
@@ -7784,7 +6652,7 @@
 </p:sld>
 </file>
 
-<file path=ppt/slides/slide35.xml><?xml version="1.0" encoding="utf-8"?>
+<file path=ppt/slides/slide29.xml><?xml version="1.0" encoding="utf-8"?>
 <p:sld xmlns:a="http://schemas.openxmlformats.org/drawingml/2006/main" xmlns:r="http://schemas.openxmlformats.org/officeDocument/2006/relationships" xmlns:p="http://schemas.openxmlformats.org/presentationml/2006/main">
   <p:cSld>
     <p:spTree>
@@ -7894,7 +6762,7 @@
 </p:sld>
 </file>
 
-<file path=ppt/slides/slide36.xml><?xml version="1.0" encoding="utf-8"?>
+<file path=ppt/slides/slide3.xml><?xml version="1.0" encoding="utf-8"?>
 <p:sld xmlns:a="http://schemas.openxmlformats.org/drawingml/2006/main" xmlns:r="http://schemas.openxmlformats.org/officeDocument/2006/relationships" xmlns:p="http://schemas.openxmlformats.org/presentationml/2006/main">
   <p:cSld>
     <p:spTree>
@@ -7927,6 +6795,139 @@
           <a:lstStyle/>
           <a:p>
             <a:r>
+              <a:rPr lang="fr-FR" dirty="0" smtClean="0"/>
+              <a:t>Perceptron</a:t>
+            </a:r>
+            <a:endParaRPr lang="fr-FR" dirty="0"/>
+          </a:p>
+        </p:txBody>
+      </p:sp>
+      <p:sp>
+        <p:nvSpPr>
+          <p:cNvPr id="3" name="Espace réservé du contenu 2"/>
+          <p:cNvSpPr>
+            <a:spLocks noGrp="1"/>
+          </p:cNvSpPr>
+          <p:nvPr>
+            <p:ph idx="1"/>
+          </p:nvPr>
+        </p:nvSpPr>
+        <p:spPr/>
+        <p:txBody>
+          <a:bodyPr/>
+          <a:lstStyle/>
+          <a:p>
+            <a:r>
+              <a:rPr lang="fr-FR" dirty="0" smtClean="0"/>
+              <a:t>Un perceptron possède plusieurs entrées (ix), une sortie (o), un seuil et une fonction d’activation (f)</a:t>
+            </a:r>
+          </a:p>
+          <a:p>
+            <a:r>
+              <a:rPr lang="fr-FR" dirty="0" smtClean="0"/>
+              <a:t>Chaque entrée possède un poids (</a:t>
+            </a:r>
+            <a:r>
+              <a:rPr lang="fr-FR" dirty="0" err="1" smtClean="0"/>
+              <a:t>Wx</a:t>
+            </a:r>
+            <a:r>
+              <a:rPr lang="fr-FR" dirty="0" smtClean="0"/>
+              <a:t>)</a:t>
+            </a:r>
+          </a:p>
+          <a:p>
+            <a:endParaRPr lang="fr-FR" dirty="0"/>
+          </a:p>
+        </p:txBody>
+      </p:sp>
+      <p:pic>
+        <p:nvPicPr>
+          <p:cNvPr id="1026" name="Picture 2" descr="Schéma d'un perceptron à n entrées."/>
+          <p:cNvPicPr>
+            <a:picLocks noChangeAspect="1" noChangeArrowheads="1"/>
+          </p:cNvPicPr>
+          <p:nvPr/>
+        </p:nvPicPr>
+        <p:blipFill>
+          <a:blip r:embed="rId2">
+            <a:extLst>
+              <a:ext uri="{28A0092B-C50C-407E-A947-70E740481C1C}">
+                <a14:useLocalDpi xmlns:a14="http://schemas.microsoft.com/office/drawing/2010/main" val="0"/>
+              </a:ext>
+            </a:extLst>
+          </a:blip>
+          <a:srcRect/>
+          <a:stretch>
+            <a:fillRect/>
+          </a:stretch>
+        </p:blipFill>
+        <p:spPr bwMode="auto">
+          <a:xfrm>
+            <a:off x="1216473" y="2719205"/>
+            <a:ext cx="5640561" cy="3990698"/>
+          </a:xfrm>
+          <a:prstGeom prst="rect">
+            <a:avLst/>
+          </a:prstGeom>
+          <a:noFill/>
+          <a:extLst>
+            <a:ext uri="{909E8E84-426E-40DD-AFC4-6F175D3DCCD1}">
+              <a14:hiddenFill xmlns:a14="http://schemas.microsoft.com/office/drawing/2010/main">
+                <a:solidFill>
+                  <a:srgbClr val="FFFFFF"/>
+                </a:solidFill>
+              </a14:hiddenFill>
+            </a:ext>
+          </a:extLst>
+        </p:spPr>
+      </p:pic>
+    </p:spTree>
+    <p:extLst>
+      <p:ext uri="{BB962C8B-B14F-4D97-AF65-F5344CB8AC3E}">
+        <p14:creationId xmlns:p14="http://schemas.microsoft.com/office/powerpoint/2010/main" val="3016717785"/>
+      </p:ext>
+    </p:extLst>
+  </p:cSld>
+  <p:clrMapOvr>
+    <a:masterClrMapping/>
+  </p:clrMapOvr>
+</p:sld>
+</file>
+
+<file path=ppt/slides/slide30.xml><?xml version="1.0" encoding="utf-8"?>
+<p:sld xmlns:a="http://schemas.openxmlformats.org/drawingml/2006/main" xmlns:r="http://schemas.openxmlformats.org/officeDocument/2006/relationships" xmlns:p="http://schemas.openxmlformats.org/presentationml/2006/main">
+  <p:cSld>
+    <p:spTree>
+      <p:nvGrpSpPr>
+        <p:cNvPr id="1" name=""/>
+        <p:cNvGrpSpPr/>
+        <p:nvPr/>
+      </p:nvGrpSpPr>
+      <p:grpSpPr>
+        <a:xfrm>
+          <a:off x="0" y="0"/>
+          <a:ext cx="0" cy="0"/>
+          <a:chOff x="0" y="0"/>
+          <a:chExt cx="0" cy="0"/>
+        </a:xfrm>
+      </p:grpSpPr>
+      <p:sp>
+        <p:nvSpPr>
+          <p:cNvPr id="2" name="Titre 1"/>
+          <p:cNvSpPr>
+            <a:spLocks noGrp="1"/>
+          </p:cNvSpPr>
+          <p:nvPr>
+            <p:ph type="title"/>
+          </p:nvPr>
+        </p:nvSpPr>
+        <p:spPr/>
+        <p:txBody>
+          <a:bodyPr/>
+          <a:lstStyle/>
+          <a:p>
+            <a:r>
               <a:rPr lang="fr-FR" dirty="0" err="1" smtClean="0"/>
               <a:t>Deep</a:t>
             </a:r>
@@ -8056,7 +7057,7 @@
 </p:sld>
 </file>
 
-<file path=ppt/slides/slide37.xml><?xml version="1.0" encoding="utf-8"?>
+<file path=ppt/slides/slide31.xml><?xml version="1.0" encoding="utf-8"?>
 <p:sld xmlns:a="http://schemas.openxmlformats.org/drawingml/2006/main" xmlns:r="http://schemas.openxmlformats.org/officeDocument/2006/relationships" xmlns:p="http://schemas.openxmlformats.org/presentationml/2006/main">
   <p:cSld>
     <p:spTree>
@@ -8169,7 +7170,7 @@
 </p:sld>
 </file>
 
-<file path=ppt/slides/slide38.xml><?xml version="1.0" encoding="utf-8"?>
+<file path=ppt/slides/slide32.xml><?xml version="1.0" encoding="utf-8"?>
 <p:sld xmlns:a="http://schemas.openxmlformats.org/drawingml/2006/main" xmlns:r="http://schemas.openxmlformats.org/officeDocument/2006/relationships" xmlns:p="http://schemas.openxmlformats.org/presentationml/2006/main">
   <p:cSld>
     <p:spTree>
@@ -8489,7 +7490,7 @@
 </p:sld>
 </file>
 
-<file path=ppt/slides/slide39.xml><?xml version="1.0" encoding="utf-8"?>
+<file path=ppt/slides/slide33.xml><?xml version="1.0" encoding="utf-8"?>
 <p:sld xmlns:a="http://schemas.openxmlformats.org/drawingml/2006/main" xmlns:r="http://schemas.openxmlformats.org/officeDocument/2006/relationships" xmlns:p="http://schemas.openxmlformats.org/presentationml/2006/main">
   <p:cSld>
     <p:spTree>
@@ -8722,165 +7723,7 @@
 </p:sld>
 </file>
 
-<file path=ppt/slides/slide4.xml><?xml version="1.0" encoding="utf-8"?>
-<p:sld xmlns:a="http://schemas.openxmlformats.org/drawingml/2006/main" xmlns:r="http://schemas.openxmlformats.org/officeDocument/2006/relationships" xmlns:p="http://schemas.openxmlformats.org/presentationml/2006/main">
-  <p:cSld>
-    <p:spTree>
-      <p:nvGrpSpPr>
-        <p:cNvPr id="1" name=""/>
-        <p:cNvGrpSpPr/>
-        <p:nvPr/>
-      </p:nvGrpSpPr>
-      <p:grpSpPr>
-        <a:xfrm>
-          <a:off x="0" y="0"/>
-          <a:ext cx="0" cy="0"/>
-          <a:chOff x="0" y="0"/>
-          <a:chExt cx="0" cy="0"/>
-        </a:xfrm>
-      </p:grpSpPr>
-      <p:sp>
-        <p:nvSpPr>
-          <p:cNvPr id="2" name="Titre 1"/>
-          <p:cNvSpPr>
-            <a:spLocks noGrp="1"/>
-          </p:cNvSpPr>
-          <p:nvPr>
-            <p:ph type="title"/>
-          </p:nvPr>
-        </p:nvSpPr>
-        <p:spPr/>
-        <p:txBody>
-          <a:bodyPr/>
-          <a:lstStyle/>
-          <a:p>
-            <a:r>
-              <a:rPr lang="fr-FR" dirty="0" smtClean="0"/>
-              <a:t>Perceptron</a:t>
-            </a:r>
-            <a:endParaRPr lang="fr-FR" dirty="0"/>
-          </a:p>
-        </p:txBody>
-      </p:sp>
-      <p:sp>
-        <p:nvSpPr>
-          <p:cNvPr id="3" name="Espace réservé du contenu 2"/>
-          <p:cNvSpPr>
-            <a:spLocks noGrp="1"/>
-          </p:cNvSpPr>
-          <p:nvPr>
-            <p:ph idx="1"/>
-          </p:nvPr>
-        </p:nvSpPr>
-        <p:spPr/>
-        <p:txBody>
-          <a:bodyPr/>
-          <a:lstStyle/>
-          <a:p>
-            <a:r>
-              <a:rPr lang="fr-FR" dirty="0" smtClean="0"/>
-              <a:t>L’ensemble des entrées sont multipliés à leurs poids puis sommés</a:t>
-            </a:r>
-          </a:p>
-          <a:p>
-            <a:r>
-              <a:rPr lang="fr-FR" dirty="0"/>
-              <a:t>s</a:t>
-            </a:r>
-            <a:r>
-              <a:rPr lang="fr-FR" dirty="0" smtClean="0"/>
-              <a:t>ignal = </a:t>
-            </a:r>
-            <a:r>
-              <a:rPr lang="fr-FR" dirty="0" err="1" smtClean="0"/>
-              <a:t>sum</a:t>
-            </a:r>
-            <a:r>
-              <a:rPr lang="fr-FR" dirty="0" smtClean="0"/>
-              <a:t>(i[x]*W[x])</a:t>
-            </a:r>
-          </a:p>
-          <a:p>
-            <a:r>
-              <a:rPr lang="fr-FR" dirty="0" smtClean="0"/>
-              <a:t>Si f(signal) &gt; seuil (ou biais) alors le signal passe dans le sortie</a:t>
-            </a:r>
-          </a:p>
-          <a:p>
-            <a:r>
-              <a:rPr lang="fr-FR" dirty="0" smtClean="0"/>
-              <a:t>f est souvent une tangente hyperbolique ou une sigmoïde</a:t>
-            </a:r>
-          </a:p>
-          <a:p>
-            <a:pPr lvl="1"/>
-            <a:r>
-              <a:rPr lang="fr-FR" dirty="0" smtClean="0"/>
-              <a:t>F = </a:t>
-            </a:r>
-            <a:r>
-              <a:rPr lang="fr-FR" dirty="0" err="1" smtClean="0"/>
-              <a:t>math.tanh</a:t>
-            </a:r>
-            <a:endParaRPr lang="fr-FR" dirty="0"/>
-          </a:p>
-        </p:txBody>
-      </p:sp>
-      <p:pic>
-        <p:nvPicPr>
-          <p:cNvPr id="2050" name="Picture 2" descr="https://upload.wikimedia.org/wikipedia/commons/9/9d/Sigmoide.PNG"/>
-          <p:cNvPicPr>
-            <a:picLocks noChangeAspect="1" noChangeArrowheads="1"/>
-          </p:cNvPicPr>
-          <p:nvPr/>
-        </p:nvPicPr>
-        <p:blipFill>
-          <a:blip r:embed="rId2">
-            <a:extLst>
-              <a:ext uri="{28A0092B-C50C-407E-A947-70E740481C1C}">
-                <a14:useLocalDpi xmlns:a14="http://schemas.microsoft.com/office/drawing/2010/main" val="0"/>
-              </a:ext>
-            </a:extLst>
-          </a:blip>
-          <a:srcRect/>
-          <a:stretch>
-            <a:fillRect/>
-          </a:stretch>
-        </p:blipFill>
-        <p:spPr bwMode="auto">
-          <a:xfrm>
-            <a:off x="5580112" y="4449855"/>
-            <a:ext cx="2328193" cy="1973613"/>
-          </a:xfrm>
-          <a:prstGeom prst="rect">
-            <a:avLst/>
-          </a:prstGeom>
-          <a:noFill/>
-          <a:extLst>
-            <a:ext uri="{909E8E84-426E-40DD-AFC4-6F175D3DCCD1}">
-              <a14:hiddenFill xmlns:a14="http://schemas.microsoft.com/office/drawing/2010/main">
-                <a:solidFill>
-                  <a:srgbClr val="FFFFFF"/>
-                </a:solidFill>
-              </a14:hiddenFill>
-            </a:ext>
-          </a:extLst>
-        </p:spPr>
-      </p:pic>
-    </p:spTree>
-    <p:extLst>
-      <p:ext uri="{BB962C8B-B14F-4D97-AF65-F5344CB8AC3E}">
-        <p14:creationId xmlns:p14="http://schemas.microsoft.com/office/powerpoint/2010/main" val="3658446976"/>
-      </p:ext>
-    </p:extLst>
-  </p:cSld>
-  <p:clrMapOvr>
-    <a:masterClrMapping/>
-  </p:clrMapOvr>
-</p:sld>
-</file>
-
-<file path=ppt/slides/slide40.xml><?xml version="1.0" encoding="utf-8"?>
+<file path=ppt/slides/slide34.xml><?xml version="1.0" encoding="utf-8"?>
 <p:sld xmlns:a="http://schemas.openxmlformats.org/drawingml/2006/main" xmlns:r="http://schemas.openxmlformats.org/officeDocument/2006/relationships" xmlns:p="http://schemas.openxmlformats.org/presentationml/2006/main">
   <p:cSld>
     <p:spTree>
@@ -8980,7 +7823,7 @@
 </p:sld>
 </file>
 
-<file path=ppt/slides/slide41.xml><?xml version="1.0" encoding="utf-8"?>
+<file path=ppt/slides/slide35.xml><?xml version="1.0" encoding="utf-8"?>
 <p:sld xmlns:a="http://schemas.openxmlformats.org/drawingml/2006/main" xmlns:r="http://schemas.openxmlformats.org/officeDocument/2006/relationships" xmlns:p="http://schemas.openxmlformats.org/presentationml/2006/main">
   <p:cSld>
     <p:spTree>
@@ -9089,7 +7932,7 @@
 </p:sld>
 </file>
 
-<file path=ppt/slides/slide42.xml><?xml version="1.0" encoding="utf-8"?>
+<file path=ppt/slides/slide36.xml><?xml version="1.0" encoding="utf-8"?>
 <p:sld xmlns:a="http://schemas.openxmlformats.org/drawingml/2006/main" xmlns:r="http://schemas.openxmlformats.org/officeDocument/2006/relationships" xmlns:p="http://schemas.openxmlformats.org/presentationml/2006/main">
   <p:cSld>
     <p:spTree>
@@ -9353,7 +8196,7 @@
 </p:sld>
 </file>
 
-<file path=ppt/slides/slide43.xml><?xml version="1.0" encoding="utf-8"?>
+<file path=ppt/slides/slide37.xml><?xml version="1.0" encoding="utf-8"?>
 <p:sld xmlns:a="http://schemas.openxmlformats.org/drawingml/2006/main" xmlns:r="http://schemas.openxmlformats.org/officeDocument/2006/relationships" xmlns:p="http://schemas.openxmlformats.org/presentationml/2006/main">
   <p:cSld>
     <p:spTree>
@@ -9513,7 +8356,7 @@
 </p:sld>
 </file>
 
-<file path=ppt/slides/slide44.xml><?xml version="1.0" encoding="utf-8"?>
+<file path=ppt/slides/slide38.xml><?xml version="1.0" encoding="utf-8"?>
 <p:sld xmlns:a="http://schemas.openxmlformats.org/drawingml/2006/main" xmlns:r="http://schemas.openxmlformats.org/officeDocument/2006/relationships" xmlns:p="http://schemas.openxmlformats.org/presentationml/2006/main">
   <p:cSld>
     <p:spTree>
@@ -9621,7 +8464,7 @@
 </p:sld>
 </file>
 
-<file path=ppt/slides/slide45.xml><?xml version="1.0" encoding="utf-8"?>
+<file path=ppt/slides/slide39.xml><?xml version="1.0" encoding="utf-8"?>
 <p:sld xmlns:a="http://schemas.openxmlformats.org/drawingml/2006/main" xmlns:r="http://schemas.openxmlformats.org/officeDocument/2006/relationships" xmlns:p="http://schemas.openxmlformats.org/presentationml/2006/main">
   <p:cSld>
     <p:spTree>
@@ -9734,7 +8577,7 @@
 </p:sld>
 </file>
 
-<file path=ppt/slides/slide46.xml><?xml version="1.0" encoding="utf-8"?>
+<file path=ppt/slides/slide4.xml><?xml version="1.0" encoding="utf-8"?>
 <p:sld xmlns:a="http://schemas.openxmlformats.org/drawingml/2006/main" xmlns:r="http://schemas.openxmlformats.org/officeDocument/2006/relationships" xmlns:p="http://schemas.openxmlformats.org/presentationml/2006/main">
   <p:cSld>
     <p:spTree>
@@ -9767,8 +8610,8 @@
           <a:lstStyle/>
           <a:p>
             <a:r>
-              <a:rPr lang="fr-FR" dirty="0" err="1" smtClean="0"/>
-              <a:t>Predict</a:t>
+              <a:rPr lang="fr-FR" dirty="0" smtClean="0"/>
+              <a:t>Perceptron</a:t>
             </a:r>
             <a:endParaRPr lang="fr-FR" dirty="0"/>
           </a:p>
@@ -9791,54 +8634,98 @@
           <a:p>
             <a:r>
               <a:rPr lang="fr-FR" dirty="0" smtClean="0"/>
-              <a:t>Prédiction</a:t>
+              <a:t>L’ensemble des entrées sont multipliés à leurs poids puis sommés</a:t>
+            </a:r>
+          </a:p>
+          <a:p>
+            <a:r>
+              <a:rPr lang="fr-FR" dirty="0"/>
+              <a:t>s</a:t>
+            </a:r>
+            <a:r>
+              <a:rPr lang="fr-FR" dirty="0" smtClean="0"/>
+              <a:t>ignal = </a:t>
+            </a:r>
+            <a:r>
+              <a:rPr lang="fr-FR" dirty="0" err="1" smtClean="0"/>
+              <a:t>sum</a:t>
+            </a:r>
+            <a:r>
+              <a:rPr lang="fr-FR" dirty="0" smtClean="0"/>
+              <a:t>(i[x]*W[x])</a:t>
+            </a:r>
+          </a:p>
+          <a:p>
+            <a:r>
+              <a:rPr lang="fr-FR" dirty="0" smtClean="0"/>
+              <a:t>Si f(signal) &gt; seuil (ou biais) alors le signal passe dans le sortie</a:t>
+            </a:r>
+          </a:p>
+          <a:p>
+            <a:r>
+              <a:rPr lang="fr-FR" dirty="0" smtClean="0"/>
+              <a:t>f est souvent une tangente hyperbolique ou une sigmoïde</a:t>
             </a:r>
           </a:p>
           <a:p>
             <a:pPr lvl="1"/>
             <a:r>
+              <a:rPr lang="fr-FR" dirty="0" smtClean="0"/>
+              <a:t>F = </a:t>
+            </a:r>
+            <a:r>
               <a:rPr lang="fr-FR" dirty="0" err="1" smtClean="0"/>
-              <a:t>result</a:t>
-            </a:r>
-            <a:r>
-              <a:rPr lang="fr-FR" dirty="0" smtClean="0"/>
-              <a:t> </a:t>
-            </a:r>
-            <a:r>
-              <a:rPr lang="fr-FR" dirty="0"/>
-              <a:t>= </a:t>
-            </a:r>
-            <a:r>
-              <a:rPr lang="fr-FR" dirty="0" smtClean="0"/>
-              <a:t>model %&gt;% </a:t>
-            </a:r>
-            <a:r>
-              <a:rPr lang="fr-FR" dirty="0" err="1" smtClean="0"/>
-              <a:t>predict</a:t>
-            </a:r>
-            <a:r>
-              <a:rPr lang="fr-FR" dirty="0" smtClean="0"/>
-              <a:t>(data</a:t>
-            </a:r>
-            <a:r>
-              <a:rPr lang="fr-FR" dirty="0"/>
-              <a:t>, </a:t>
-            </a:r>
-            <a:r>
-              <a:rPr lang="fr-FR" dirty="0" err="1"/>
-              <a:t>batch_size</a:t>
-            </a:r>
-            <a:r>
-              <a:rPr lang="fr-FR" dirty="0"/>
-              <a:t>=32)</a:t>
-            </a:r>
-          </a:p>
-        </p:txBody>
-      </p:sp>
+              <a:t>math.tanh</a:t>
+            </a:r>
+            <a:endParaRPr lang="fr-FR" dirty="0"/>
+          </a:p>
+        </p:txBody>
+      </p:sp>
+      <p:pic>
+        <p:nvPicPr>
+          <p:cNvPr id="2050" name="Picture 2" descr="https://upload.wikimedia.org/wikipedia/commons/9/9d/Sigmoide.PNG"/>
+          <p:cNvPicPr>
+            <a:picLocks noChangeAspect="1" noChangeArrowheads="1"/>
+          </p:cNvPicPr>
+          <p:nvPr/>
+        </p:nvPicPr>
+        <p:blipFill>
+          <a:blip r:embed="rId2">
+            <a:extLst>
+              <a:ext uri="{28A0092B-C50C-407E-A947-70E740481C1C}">
+                <a14:useLocalDpi xmlns:a14="http://schemas.microsoft.com/office/drawing/2010/main" val="0"/>
+              </a:ext>
+            </a:extLst>
+          </a:blip>
+          <a:srcRect/>
+          <a:stretch>
+            <a:fillRect/>
+          </a:stretch>
+        </p:blipFill>
+        <p:spPr bwMode="auto">
+          <a:xfrm>
+            <a:off x="5580112" y="4449855"/>
+            <a:ext cx="2328193" cy="1973613"/>
+          </a:xfrm>
+          <a:prstGeom prst="rect">
+            <a:avLst/>
+          </a:prstGeom>
+          <a:noFill/>
+          <a:extLst>
+            <a:ext uri="{909E8E84-426E-40DD-AFC4-6F175D3DCCD1}">
+              <a14:hiddenFill xmlns:a14="http://schemas.microsoft.com/office/drawing/2010/main">
+                <a:solidFill>
+                  <a:srgbClr val="FFFFFF"/>
+                </a:solidFill>
+              </a14:hiddenFill>
+            </a:ext>
+          </a:extLst>
+        </p:spPr>
+      </p:pic>
     </p:spTree>
     <p:extLst>
       <p:ext uri="{BB962C8B-B14F-4D97-AF65-F5344CB8AC3E}">
-        <p14:creationId xmlns:p14="http://schemas.microsoft.com/office/powerpoint/2010/main" val="4067905807"/>
+        <p14:creationId xmlns:p14="http://schemas.microsoft.com/office/powerpoint/2010/main" val="3658446976"/>
       </p:ext>
     </p:extLst>
   </p:cSld>
@@ -9848,7 +8735,7 @@
 </p:sld>
 </file>
 
-<file path=ppt/slides/slide47.xml><?xml version="1.0" encoding="utf-8"?>
+<file path=ppt/slides/slide40.xml><?xml version="1.0" encoding="utf-8"?>
 <p:sld xmlns:a="http://schemas.openxmlformats.org/drawingml/2006/main" xmlns:r="http://schemas.openxmlformats.org/officeDocument/2006/relationships" xmlns:p="http://schemas.openxmlformats.org/presentationml/2006/main">
   <p:cSld>
     <p:spTree>
@@ -9881,6 +8768,120 @@
           <a:lstStyle/>
           <a:p>
             <a:r>
+              <a:rPr lang="fr-FR" dirty="0" err="1" smtClean="0"/>
+              <a:t>Predict</a:t>
+            </a:r>
+            <a:endParaRPr lang="fr-FR" dirty="0"/>
+          </a:p>
+        </p:txBody>
+      </p:sp>
+      <p:sp>
+        <p:nvSpPr>
+          <p:cNvPr id="3" name="Espace réservé du contenu 2"/>
+          <p:cNvSpPr>
+            <a:spLocks noGrp="1"/>
+          </p:cNvSpPr>
+          <p:nvPr>
+            <p:ph idx="1"/>
+          </p:nvPr>
+        </p:nvSpPr>
+        <p:spPr/>
+        <p:txBody>
+          <a:bodyPr/>
+          <a:lstStyle/>
+          <a:p>
+            <a:r>
+              <a:rPr lang="fr-FR" dirty="0" smtClean="0"/>
+              <a:t>Prédiction</a:t>
+            </a:r>
+          </a:p>
+          <a:p>
+            <a:pPr lvl="1"/>
+            <a:r>
+              <a:rPr lang="fr-FR" dirty="0" err="1" smtClean="0"/>
+              <a:t>result</a:t>
+            </a:r>
+            <a:r>
+              <a:rPr lang="fr-FR" dirty="0" smtClean="0"/>
+              <a:t> </a:t>
+            </a:r>
+            <a:r>
+              <a:rPr lang="fr-FR" dirty="0"/>
+              <a:t>= </a:t>
+            </a:r>
+            <a:r>
+              <a:rPr lang="fr-FR" dirty="0" smtClean="0"/>
+              <a:t>model %&gt;% </a:t>
+            </a:r>
+            <a:r>
+              <a:rPr lang="fr-FR" dirty="0" err="1" smtClean="0"/>
+              <a:t>predict</a:t>
+            </a:r>
+            <a:r>
+              <a:rPr lang="fr-FR" dirty="0" smtClean="0"/>
+              <a:t>(data</a:t>
+            </a:r>
+            <a:r>
+              <a:rPr lang="fr-FR" dirty="0"/>
+              <a:t>, </a:t>
+            </a:r>
+            <a:r>
+              <a:rPr lang="fr-FR" dirty="0" err="1"/>
+              <a:t>batch_size</a:t>
+            </a:r>
+            <a:r>
+              <a:rPr lang="fr-FR" dirty="0"/>
+              <a:t>=32)</a:t>
+            </a:r>
+          </a:p>
+        </p:txBody>
+      </p:sp>
+    </p:spTree>
+    <p:extLst>
+      <p:ext uri="{BB962C8B-B14F-4D97-AF65-F5344CB8AC3E}">
+        <p14:creationId xmlns:p14="http://schemas.microsoft.com/office/powerpoint/2010/main" val="4067905807"/>
+      </p:ext>
+    </p:extLst>
+  </p:cSld>
+  <p:clrMapOvr>
+    <a:masterClrMapping/>
+  </p:clrMapOvr>
+</p:sld>
+</file>
+
+<file path=ppt/slides/slide41.xml><?xml version="1.0" encoding="utf-8"?>
+<p:sld xmlns:a="http://schemas.openxmlformats.org/drawingml/2006/main" xmlns:r="http://schemas.openxmlformats.org/officeDocument/2006/relationships" xmlns:p="http://schemas.openxmlformats.org/presentationml/2006/main">
+  <p:cSld>
+    <p:spTree>
+      <p:nvGrpSpPr>
+        <p:cNvPr id="1" name=""/>
+        <p:cNvGrpSpPr/>
+        <p:nvPr/>
+      </p:nvGrpSpPr>
+      <p:grpSpPr>
+        <a:xfrm>
+          <a:off x="0" y="0"/>
+          <a:ext cx="0" cy="0"/>
+          <a:chOff x="0" y="0"/>
+          <a:chExt cx="0" cy="0"/>
+        </a:xfrm>
+      </p:grpSpPr>
+      <p:sp>
+        <p:nvSpPr>
+          <p:cNvPr id="2" name="Titre 1"/>
+          <p:cNvSpPr>
+            <a:spLocks noGrp="1"/>
+          </p:cNvSpPr>
+          <p:nvPr>
+            <p:ph type="title"/>
+          </p:nvPr>
+        </p:nvSpPr>
+        <p:spPr/>
+        <p:txBody>
+          <a:bodyPr/>
+          <a:lstStyle/>
+          <a:p>
+            <a:r>
               <a:rPr lang="fr-FR" smtClean="0"/>
               <a:t>Solidification du modèle</a:t>
             </a:r>
@@ -9941,7 +8942,7 @@
 </p:sld>
 </file>
 
-<file path=ppt/slides/slide48.xml><?xml version="1.0" encoding="utf-8"?>
+<file path=ppt/slides/slide42.xml><?xml version="1.0" encoding="utf-8"?>
 <p:sld xmlns:a="http://schemas.openxmlformats.org/drawingml/2006/main" xmlns:r="http://schemas.openxmlformats.org/officeDocument/2006/relationships" xmlns:p="http://schemas.openxmlformats.org/presentationml/2006/main">
   <p:cSld>
     <p:spTree>
@@ -10051,113 +9052,6 @@
     <p:extLst>
       <p:ext uri="{BB962C8B-B14F-4D97-AF65-F5344CB8AC3E}">
         <p14:creationId xmlns:p14="http://schemas.microsoft.com/office/powerpoint/2010/main" val="1252484460"/>
-      </p:ext>
-    </p:extLst>
-  </p:cSld>
-  <p:clrMapOvr>
-    <a:masterClrMapping/>
-  </p:clrMapOvr>
-</p:sld>
-</file>
-
-<file path=ppt/slides/slide49.xml><?xml version="1.0" encoding="utf-8"?>
-<p:sld xmlns:a="http://schemas.openxmlformats.org/drawingml/2006/main" xmlns:r="http://schemas.openxmlformats.org/officeDocument/2006/relationships" xmlns:p="http://schemas.openxmlformats.org/presentationml/2006/main">
-  <p:cSld>
-    <p:spTree>
-      <p:nvGrpSpPr>
-        <p:cNvPr id="1" name=""/>
-        <p:cNvGrpSpPr/>
-        <p:nvPr/>
-      </p:nvGrpSpPr>
-      <p:grpSpPr>
-        <a:xfrm>
-          <a:off x="0" y="0"/>
-          <a:ext cx="0" cy="0"/>
-          <a:chOff x="0" y="0"/>
-          <a:chExt cx="0" cy="0"/>
-        </a:xfrm>
-      </p:grpSpPr>
-      <p:sp>
-        <p:nvSpPr>
-          <p:cNvPr id="2" name="Titre 1"/>
-          <p:cNvSpPr>
-            <a:spLocks noGrp="1"/>
-          </p:cNvSpPr>
-          <p:nvPr>
-            <p:ph type="title"/>
-          </p:nvPr>
-        </p:nvSpPr>
-        <p:spPr/>
-        <p:txBody>
-          <a:bodyPr/>
-          <a:lstStyle/>
-          <a:p>
-            <a:r>
-              <a:rPr lang="fr-FR" smtClean="0"/>
-              <a:t>GPU</a:t>
-            </a:r>
-            <a:endParaRPr lang="fr-FR"/>
-          </a:p>
-        </p:txBody>
-      </p:sp>
-      <p:sp>
-        <p:nvSpPr>
-          <p:cNvPr id="3" name="Espace réservé du contenu 2"/>
-          <p:cNvSpPr>
-            <a:spLocks noGrp="1"/>
-          </p:cNvSpPr>
-          <p:nvPr>
-            <p:ph idx="1"/>
-          </p:nvPr>
-        </p:nvSpPr>
-        <p:spPr/>
-        <p:txBody>
-          <a:bodyPr/>
-          <a:lstStyle/>
-          <a:p>
-            <a:r>
-              <a:rPr lang="fr-FR" smtClean="0"/>
-              <a:t>Keras n'est pas compatible GPU et multi-CPU</a:t>
-            </a:r>
-          </a:p>
-          <a:p>
-            <a:r>
-              <a:rPr lang="fr-FR" smtClean="0"/>
-              <a:t>Il faut le transformer en TF</a:t>
-            </a:r>
-          </a:p>
-          <a:p>
-            <a:r>
-              <a:rPr lang="fr-FR" smtClean="0"/>
-              <a:t>TF marche alors automatiquement en GPU</a:t>
-            </a:r>
-          </a:p>
-          <a:p>
-            <a:pPr lvl="1"/>
-            <a:r>
-              <a:rPr lang="fr-FR" smtClean="0"/>
-              <a:t>Après installation des prérequis</a:t>
-            </a:r>
-          </a:p>
-          <a:p>
-            <a:pPr lvl="1"/>
-            <a:r>
-              <a:rPr lang="fr-FR" smtClean="0"/>
-              <a:t>input_fn obligatoire</a:t>
-            </a:r>
-          </a:p>
-          <a:p>
-            <a:r>
-              <a:rPr lang="fr-FR" smtClean="0"/>
-              <a:t>TF peut être distribué sur une ferme de GPU</a:t>
-            </a:r>
-          </a:p>
-        </p:txBody>
-      </p:sp>
-    </p:spTree>
-    <p:extLst>
-      <p:ext uri="{BB962C8B-B14F-4D97-AF65-F5344CB8AC3E}">
-        <p14:creationId xmlns:p14="http://schemas.microsoft.com/office/powerpoint/2010/main" val="3999827248"/>
       </p:ext>
     </p:extLst>
   </p:cSld>

--- a/ppt/R-15-DeepLearning.pptx
+++ b/ppt/R-15-DeepLearning.pptx
@@ -3902,6 +3902,13 @@
   <p:clrMapOvr>
     <a:masterClrMapping/>
   </p:clrMapOvr>
+  <p:timing>
+    <p:tnLst>
+      <p:par>
+        <p:cTn id="1" dur="indefinite" restart="never" nodeType="tmRoot"/>
+      </p:par>
+    </p:tnLst>
+  </p:timing>
 </p:sld>
 </file>
 
@@ -3998,6 +4005,13 @@
   <p:clrMapOvr>
     <a:masterClrMapping/>
   </p:clrMapOvr>
+  <p:timing>
+    <p:tnLst>
+      <p:par>
+        <p:cTn id="1" dur="indefinite" restart="never" nodeType="tmRoot"/>
+      </p:par>
+    </p:tnLst>
+  </p:timing>
 </p:sld>
 </file>
 
@@ -4109,6 +4123,13 @@
   <p:clrMapOvr>
     <a:masterClrMapping/>
   </p:clrMapOvr>
+  <p:timing>
+    <p:tnLst>
+      <p:par>
+        <p:cTn id="1" dur="indefinite" restart="never" nodeType="tmRoot"/>
+      </p:par>
+    </p:tnLst>
+  </p:timing>
 </p:sld>
 </file>
 
@@ -4296,6 +4317,13 @@
   <p:clrMapOvr>
     <a:masterClrMapping/>
   </p:clrMapOvr>
+  <p:timing>
+    <p:tnLst>
+      <p:par>
+        <p:cTn id="1" dur="indefinite" restart="never" nodeType="tmRoot"/>
+      </p:par>
+    </p:tnLst>
+  </p:timing>
 </p:sld>
 </file>
 
@@ -4398,6 +4426,13 @@
   <p:clrMapOvr>
     <a:masterClrMapping/>
   </p:clrMapOvr>
+  <p:timing>
+    <p:tnLst>
+      <p:par>
+        <p:cTn id="1" dur="indefinite" restart="never" nodeType="tmRoot"/>
+      </p:par>
+    </p:tnLst>
+  </p:timing>
 </p:sld>
 </file>
 
@@ -4505,6 +4540,13 @@
   <p:clrMapOvr>
     <a:masterClrMapping/>
   </p:clrMapOvr>
+  <p:timing>
+    <p:tnLst>
+      <p:par>
+        <p:cTn id="1" dur="indefinite" restart="never" nodeType="tmRoot"/>
+      </p:par>
+    </p:tnLst>
+  </p:timing>
 </p:sld>
 </file>
 
@@ -4607,6 +4649,13 @@
   <p:clrMapOvr>
     <a:masterClrMapping/>
   </p:clrMapOvr>
+  <p:timing>
+    <p:tnLst>
+      <p:par>
+        <p:cTn id="1" dur="indefinite" restart="never" nodeType="tmRoot"/>
+      </p:par>
+    </p:tnLst>
+  </p:timing>
 </p:sld>
 </file>
 
@@ -4772,6 +4821,13 @@
   <p:clrMapOvr>
     <a:masterClrMapping/>
   </p:clrMapOvr>
+  <p:timing>
+    <p:tnLst>
+      <p:par>
+        <p:cTn id="1" dur="indefinite" restart="never" nodeType="tmRoot"/>
+      </p:par>
+    </p:tnLst>
+  </p:timing>
 </p:sld>
 </file>
 
@@ -5035,6 +5091,13 @@
   <p:clrMapOvr>
     <a:masterClrMapping/>
   </p:clrMapOvr>
+  <p:timing>
+    <p:tnLst>
+      <p:par>
+        <p:cTn id="1" dur="indefinite" restart="never" nodeType="tmRoot"/>
+      </p:par>
+    </p:tnLst>
+  </p:timing>
 </p:sld>
 </file>
 
@@ -5179,6 +5242,13 @@
   <p:clrMapOvr>
     <a:masterClrMapping/>
   </p:clrMapOvr>
+  <p:timing>
+    <p:tnLst>
+      <p:par>
+        <p:cTn id="1" dur="indefinite" restart="never" nodeType="tmRoot"/>
+      </p:par>
+    </p:tnLst>
+  </p:timing>
 </p:sld>
 </file>
 
@@ -5263,6 +5333,13 @@
   <p:clrMapOvr>
     <a:masterClrMapping/>
   </p:clrMapOvr>
+  <p:timing>
+    <p:tnLst>
+      <p:par>
+        <p:cTn id="1" dur="indefinite" restart="never" nodeType="tmRoot"/>
+      </p:par>
+    </p:tnLst>
+  </p:timing>
 </p:sld>
 </file>
 
@@ -5353,11 +5430,15 @@
             </a:r>
             <a:r>
               <a:rPr lang="fr-FR" dirty="0" err="1" smtClean="0"/>
-              <a:t>TensofFlow</a:t>
-            </a:r>
-            <a:r>
-              <a:rPr lang="fr-FR" dirty="0" smtClean="0"/>
-              <a:t> qui est plus complexe</a:t>
+              <a:t>TensorFlow</a:t>
+            </a:r>
+            <a:r>
+              <a:rPr lang="fr-FR" dirty="0" smtClean="0"/>
+              <a:t> </a:t>
+            </a:r>
+            <a:r>
+              <a:rPr lang="fr-FR" dirty="0" smtClean="0"/>
+              <a:t>qui est plus complexe</a:t>
             </a:r>
             <a:endParaRPr lang="fr-FR" dirty="0"/>
           </a:p>
@@ -5373,6 +5454,13 @@
   <p:clrMapOvr>
     <a:masterClrMapping/>
   </p:clrMapOvr>
+  <p:timing>
+    <p:tnLst>
+      <p:par>
+        <p:cTn id="1" dur="indefinite" restart="never" nodeType="tmRoot"/>
+      </p:par>
+    </p:tnLst>
+  </p:timing>
 </p:sld>
 </file>
 
@@ -5606,6 +5694,13 @@
   <p:clrMapOvr>
     <a:masterClrMapping/>
   </p:clrMapOvr>
+  <p:timing>
+    <p:tnLst>
+      <p:par>
+        <p:cTn id="1" dur="indefinite" restart="never" nodeType="tmRoot"/>
+      </p:par>
+    </p:tnLst>
+  </p:timing>
 </p:sld>
 </file>
 
@@ -5717,6 +5812,13 @@
   <p:clrMapOvr>
     <a:masterClrMapping/>
   </p:clrMapOvr>
+  <p:timing>
+    <p:tnLst>
+      <p:par>
+        <p:cTn id="1" dur="indefinite" restart="never" nodeType="tmRoot"/>
+      </p:par>
+    </p:tnLst>
+  </p:timing>
 </p:sld>
 </file>
 
@@ -5817,6 +5919,13 @@
   <p:clrMapOvr>
     <a:masterClrMapping/>
   </p:clrMapOvr>
+  <p:timing>
+    <p:tnLst>
+      <p:par>
+        <p:cTn id="1" dur="indefinite" restart="never" nodeType="tmRoot"/>
+      </p:par>
+    </p:tnLst>
+  </p:timing>
 </p:sld>
 </file>
 
@@ -5934,6 +6043,13 @@
   <p:clrMapOvr>
     <a:masterClrMapping/>
   </p:clrMapOvr>
+  <p:timing>
+    <p:tnLst>
+      <p:par>
+        <p:cTn id="1" dur="indefinite" restart="never" nodeType="tmRoot"/>
+      </p:par>
+    </p:tnLst>
+  </p:timing>
 </p:sld>
 </file>
 
@@ -6037,6 +6153,13 @@
   <p:clrMapOvr>
     <a:masterClrMapping/>
   </p:clrMapOvr>
+  <p:timing>
+    <p:tnLst>
+      <p:par>
+        <p:cTn id="1" dur="indefinite" restart="never" nodeType="tmRoot"/>
+      </p:par>
+    </p:tnLst>
+  </p:timing>
 </p:sld>
 </file>
 
@@ -6102,15 +6225,7 @@
           <a:p>
             <a:r>
               <a:rPr lang="fr-FR" dirty="0" smtClean="0"/>
-              <a:t>Possède un fonctionnalité intéressante : Il </a:t>
-            </a:r>
-            <a:r>
-              <a:rPr lang="fr-FR" dirty="0" smtClean="0"/>
-              <a:t>affiche </a:t>
-            </a:r>
-            <a:r>
-              <a:rPr lang="fr-FR" dirty="0" smtClean="0"/>
-              <a:t>le réseau graphiquement</a:t>
+              <a:t>Possède un fonctionnalité intéressante : Il affiche le réseau graphiquement</a:t>
             </a:r>
           </a:p>
         </p:txBody>
@@ -6173,6 +6288,13 @@
   <p:clrMapOvr>
     <a:masterClrMapping/>
   </p:clrMapOvr>
+  <p:timing>
+    <p:tnLst>
+      <p:par>
+        <p:cTn id="1" dur="indefinite" restart="never" nodeType="tmRoot"/>
+      </p:par>
+    </p:tnLst>
+  </p:timing>
 </p:sld>
 </file>
 
@@ -6338,6 +6460,13 @@
   <p:clrMapOvr>
     <a:masterClrMapping/>
   </p:clrMapOvr>
+  <p:timing>
+    <p:tnLst>
+      <p:par>
+        <p:cTn id="1" dur="indefinite" restart="never" nodeType="tmRoot"/>
+      </p:par>
+    </p:tnLst>
+  </p:timing>
 </p:sld>
 </file>
 
@@ -6649,6 +6778,13 @@
   <p:clrMapOvr>
     <a:masterClrMapping/>
   </p:clrMapOvr>
+  <p:timing>
+    <p:tnLst>
+      <p:par>
+        <p:cTn id="1" dur="indefinite" restart="never" nodeType="tmRoot"/>
+      </p:par>
+    </p:tnLst>
+  </p:timing>
 </p:sld>
 </file>
 
@@ -6759,6 +6895,13 @@
   <p:clrMapOvr>
     <a:masterClrMapping/>
   </p:clrMapOvr>
+  <p:timing>
+    <p:tnLst>
+      <p:par>
+        <p:cTn id="1" dur="indefinite" restart="never" nodeType="tmRoot"/>
+      </p:par>
+    </p:tnLst>
+  </p:timing>
 </p:sld>
 </file>
 
@@ -6892,6 +7035,13 @@
   <p:clrMapOvr>
     <a:masterClrMapping/>
   </p:clrMapOvr>
+  <p:timing>
+    <p:tnLst>
+      <p:par>
+        <p:cTn id="1" dur="indefinite" restart="never" nodeType="tmRoot"/>
+      </p:par>
+    </p:tnLst>
+  </p:timing>
 </p:sld>
 </file>
 
@@ -7054,6 +7204,13 @@
   <p:clrMapOvr>
     <a:masterClrMapping/>
   </p:clrMapOvr>
+  <p:timing>
+    <p:tnLst>
+      <p:par>
+        <p:cTn id="1" dur="indefinite" restart="never" nodeType="tmRoot"/>
+      </p:par>
+    </p:tnLst>
+  </p:timing>
 </p:sld>
 </file>
 
@@ -7167,6 +7324,13 @@
   <p:clrMapOvr>
     <a:masterClrMapping/>
   </p:clrMapOvr>
+  <p:timing>
+    <p:tnLst>
+      <p:par>
+        <p:cTn id="1" dur="indefinite" restart="never" nodeType="tmRoot"/>
+      </p:par>
+    </p:tnLst>
+  </p:timing>
 </p:sld>
 </file>
 
@@ -7487,6 +7651,13 @@
   <p:clrMapOvr>
     <a:masterClrMapping/>
   </p:clrMapOvr>
+  <p:timing>
+    <p:tnLst>
+      <p:par>
+        <p:cTn id="1" dur="indefinite" restart="never" nodeType="tmRoot"/>
+      </p:par>
+    </p:tnLst>
+  </p:timing>
 </p:sld>
 </file>
 
@@ -7720,6 +7891,13 @@
   <p:clrMapOvr>
     <a:masterClrMapping/>
   </p:clrMapOvr>
+  <p:timing>
+    <p:tnLst>
+      <p:par>
+        <p:cTn id="1" dur="indefinite" restart="never" nodeType="tmRoot"/>
+      </p:par>
+    </p:tnLst>
+  </p:timing>
 </p:sld>
 </file>
 
@@ -7820,6 +7998,13 @@
   <p:clrMapOvr>
     <a:masterClrMapping/>
   </p:clrMapOvr>
+  <p:timing>
+    <p:tnLst>
+      <p:par>
+        <p:cTn id="1" dur="indefinite" restart="never" nodeType="tmRoot"/>
+      </p:par>
+    </p:tnLst>
+  </p:timing>
 </p:sld>
 </file>
 
@@ -7929,6 +8114,13 @@
   <p:clrMapOvr>
     <a:masterClrMapping/>
   </p:clrMapOvr>
+  <p:timing>
+    <p:tnLst>
+      <p:par>
+        <p:cTn id="1" dur="indefinite" restart="never" nodeType="tmRoot"/>
+      </p:par>
+    </p:tnLst>
+  </p:timing>
 </p:sld>
 </file>
 
@@ -8193,6 +8385,13 @@
   <p:clrMapOvr>
     <a:masterClrMapping/>
   </p:clrMapOvr>
+  <p:timing>
+    <p:tnLst>
+      <p:par>
+        <p:cTn id="1" dur="indefinite" restart="never" nodeType="tmRoot"/>
+      </p:par>
+    </p:tnLst>
+  </p:timing>
 </p:sld>
 </file>
 
@@ -8353,6 +8552,13 @@
   <p:clrMapOvr>
     <a:masterClrMapping/>
   </p:clrMapOvr>
+  <p:timing>
+    <p:tnLst>
+      <p:par>
+        <p:cTn id="1" dur="indefinite" restart="never" nodeType="tmRoot"/>
+      </p:par>
+    </p:tnLst>
+  </p:timing>
 </p:sld>
 </file>
 
@@ -8461,6 +8667,13 @@
   <p:clrMapOvr>
     <a:masterClrMapping/>
   </p:clrMapOvr>
+  <p:timing>
+    <p:tnLst>
+      <p:par>
+        <p:cTn id="1" dur="indefinite" restart="never" nodeType="tmRoot"/>
+      </p:par>
+    </p:tnLst>
+  </p:timing>
 </p:sld>
 </file>
 
@@ -8574,6 +8787,13 @@
   <p:clrMapOvr>
     <a:masterClrMapping/>
   </p:clrMapOvr>
+  <p:timing>
+    <p:tnLst>
+      <p:par>
+        <p:cTn id="1" dur="indefinite" restart="never" nodeType="tmRoot"/>
+      </p:par>
+    </p:tnLst>
+  </p:timing>
 </p:sld>
 </file>
 
@@ -8732,6 +8952,13 @@
   <p:clrMapOvr>
     <a:masterClrMapping/>
   </p:clrMapOvr>
+  <p:timing>
+    <p:tnLst>
+      <p:par>
+        <p:cTn id="1" dur="indefinite" restart="never" nodeType="tmRoot"/>
+      </p:par>
+    </p:tnLst>
+  </p:timing>
 </p:sld>
 </file>
 
@@ -8846,6 +9073,13 @@
   <p:clrMapOvr>
     <a:masterClrMapping/>
   </p:clrMapOvr>
+  <p:timing>
+    <p:tnLst>
+      <p:par>
+        <p:cTn id="1" dur="indefinite" restart="never" nodeType="tmRoot"/>
+      </p:par>
+    </p:tnLst>
+  </p:timing>
 </p:sld>
 </file>
 
@@ -8939,6 +9173,13 @@
   <p:clrMapOvr>
     <a:masterClrMapping/>
   </p:clrMapOvr>
+  <p:timing>
+    <p:tnLst>
+      <p:par>
+        <p:cTn id="1" dur="indefinite" restart="never" nodeType="tmRoot"/>
+      </p:par>
+    </p:tnLst>
+  </p:timing>
 </p:sld>
 </file>
 
@@ -9058,6 +9299,13 @@
   <p:clrMapOvr>
     <a:masterClrMapping/>
   </p:clrMapOvr>
+  <p:timing>
+    <p:tnLst>
+      <p:par>
+        <p:cTn id="1" dur="indefinite" restart="never" nodeType="tmRoot"/>
+      </p:par>
+    </p:tnLst>
+  </p:timing>
 </p:sld>
 </file>
 
@@ -9249,6 +9497,13 @@
   <p:clrMapOvr>
     <a:masterClrMapping/>
   </p:clrMapOvr>
+  <p:timing>
+    <p:tnLst>
+      <p:par>
+        <p:cTn id="1" dur="indefinite" restart="never" nodeType="tmRoot"/>
+      </p:par>
+    </p:tnLst>
+  </p:timing>
 </p:sld>
 </file>
 
@@ -9345,6 +9600,13 @@
   <p:clrMapOvr>
     <a:masterClrMapping/>
   </p:clrMapOvr>
+  <p:timing>
+    <p:tnLst>
+      <p:par>
+        <p:cTn id="1" dur="indefinite" restart="never" nodeType="tmRoot"/>
+      </p:par>
+    </p:tnLst>
+  </p:timing>
 </p:sld>
 </file>
 
@@ -9441,6 +9703,13 @@
   <p:clrMapOvr>
     <a:masterClrMapping/>
   </p:clrMapOvr>
+  <p:timing>
+    <p:tnLst>
+      <p:par>
+        <p:cTn id="1" dur="indefinite" restart="never" nodeType="tmRoot"/>
+      </p:par>
+    </p:tnLst>
+  </p:timing>
 </p:sld>
 </file>
 
@@ -9537,6 +9806,13 @@
   <p:clrMapOvr>
     <a:masterClrMapping/>
   </p:clrMapOvr>
+  <p:timing>
+    <p:tnLst>
+      <p:par>
+        <p:cTn id="1" dur="indefinite" restart="never" nodeType="tmRoot"/>
+      </p:par>
+    </p:tnLst>
+  </p:timing>
 </p:sld>
 </file>
 
@@ -9637,6 +9913,13 @@
   <p:clrMapOvr>
     <a:masterClrMapping/>
   </p:clrMapOvr>
+  <p:timing>
+    <p:tnLst>
+      <p:par>
+        <p:cTn id="1" dur="indefinite" restart="never" nodeType="tmRoot"/>
+      </p:par>
+    </p:tnLst>
+  </p:timing>
 </p:sld>
 </file>
 

--- a/ppt/R-15-DeepLearning.pptx
+++ b/ppt/R-15-DeepLearning.pptx
@@ -645,35 +645,35 @@
           <a:p>
             <a:pPr lvl="0"/>
             <a:r>
-              <a:rPr lang="fr-FR" noProof="0" smtClean="0"/>
+              <a:rPr lang="fr-FR" noProof="0"/>
               <a:t>Cliquez pour modifier les styles du texte du masque</a:t>
             </a:r>
           </a:p>
           <a:p>
             <a:pPr lvl="1"/>
             <a:r>
-              <a:rPr lang="fr-FR" noProof="0" smtClean="0"/>
+              <a:rPr lang="fr-FR" noProof="0"/>
               <a:t>Deuxième niveau</a:t>
             </a:r>
           </a:p>
           <a:p>
             <a:pPr lvl="2"/>
             <a:r>
-              <a:rPr lang="fr-FR" noProof="0" smtClean="0"/>
+              <a:rPr lang="fr-FR" noProof="0"/>
               <a:t>Troisième niveau</a:t>
             </a:r>
           </a:p>
           <a:p>
             <a:pPr lvl="3"/>
             <a:r>
-              <a:rPr lang="fr-FR" noProof="0" smtClean="0"/>
+              <a:rPr lang="fr-FR" noProof="0"/>
               <a:t>Quatrième niveau</a:t>
             </a:r>
           </a:p>
           <a:p>
             <a:pPr lvl="4"/>
             <a:r>
-              <a:rPr lang="fr-FR" noProof="0" smtClean="0"/>
+              <a:rPr lang="fr-FR" noProof="0"/>
               <a:t>Cinquième niveau</a:t>
             </a:r>
           </a:p>
@@ -961,10 +961,9 @@
           <a:lstStyle/>
           <a:p>
             <a:r>
-              <a:rPr lang="fr-FR" smtClean="0"/>
+              <a:rPr lang="fr-FR"/>
               <a:t>Cliquez pour modifier le style du titre</a:t>
             </a:r>
-            <a:endParaRPr lang="fr-FR"/>
           </a:p>
         </p:txBody>
       </p:sp>
@@ -1026,10 +1025,9 @@
           </a:lstStyle>
           <a:p>
             <a:r>
-              <a:rPr lang="fr-FR" smtClean="0"/>
+              <a:rPr lang="fr-FR"/>
               <a:t>Cliquez pour modifier le style des sous-titres du masque</a:t>
             </a:r>
-            <a:endParaRPr lang="fr-FR"/>
           </a:p>
         </p:txBody>
       </p:sp>
@@ -1084,10 +1082,9 @@
           <a:lstStyle/>
           <a:p>
             <a:r>
-              <a:rPr lang="fr-FR" smtClean="0"/>
+              <a:rPr lang="fr-FR"/>
               <a:t>Cliquez pour modifier le style du titre</a:t>
             </a:r>
-            <a:endParaRPr lang="fr-FR"/>
           </a:p>
         </p:txBody>
       </p:sp>
@@ -1113,38 +1110,37 @@
           <a:p>
             <a:pPr lvl="0"/>
             <a:r>
-              <a:rPr lang="fr-FR" smtClean="0"/>
+              <a:rPr lang="fr-FR"/>
               <a:t>Cliquez pour modifier les styles du texte du masque</a:t>
             </a:r>
           </a:p>
           <a:p>
             <a:pPr lvl="1"/>
             <a:r>
-              <a:rPr lang="fr-FR" smtClean="0"/>
+              <a:rPr lang="fr-FR"/>
               <a:t>Deuxième niveau</a:t>
             </a:r>
           </a:p>
           <a:p>
             <a:pPr lvl="2"/>
             <a:r>
-              <a:rPr lang="fr-FR" smtClean="0"/>
+              <a:rPr lang="fr-FR"/>
               <a:t>Troisième niveau</a:t>
             </a:r>
           </a:p>
           <a:p>
             <a:pPr lvl="3"/>
             <a:r>
-              <a:rPr lang="fr-FR" smtClean="0"/>
+              <a:rPr lang="fr-FR"/>
               <a:t>Quatrième niveau</a:t>
             </a:r>
           </a:p>
           <a:p>
             <a:pPr lvl="4"/>
             <a:r>
-              <a:rPr lang="fr-FR" smtClean="0"/>
+              <a:rPr lang="fr-FR"/>
               <a:t>Cinquième niveau</a:t>
             </a:r>
-            <a:endParaRPr lang="fr-FR"/>
           </a:p>
         </p:txBody>
       </p:sp>
@@ -1203,10 +1199,9 @@
           </a:lstStyle>
           <a:p>
             <a:r>
-              <a:rPr lang="fr-FR" dirty="0" smtClean="0"/>
+              <a:rPr lang="fr-FR" dirty="0"/>
               <a:t>Cliquez pour modifier le style du titre</a:t>
             </a:r>
-            <a:endParaRPr lang="fr-FR" dirty="0"/>
           </a:p>
         </p:txBody>
       </p:sp>
@@ -1232,38 +1227,37 @@
           <a:p>
             <a:pPr lvl="0"/>
             <a:r>
-              <a:rPr lang="fr-FR" dirty="0" smtClean="0"/>
+              <a:rPr lang="fr-FR" dirty="0"/>
               <a:t>Cliquez pour modifier les styles du texte du masque</a:t>
             </a:r>
           </a:p>
           <a:p>
             <a:pPr lvl="1"/>
             <a:r>
-              <a:rPr lang="fr-FR" dirty="0" smtClean="0"/>
+              <a:rPr lang="fr-FR" dirty="0"/>
               <a:t>Deuxième niveau</a:t>
             </a:r>
           </a:p>
           <a:p>
             <a:pPr lvl="2"/>
             <a:r>
-              <a:rPr lang="fr-FR" dirty="0" smtClean="0"/>
+              <a:rPr lang="fr-FR" dirty="0"/>
               <a:t>Troisième niveau</a:t>
             </a:r>
           </a:p>
           <a:p>
             <a:pPr lvl="3"/>
             <a:r>
-              <a:rPr lang="fr-FR" dirty="0" smtClean="0"/>
+              <a:rPr lang="fr-FR" dirty="0"/>
               <a:t>Quatrième niveau</a:t>
             </a:r>
           </a:p>
           <a:p>
             <a:pPr lvl="4"/>
             <a:r>
-              <a:rPr lang="fr-FR" dirty="0" smtClean="0"/>
+              <a:rPr lang="fr-FR" dirty="0"/>
               <a:t>Cinquième niveau</a:t>
             </a:r>
-            <a:endParaRPr lang="fr-FR" dirty="0"/>
           </a:p>
         </p:txBody>
       </p:sp>
@@ -1313,10 +1307,9 @@
           <a:lstStyle/>
           <a:p>
             <a:r>
-              <a:rPr lang="fr-FR" smtClean="0"/>
+              <a:rPr lang="fr-FR"/>
               <a:t>Cliquez pour modifier le style du titre</a:t>
             </a:r>
-            <a:endParaRPr lang="fr-FR"/>
           </a:p>
         </p:txBody>
       </p:sp>
@@ -1370,38 +1363,37 @@
           <a:p>
             <a:pPr lvl="0"/>
             <a:r>
-              <a:rPr lang="fr-FR" smtClean="0"/>
+              <a:rPr lang="fr-FR"/>
               <a:t>Cliquez pour modifier les styles du texte du masque</a:t>
             </a:r>
           </a:p>
           <a:p>
             <a:pPr lvl="1"/>
             <a:r>
-              <a:rPr lang="fr-FR" smtClean="0"/>
+              <a:rPr lang="fr-FR"/>
               <a:t>Deuxième niveau</a:t>
             </a:r>
           </a:p>
           <a:p>
             <a:pPr lvl="2"/>
             <a:r>
-              <a:rPr lang="fr-FR" smtClean="0"/>
+              <a:rPr lang="fr-FR"/>
               <a:t>Troisième niveau</a:t>
             </a:r>
           </a:p>
           <a:p>
             <a:pPr lvl="3"/>
             <a:r>
-              <a:rPr lang="fr-FR" smtClean="0"/>
+              <a:rPr lang="fr-FR"/>
               <a:t>Quatrième niveau</a:t>
             </a:r>
           </a:p>
           <a:p>
             <a:pPr lvl="4"/>
             <a:r>
-              <a:rPr lang="fr-FR" smtClean="0"/>
+              <a:rPr lang="fr-FR"/>
               <a:t>Cinquième niveau</a:t>
             </a:r>
-            <a:endParaRPr lang="fr-FR"/>
           </a:p>
         </p:txBody>
       </p:sp>
@@ -1455,38 +1447,37 @@
           <a:p>
             <a:pPr lvl="0"/>
             <a:r>
-              <a:rPr lang="fr-FR" smtClean="0"/>
+              <a:rPr lang="fr-FR"/>
               <a:t>Cliquez pour modifier les styles du texte du masque</a:t>
             </a:r>
           </a:p>
           <a:p>
             <a:pPr lvl="1"/>
             <a:r>
-              <a:rPr lang="fr-FR" smtClean="0"/>
+              <a:rPr lang="fr-FR"/>
               <a:t>Deuxième niveau</a:t>
             </a:r>
           </a:p>
           <a:p>
             <a:pPr lvl="2"/>
             <a:r>
-              <a:rPr lang="fr-FR" smtClean="0"/>
+              <a:rPr lang="fr-FR"/>
               <a:t>Troisième niveau</a:t>
             </a:r>
           </a:p>
           <a:p>
             <a:pPr lvl="3"/>
             <a:r>
-              <a:rPr lang="fr-FR" smtClean="0"/>
+              <a:rPr lang="fr-FR"/>
               <a:t>Quatrième niveau</a:t>
             </a:r>
           </a:p>
           <a:p>
             <a:pPr lvl="4"/>
             <a:r>
-              <a:rPr lang="fr-FR" smtClean="0"/>
+              <a:rPr lang="fr-FR"/>
               <a:t>Cinquième niveau</a:t>
             </a:r>
-            <a:endParaRPr lang="fr-FR"/>
           </a:p>
         </p:txBody>
       </p:sp>
@@ -1545,10 +1536,9 @@
           </a:lstStyle>
           <a:p>
             <a:r>
-              <a:rPr lang="fr-FR" smtClean="0"/>
+              <a:rPr lang="fr-FR"/>
               <a:t>Cliquez pour modifier le style du titre</a:t>
             </a:r>
-            <a:endParaRPr lang="fr-FR"/>
           </a:p>
         </p:txBody>
       </p:sp>
@@ -1611,7 +1601,7 @@
           <a:p>
             <a:pPr lvl="0"/>
             <a:r>
-              <a:rPr lang="fr-FR" smtClean="0"/>
+              <a:rPr lang="fr-FR"/>
               <a:t>Cliquez pour modifier les styles du texte du masque</a:t>
             </a:r>
           </a:p>
@@ -1667,38 +1657,37 @@
           <a:p>
             <a:pPr lvl="0"/>
             <a:r>
-              <a:rPr lang="fr-FR" smtClean="0"/>
+              <a:rPr lang="fr-FR"/>
               <a:t>Cliquez pour modifier les styles du texte du masque</a:t>
             </a:r>
           </a:p>
           <a:p>
             <a:pPr lvl="1"/>
             <a:r>
-              <a:rPr lang="fr-FR" smtClean="0"/>
+              <a:rPr lang="fr-FR"/>
               <a:t>Deuxième niveau</a:t>
             </a:r>
           </a:p>
           <a:p>
             <a:pPr lvl="2"/>
             <a:r>
-              <a:rPr lang="fr-FR" smtClean="0"/>
+              <a:rPr lang="fr-FR"/>
               <a:t>Troisième niveau</a:t>
             </a:r>
           </a:p>
           <a:p>
             <a:pPr lvl="3"/>
             <a:r>
-              <a:rPr lang="fr-FR" smtClean="0"/>
+              <a:rPr lang="fr-FR"/>
               <a:t>Quatrième niveau</a:t>
             </a:r>
           </a:p>
           <a:p>
             <a:pPr lvl="4"/>
             <a:r>
-              <a:rPr lang="fr-FR" smtClean="0"/>
+              <a:rPr lang="fr-FR"/>
               <a:t>Cinquième niveau</a:t>
             </a:r>
-            <a:endParaRPr lang="fr-FR"/>
           </a:p>
         </p:txBody>
       </p:sp>
@@ -1761,7 +1750,7 @@
           <a:p>
             <a:pPr lvl="0"/>
             <a:r>
-              <a:rPr lang="fr-FR" smtClean="0"/>
+              <a:rPr lang="fr-FR"/>
               <a:t>Cliquez pour modifier les styles du texte du masque</a:t>
             </a:r>
           </a:p>
@@ -1817,38 +1806,37 @@
           <a:p>
             <a:pPr lvl="0"/>
             <a:r>
-              <a:rPr lang="fr-FR" smtClean="0"/>
+              <a:rPr lang="fr-FR"/>
               <a:t>Cliquez pour modifier les styles du texte du masque</a:t>
             </a:r>
           </a:p>
           <a:p>
             <a:pPr lvl="1"/>
             <a:r>
-              <a:rPr lang="fr-FR" smtClean="0"/>
+              <a:rPr lang="fr-FR"/>
               <a:t>Deuxième niveau</a:t>
             </a:r>
           </a:p>
           <a:p>
             <a:pPr lvl="2"/>
             <a:r>
-              <a:rPr lang="fr-FR" smtClean="0"/>
+              <a:rPr lang="fr-FR"/>
               <a:t>Troisième niveau</a:t>
             </a:r>
           </a:p>
           <a:p>
             <a:pPr lvl="3"/>
             <a:r>
-              <a:rPr lang="fr-FR" smtClean="0"/>
+              <a:rPr lang="fr-FR"/>
               <a:t>Quatrième niveau</a:t>
             </a:r>
           </a:p>
           <a:p>
             <a:pPr lvl="4"/>
             <a:r>
-              <a:rPr lang="fr-FR" smtClean="0"/>
+              <a:rPr lang="fr-FR"/>
               <a:t>Cinquième niveau</a:t>
             </a:r>
-            <a:endParaRPr lang="fr-FR"/>
           </a:p>
         </p:txBody>
       </p:sp>
@@ -1898,10 +1886,9 @@
           <a:lstStyle/>
           <a:p>
             <a:r>
-              <a:rPr lang="fr-FR" smtClean="0"/>
+              <a:rPr lang="fr-FR"/>
               <a:t>Cliquez pour modifier le style du titre</a:t>
             </a:r>
-            <a:endParaRPr lang="fr-FR"/>
           </a:p>
         </p:txBody>
       </p:sp>
@@ -1990,10 +1977,9 @@
           </a:lstStyle>
           <a:p>
             <a:r>
-              <a:rPr lang="fr-FR" smtClean="0"/>
+              <a:rPr lang="fr-FR"/>
               <a:t>Cliquez pour modifier le style du titre</a:t>
             </a:r>
-            <a:endParaRPr lang="fr-FR"/>
           </a:p>
         </p:txBody>
       </p:sp>
@@ -2047,38 +2033,37 @@
           <a:p>
             <a:pPr lvl="0"/>
             <a:r>
-              <a:rPr lang="fr-FR" smtClean="0"/>
+              <a:rPr lang="fr-FR"/>
               <a:t>Cliquez pour modifier les styles du texte du masque</a:t>
             </a:r>
           </a:p>
           <a:p>
             <a:pPr lvl="1"/>
             <a:r>
-              <a:rPr lang="fr-FR" smtClean="0"/>
+              <a:rPr lang="fr-FR"/>
               <a:t>Deuxième niveau</a:t>
             </a:r>
           </a:p>
           <a:p>
             <a:pPr lvl="2"/>
             <a:r>
-              <a:rPr lang="fr-FR" smtClean="0"/>
+              <a:rPr lang="fr-FR"/>
               <a:t>Troisième niveau</a:t>
             </a:r>
           </a:p>
           <a:p>
             <a:pPr lvl="3"/>
             <a:r>
-              <a:rPr lang="fr-FR" smtClean="0"/>
+              <a:rPr lang="fr-FR"/>
               <a:t>Quatrième niveau</a:t>
             </a:r>
           </a:p>
           <a:p>
             <a:pPr lvl="4"/>
             <a:r>
-              <a:rPr lang="fr-FR" smtClean="0"/>
+              <a:rPr lang="fr-FR"/>
               <a:t>Cinquième niveau</a:t>
             </a:r>
-            <a:endParaRPr lang="fr-FR"/>
           </a:p>
         </p:txBody>
       </p:sp>
@@ -2141,7 +2126,7 @@
           <a:p>
             <a:pPr lvl="0"/>
             <a:r>
-              <a:rPr lang="fr-FR" smtClean="0"/>
+              <a:rPr lang="fr-FR"/>
               <a:t>Cliquez pour modifier les styles du texte du masque</a:t>
             </a:r>
           </a:p>
@@ -2202,10 +2187,9 @@
           </a:lstStyle>
           <a:p>
             <a:r>
-              <a:rPr lang="fr-FR" smtClean="0"/>
+              <a:rPr lang="fr-FR"/>
               <a:t>Cliquez pour modifier le style du titre</a:t>
             </a:r>
-            <a:endParaRPr lang="fr-FR"/>
           </a:p>
         </p:txBody>
       </p:sp>
@@ -2267,7 +2251,7 @@
           </a:lstStyle>
           <a:p>
             <a:pPr lvl="0"/>
-            <a:endParaRPr lang="fr-FR" noProof="0" smtClean="0"/>
+            <a:endParaRPr lang="fr-FR" noProof="0"/>
           </a:p>
         </p:txBody>
       </p:sp>
@@ -2330,7 +2314,7 @@
           <a:p>
             <a:pPr lvl="0"/>
             <a:r>
-              <a:rPr lang="fr-FR" smtClean="0"/>
+              <a:rPr lang="fr-FR"/>
               <a:t>Cliquez pour modifier les styles du texte du masque</a:t>
             </a:r>
           </a:p>
@@ -2382,10 +2366,9 @@
           <a:lstStyle/>
           <a:p>
             <a:r>
-              <a:rPr lang="fr-FR" smtClean="0"/>
+              <a:rPr lang="fr-FR"/>
               <a:t>Cliquez pour modifier le style du titre</a:t>
             </a:r>
-            <a:endParaRPr lang="fr-FR"/>
           </a:p>
         </p:txBody>
       </p:sp>
@@ -2406,38 +2389,37 @@
           <a:p>
             <a:pPr lvl="0"/>
             <a:r>
-              <a:rPr lang="fr-FR" smtClean="0"/>
+              <a:rPr lang="fr-FR"/>
               <a:t>Cliquez pour modifier les styles du texte du masque</a:t>
             </a:r>
           </a:p>
           <a:p>
             <a:pPr lvl="1"/>
             <a:r>
-              <a:rPr lang="fr-FR" smtClean="0"/>
+              <a:rPr lang="fr-FR"/>
               <a:t>Deuxième niveau</a:t>
             </a:r>
           </a:p>
           <a:p>
             <a:pPr lvl="2"/>
             <a:r>
-              <a:rPr lang="fr-FR" smtClean="0"/>
+              <a:rPr lang="fr-FR"/>
               <a:t>Troisième niveau</a:t>
             </a:r>
           </a:p>
           <a:p>
             <a:pPr lvl="3"/>
             <a:r>
-              <a:rPr lang="fr-FR" smtClean="0"/>
+              <a:rPr lang="fr-FR"/>
               <a:t>Quatrième niveau</a:t>
             </a:r>
           </a:p>
           <a:p>
             <a:pPr lvl="4"/>
             <a:r>
-              <a:rPr lang="fr-FR" smtClean="0"/>
+              <a:rPr lang="fr-FR"/>
               <a:t>Cinquième niveau</a:t>
             </a:r>
-            <a:endParaRPr lang="fr-FR"/>
           </a:p>
         </p:txBody>
       </p:sp>
@@ -2618,7 +2600,7 @@
             <a:pPr eaLnBrk="1" hangingPunct="1">
               <a:defRPr/>
             </a:pPr>
-            <a:endParaRPr lang="fr-FR" altLang="fr-FR" smtClean="0"/>
+            <a:endParaRPr lang="fr-FR" altLang="fr-FR"/>
           </a:p>
         </p:txBody>
       </p:sp>
@@ -2772,7 +2754,7 @@
               <a:defRPr/>
             </a:pPr>
             <a:r>
-              <a:rPr lang="fr-FR" sz="1200" dirty="0" smtClean="0"/>
+              <a:rPr lang="fr-FR" sz="1200" dirty="0"/>
               <a:t>Page </a:t>
             </a:r>
             <a:fld id="{E218E9B1-FD08-4C80-902E-210BA2967D0D}" type="slidenum">
@@ -2785,7 +2767,7 @@
               </a:pPr>
               <a:t>‹N°›</a:t>
             </a:fld>
-            <a:endParaRPr lang="fr-FR" dirty="0" smtClean="0">
+            <a:endParaRPr lang="fr-FR" dirty="0">
               <a:latin typeface="Times New Roman" pitchFamily="18" charset="0"/>
             </a:endParaRPr>
           </a:p>
@@ -2941,10 +2923,10 @@
               <a:defRPr/>
             </a:pPr>
             <a:r>
-              <a:rPr lang="fr-FR" sz="1600" dirty="0" smtClean="0"/>
+              <a:rPr lang="fr-FR" sz="1600" dirty="0"/>
               <a:t>R</a:t>
             </a:r>
-            <a:endParaRPr lang="fr-FR" dirty="0" smtClean="0">
+            <a:endParaRPr lang="fr-FR" dirty="0">
               <a:latin typeface="Times New Roman" pitchFamily="18" charset="0"/>
             </a:endParaRPr>
           </a:p>
@@ -3002,7 +2984,7 @@
           <a:p>
             <a:pPr lvl="0"/>
             <a:r>
-              <a:rPr lang="fr-FR" altLang="fr-FR" smtClean="0"/>
+              <a:rPr lang="fr-FR" altLang="fr-FR"/>
               <a:t>Cliquez pour modifier le style du titre du masque</a:t>
             </a:r>
           </a:p>
@@ -3060,35 +3042,35 @@
           <a:p>
             <a:pPr lvl="0"/>
             <a:r>
-              <a:rPr lang="fr-FR" altLang="fr-FR" smtClean="0"/>
+              <a:rPr lang="fr-FR" altLang="fr-FR"/>
               <a:t>Cliquez pour modifier les styles du texte du masque</a:t>
             </a:r>
           </a:p>
           <a:p>
             <a:pPr lvl="1"/>
             <a:r>
-              <a:rPr lang="fr-FR" altLang="fr-FR" smtClean="0"/>
+              <a:rPr lang="fr-FR" altLang="fr-FR"/>
               <a:t>Deuxième niveau</a:t>
             </a:r>
           </a:p>
           <a:p>
             <a:pPr lvl="2"/>
             <a:r>
-              <a:rPr lang="fr-FR" altLang="fr-FR" smtClean="0"/>
+              <a:rPr lang="fr-FR" altLang="fr-FR"/>
               <a:t>Troisième niveau</a:t>
             </a:r>
           </a:p>
           <a:p>
             <a:pPr lvl="3"/>
             <a:r>
-              <a:rPr lang="fr-FR" altLang="fr-FR" smtClean="0"/>
+              <a:rPr lang="fr-FR" altLang="fr-FR"/>
               <a:t>Quatrième niveau</a:t>
             </a:r>
           </a:p>
           <a:p>
             <a:pPr lvl="4"/>
             <a:r>
-              <a:rPr lang="fr-FR" altLang="fr-FR" smtClean="0"/>
+              <a:rPr lang="fr-FR" altLang="fr-FR"/>
               <a:t>Cinquième niveau</a:t>
             </a:r>
           </a:p>
@@ -3244,10 +3226,10 @@
               <a:defRPr/>
             </a:pPr>
             <a:r>
-              <a:rPr lang="fr-FR" sz="1200" smtClean="0"/>
+              <a:rPr lang="fr-FR" sz="1200"/>
               <a:t>© Cyril Vincent Conseil</a:t>
             </a:r>
-            <a:endParaRPr lang="fr-FR" smtClean="0">
+            <a:endParaRPr lang="fr-FR">
               <a:latin typeface="Times New Roman" pitchFamily="18" charset="0"/>
             </a:endParaRPr>
           </a:p>
@@ -3729,25 +3711,25 @@
           <a:p>
             <a:pPr eaLnBrk="1" hangingPunct="1"/>
             <a:r>
-              <a:rPr lang="fr-FR" altLang="fr-FR" dirty="0" smtClean="0"/>
+              <a:rPr lang="fr-FR" altLang="fr-FR" dirty="0"/>
               <a:t>Chapitre 15</a:t>
             </a:r>
           </a:p>
           <a:p>
             <a:pPr eaLnBrk="1" hangingPunct="1"/>
             <a:r>
-              <a:rPr lang="fr-FR" altLang="fr-FR" dirty="0" err="1" smtClean="0"/>
+              <a:rPr lang="fr-FR" altLang="fr-FR" dirty="0" err="1"/>
               <a:t>Deep</a:t>
             </a:r>
             <a:r>
-              <a:rPr lang="fr-FR" altLang="fr-FR" dirty="0" smtClean="0"/>
+              <a:rPr lang="fr-FR" altLang="fr-FR" dirty="0"/>
               <a:t> Learning</a:t>
             </a:r>
           </a:p>
           <a:p>
             <a:pPr eaLnBrk="1" hangingPunct="1"/>
             <a:r>
-              <a:rPr lang="fr-FR" altLang="fr-FR" dirty="0" smtClean="0"/>
+              <a:rPr lang="fr-FR" altLang="fr-FR" dirty="0"/>
               <a:t>www.CyrilVincent.com</a:t>
             </a:r>
           </a:p>
@@ -3799,13 +3781,6 @@
   <p:clrMapOvr>
     <a:masterClrMapping/>
   </p:clrMapOvr>
-  <p:timing>
-    <p:tnLst>
-      <p:par>
-        <p:cTn id="1" dur="indefinite" restart="never" nodeType="tmRoot"/>
-      </p:par>
-    </p:tnLst>
-  </p:timing>
 </p:sld>
 </file>
 
@@ -3842,7 +3817,7 @@
           <a:lstStyle/>
           <a:p>
             <a:r>
-              <a:rPr lang="fr-FR" dirty="0" err="1" smtClean="0"/>
+              <a:rPr lang="fr-FR" dirty="0" err="1"/>
               <a:t>Backpropagation</a:t>
             </a:r>
             <a:endParaRPr lang="fr-FR" dirty="0"/>
@@ -3902,13 +3877,6 @@
   <p:clrMapOvr>
     <a:masterClrMapping/>
   </p:clrMapOvr>
-  <p:timing>
-    <p:tnLst>
-      <p:par>
-        <p:cTn id="1" dur="indefinite" restart="never" nodeType="tmRoot"/>
-      </p:par>
-    </p:tnLst>
-  </p:timing>
 </p:sld>
 </file>
 
@@ -3945,10 +3913,9 @@
           <a:lstStyle/>
           <a:p>
             <a:r>
-              <a:rPr lang="fr-FR" dirty="0" smtClean="0"/>
+              <a:rPr lang="fr-FR" dirty="0"/>
               <a:t>Dérivation du gradient</a:t>
             </a:r>
-            <a:endParaRPr lang="fr-FR" dirty="0"/>
           </a:p>
         </p:txBody>
       </p:sp>
@@ -4005,13 +3972,6 @@
   <p:clrMapOvr>
     <a:masterClrMapping/>
   </p:clrMapOvr>
-  <p:timing>
-    <p:tnLst>
-      <p:par>
-        <p:cTn id="1" dur="indefinite" restart="never" nodeType="tmRoot"/>
-      </p:par>
-    </p:tnLst>
-  </p:timing>
 </p:sld>
 </file>
 
@@ -4048,10 +4008,9 @@
           <a:lstStyle/>
           <a:p>
             <a:r>
-              <a:rPr lang="fr-FR" dirty="0" smtClean="0"/>
+              <a:rPr lang="fr-FR" dirty="0"/>
               <a:t>Résultat</a:t>
             </a:r>
-            <a:endParaRPr lang="fr-FR" dirty="0"/>
           </a:p>
         </p:txBody>
       </p:sp>
@@ -4071,43 +4030,39 @@
           <a:lstStyle/>
           <a:p>
             <a:r>
-              <a:rPr lang="fr-FR" dirty="0" smtClean="0"/>
+              <a:rPr lang="fr-FR" dirty="0"/>
               <a:t>Calcul d’un NAND</a:t>
             </a:r>
           </a:p>
           <a:p>
             <a:pPr lvl="1"/>
             <a:r>
-              <a:rPr lang="fr-FR" dirty="0" smtClean="0"/>
+              <a:rPr lang="fr-FR" dirty="0"/>
               <a:t>Inputs : </a:t>
             </a:r>
             <a:r>
               <a:rPr lang="da-DK" dirty="0"/>
-              <a:t>[False, False],[False,True],[True, False],[True,True</a:t>
-            </a:r>
-            <a:r>
-              <a:rPr lang="da-DK" dirty="0" smtClean="0"/>
-              <a:t>]</a:t>
+              <a:t>[False, False],[False,True],[True, False],[True,True]</a:t>
             </a:r>
           </a:p>
           <a:p>
             <a:pPr lvl="1"/>
             <a:r>
-              <a:rPr lang="da-DK" dirty="0" smtClean="0"/>
+              <a:rPr lang="da-DK" dirty="0"/>
               <a:t>Output : False, Flase, False, True</a:t>
             </a:r>
           </a:p>
           <a:p>
             <a:pPr lvl="1"/>
             <a:r>
-              <a:rPr lang="da-DK" dirty="0" smtClean="0"/>
+              <a:rPr lang="da-DK" dirty="0"/>
               <a:t>1000 itérations</a:t>
             </a:r>
           </a:p>
           <a:p>
             <a:pPr lvl="1"/>
             <a:r>
-              <a:rPr lang="da-DK" dirty="0" smtClean="0"/>
+              <a:rPr lang="da-DK" dirty="0"/>
               <a:t>Résultat obtenu avec seuil de 0.4777 et des poids de 0.5</a:t>
             </a:r>
           </a:p>
@@ -4123,13 +4078,6 @@
   <p:clrMapOvr>
     <a:masterClrMapping/>
   </p:clrMapOvr>
-  <p:timing>
-    <p:tnLst>
-      <p:par>
-        <p:cTn id="1" dur="indefinite" restart="never" nodeType="tmRoot"/>
-      </p:par>
-    </p:tnLst>
-  </p:timing>
 </p:sld>
 </file>
 
@@ -4166,10 +4114,9 @@
           <a:lstStyle/>
           <a:p>
             <a:r>
-              <a:rPr lang="fr-FR" dirty="0" smtClean="0"/>
+              <a:rPr lang="fr-FR" dirty="0"/>
               <a:t>Réseaux</a:t>
             </a:r>
-            <a:endParaRPr lang="fr-FR" dirty="0"/>
           </a:p>
         </p:txBody>
       </p:sp>
@@ -4189,14 +4136,14 @@
           <a:lstStyle/>
           <a:p>
             <a:r>
-              <a:rPr lang="fr-FR" dirty="0" smtClean="0"/>
+              <a:rPr lang="fr-FR" dirty="0"/>
               <a:t>Les neurones peuvent être mis en réseaux</a:t>
             </a:r>
           </a:p>
           <a:p>
             <a:pPr lvl="1"/>
             <a:r>
-              <a:rPr lang="fr-FR" dirty="0" smtClean="0"/>
+              <a:rPr lang="fr-FR" dirty="0"/>
               <a:t>En arbre (MLP)</a:t>
             </a:r>
           </a:p>
@@ -4204,62 +4151,58 @@
             <a:pPr lvl="1"/>
             <a:r>
               <a:rPr lang="fr-FR" dirty="0"/>
-              <a:t>E</a:t>
-            </a:r>
-            <a:r>
-              <a:rPr lang="fr-FR" dirty="0" smtClean="0"/>
-              <a:t>n graphe (plus complexe)</a:t>
+              <a:t>En graphe (plus complexe)</a:t>
             </a:r>
           </a:p>
           <a:p>
             <a:pPr lvl="1"/>
             <a:r>
-              <a:rPr lang="fr-FR" dirty="0" smtClean="0"/>
+              <a:rPr lang="fr-FR" dirty="0"/>
               <a:t>Poids multiples</a:t>
             </a:r>
           </a:p>
           <a:p>
             <a:r>
-              <a:rPr lang="fr-FR" dirty="0" smtClean="0"/>
+              <a:rPr lang="fr-FR" dirty="0"/>
               <a:t>Très couteux</a:t>
             </a:r>
           </a:p>
           <a:p>
             <a:pPr lvl="1"/>
             <a:r>
-              <a:rPr lang="fr-FR" dirty="0" smtClean="0"/>
+              <a:rPr lang="fr-FR" dirty="0"/>
               <a:t>Mais donne de très bon résultats</a:t>
             </a:r>
           </a:p>
           <a:p>
             <a:pPr lvl="1"/>
             <a:r>
-              <a:rPr lang="fr-FR" dirty="0" smtClean="0"/>
+              <a:rPr lang="fr-FR" dirty="0"/>
               <a:t>Maitrise l’addition sur 4 bits avec 10 neurones et 10000 itérations</a:t>
             </a:r>
           </a:p>
           <a:p>
             <a:r>
-              <a:rPr lang="fr-FR" dirty="0" err="1" smtClean="0"/>
+              <a:rPr lang="fr-FR" dirty="0" err="1"/>
               <a:t>Backpropagation</a:t>
             </a:r>
             <a:r>
-              <a:rPr lang="fr-FR" dirty="0" smtClean="0"/>
+              <a:rPr lang="fr-FR" dirty="0"/>
               <a:t> complexe</a:t>
             </a:r>
           </a:p>
           <a:p>
             <a:pPr lvl="1"/>
             <a:r>
-              <a:rPr lang="fr-FR" dirty="0" smtClean="0"/>
+              <a:rPr lang="fr-FR" dirty="0"/>
               <a:t>Basé sur la répartition de l'erreurs sur les poids et la pente de la courbe de la fonction d'activation (</a:t>
             </a:r>
             <a:r>
-              <a:rPr lang="fr-FR" dirty="0" err="1" smtClean="0"/>
+              <a:rPr lang="fr-FR" dirty="0" err="1"/>
               <a:t>derivée</a:t>
             </a:r>
             <a:r>
-              <a:rPr lang="fr-FR" smtClean="0"/>
+              <a:rPr lang="fr-FR"/>
               <a:t>)</a:t>
             </a:r>
             <a:endParaRPr lang="fr-FR" dirty="0"/>
@@ -4317,13 +4260,6 @@
   <p:clrMapOvr>
     <a:masterClrMapping/>
   </p:clrMapOvr>
-  <p:timing>
-    <p:tnLst>
-      <p:par>
-        <p:cTn id="1" dur="indefinite" restart="never" nodeType="tmRoot"/>
-      </p:par>
-    </p:tnLst>
-  </p:timing>
 </p:sld>
 </file>
 
@@ -4360,10 +4296,9 @@
           <a:lstStyle/>
           <a:p>
             <a:r>
-              <a:rPr lang="fr-FR" dirty="0" smtClean="0"/>
+              <a:rPr lang="fr-FR" dirty="0"/>
               <a:t>Calcul Matriciel - GPU</a:t>
             </a:r>
-            <a:endParaRPr lang="fr-FR" dirty="0"/>
           </a:p>
         </p:txBody>
       </p:sp>
@@ -4383,33 +4318,33 @@
           <a:lstStyle/>
           <a:p>
             <a:r>
-              <a:rPr lang="fr-FR" dirty="0" smtClean="0"/>
+              <a:rPr lang="fr-FR" dirty="0"/>
               <a:t>Normalement une liste de liste de valeurs est injecté dans le MLP</a:t>
             </a:r>
           </a:p>
           <a:p>
             <a:r>
-              <a:rPr lang="fr-FR" dirty="0" smtClean="0"/>
+              <a:rPr lang="fr-FR" dirty="0"/>
               <a:t>Une itération par liste de valeur</a:t>
             </a:r>
           </a:p>
           <a:p>
             <a:r>
-              <a:rPr lang="fr-FR" dirty="0" smtClean="0"/>
+              <a:rPr lang="fr-FR" dirty="0"/>
               <a:t>L'algorithme est reproductible avec une matrice par layer</a:t>
             </a:r>
           </a:p>
           <a:p>
             <a:pPr lvl="1"/>
             <a:r>
-              <a:rPr lang="fr-FR" dirty="0" smtClean="0"/>
+              <a:rPr lang="fr-FR" dirty="0"/>
               <a:t>Facilement </a:t>
             </a:r>
             <a:r>
-              <a:rPr lang="fr-FR" dirty="0" err="1" smtClean="0"/>
+              <a:rPr lang="fr-FR" dirty="0" err="1"/>
               <a:t>GPUisable</a:t>
             </a:r>
-            <a:endParaRPr lang="fr-FR" dirty="0" smtClean="0"/>
+            <a:endParaRPr lang="fr-FR" dirty="0"/>
           </a:p>
           <a:p>
             <a:endParaRPr lang="fr-FR" dirty="0"/>
@@ -4426,13 +4361,6 @@
   <p:clrMapOvr>
     <a:masterClrMapping/>
   </p:clrMapOvr>
-  <p:timing>
-    <p:tnLst>
-      <p:par>
-        <p:cTn id="1" dur="indefinite" restart="never" nodeType="tmRoot"/>
-      </p:par>
-    </p:tnLst>
-  </p:timing>
 </p:sld>
 </file>
 
@@ -4469,10 +4397,9 @@
           <a:lstStyle/>
           <a:p>
             <a:r>
-              <a:rPr lang="fr-FR" dirty="0" smtClean="0"/>
+              <a:rPr lang="fr-FR" dirty="0"/>
               <a:t>Heuristiques</a:t>
             </a:r>
-            <a:endParaRPr lang="fr-FR" dirty="0"/>
           </a:p>
         </p:txBody>
       </p:sp>
@@ -4492,35 +4419,35 @@
           <a:lstStyle/>
           <a:p>
             <a:r>
-              <a:rPr lang="fr-FR" dirty="0" smtClean="0"/>
+              <a:rPr lang="fr-FR" dirty="0"/>
               <a:t>Les réseaux neuronaux étant gourmand en calcul le calcul réparti est presque obligatoire</a:t>
             </a:r>
           </a:p>
           <a:p>
             <a:r>
-              <a:rPr lang="fr-FR" dirty="0" smtClean="0"/>
+              <a:rPr lang="fr-FR" dirty="0"/>
               <a:t>Présence d’heuristiques</a:t>
             </a:r>
           </a:p>
           <a:p>
             <a:pPr lvl="1"/>
             <a:r>
-              <a:rPr lang="fr-FR" dirty="0" smtClean="0"/>
+              <a:rPr lang="fr-FR" dirty="0"/>
               <a:t>Règles non démontrable qui permettent d’</a:t>
             </a:r>
             <a:r>
-              <a:rPr lang="fr-FR" dirty="0" err="1" smtClean="0"/>
+              <a:rPr lang="fr-FR" dirty="0" err="1"/>
               <a:t>accéler</a:t>
             </a:r>
             <a:r>
-              <a:rPr lang="fr-FR" dirty="0" smtClean="0"/>
+              <a:rPr lang="fr-FR" dirty="0"/>
               <a:t> le traitement</a:t>
             </a:r>
           </a:p>
           <a:p>
             <a:pPr lvl="1"/>
             <a:r>
-              <a:rPr lang="fr-FR" dirty="0" smtClean="0"/>
+              <a:rPr lang="fr-FR" dirty="0"/>
               <a:t>Par exemple en échec, la prise de la reine est trop couteuse pour continuer</a:t>
             </a:r>
           </a:p>
@@ -4540,13 +4467,6 @@
   <p:clrMapOvr>
     <a:masterClrMapping/>
   </p:clrMapOvr>
-  <p:timing>
-    <p:tnLst>
-      <p:par>
-        <p:cTn id="1" dur="indefinite" restart="never" nodeType="tmRoot"/>
-      </p:par>
-    </p:tnLst>
-  </p:timing>
 </p:sld>
 </file>
 
@@ -4583,10 +4503,9 @@
           <a:lstStyle/>
           <a:p>
             <a:r>
-              <a:rPr lang="fr-FR" dirty="0" smtClean="0"/>
+              <a:rPr lang="fr-FR" dirty="0"/>
               <a:t>Apprentissage non supervisé</a:t>
             </a:r>
-            <a:endParaRPr lang="fr-FR" dirty="0"/>
           </a:p>
         </p:txBody>
       </p:sp>
@@ -4606,34 +4525,34 @@
           <a:lstStyle/>
           <a:p>
             <a:r>
-              <a:rPr lang="fr-FR" dirty="0" smtClean="0"/>
+              <a:rPr lang="fr-FR" dirty="0"/>
               <a:t>Il suffit de faire jouer 2 réseaux de neurones entre eux</a:t>
             </a:r>
           </a:p>
           <a:p>
             <a:pPr lvl="1"/>
             <a:r>
-              <a:rPr lang="fr-FR" dirty="0" smtClean="0"/>
+              <a:rPr lang="fr-FR" dirty="0"/>
               <a:t>Echec, Go, …</a:t>
             </a:r>
           </a:p>
           <a:p>
             <a:r>
-              <a:rPr lang="fr-FR" dirty="0" smtClean="0"/>
+              <a:rPr lang="fr-FR" dirty="0"/>
               <a:t>Le vaincu aura un feedback négatif</a:t>
             </a:r>
           </a:p>
           <a:p>
             <a:r>
-              <a:rPr lang="fr-FR" dirty="0" smtClean="0"/>
+              <a:rPr lang="fr-FR" dirty="0"/>
               <a:t>Ceci est décrit dans la machine de </a:t>
             </a:r>
             <a:r>
-              <a:rPr lang="fr-FR" dirty="0" err="1" smtClean="0"/>
+              <a:rPr lang="fr-FR" dirty="0" err="1"/>
               <a:t>Boltzman</a:t>
             </a:r>
             <a:r>
-              <a:rPr lang="fr-FR" dirty="0" smtClean="0"/>
+              <a:rPr lang="fr-FR" dirty="0"/>
               <a:t> (RBM)</a:t>
             </a:r>
           </a:p>
@@ -4649,13 +4568,6 @@
   <p:clrMapOvr>
     <a:masterClrMapping/>
   </p:clrMapOvr>
-  <p:timing>
-    <p:tnLst>
-      <p:par>
-        <p:cTn id="1" dur="indefinite" restart="never" nodeType="tmRoot"/>
-      </p:par>
-    </p:tnLst>
-  </p:timing>
 </p:sld>
 </file>
 
@@ -4692,10 +4604,9 @@
           <a:lstStyle/>
           <a:p>
             <a:r>
-              <a:rPr lang="fr-FR" dirty="0" smtClean="0"/>
+              <a:rPr lang="fr-FR" dirty="0"/>
               <a:t>Cancer du Sein</a:t>
             </a:r>
-            <a:endParaRPr lang="fr-FR" dirty="0"/>
           </a:p>
         </p:txBody>
       </p:sp>
@@ -4715,7 +4626,7 @@
           <a:lstStyle/>
           <a:p>
             <a:r>
-              <a:rPr lang="fr-FR" dirty="0" smtClean="0"/>
+              <a:rPr lang="fr-FR" dirty="0"/>
               <a:t>Base de données du de cancer du Sein du Wisconsin</a:t>
             </a:r>
           </a:p>
@@ -4723,17 +4634,13 @@
             <a:pPr lvl="1"/>
             <a:r>
               <a:rPr lang="en-US" dirty="0"/>
-              <a:t>Wisconsin Diagnostic Breast Cancer (WDBC</a:t>
-            </a:r>
-            <a:r>
-              <a:rPr lang="en-US" dirty="0" smtClean="0"/>
-              <a:t>)</a:t>
+              <a:t>Wisconsin Diagnostic Breast Cancer (WDBC)</a:t>
             </a:r>
           </a:p>
           <a:p>
             <a:pPr lvl="1"/>
             <a:r>
-              <a:rPr lang="en-US" dirty="0" smtClean="0"/>
+              <a:rPr lang="en-US" dirty="0"/>
               <a:t>1995</a:t>
             </a:r>
           </a:p>
@@ -4821,13 +4728,6 @@
   <p:clrMapOvr>
     <a:masterClrMapping/>
   </p:clrMapOvr>
-  <p:timing>
-    <p:tnLst>
-      <p:par>
-        <p:cTn id="1" dur="indefinite" restart="never" nodeType="tmRoot"/>
-      </p:par>
-    </p:tnLst>
-  </p:timing>
 </p:sld>
 </file>
 
@@ -4864,10 +4764,9 @@
           <a:lstStyle/>
           <a:p>
             <a:r>
-              <a:rPr lang="fr-FR" dirty="0" smtClean="0"/>
+              <a:rPr lang="fr-FR" dirty="0"/>
               <a:t>Structure de la base</a:t>
             </a:r>
-            <a:endParaRPr lang="fr-FR" dirty="0"/>
           </a:p>
         </p:txBody>
       </p:sp>
@@ -4887,154 +4786,142 @@
           <a:lstStyle/>
           <a:p>
             <a:r>
-              <a:rPr lang="fr-FR" sz="2000" dirty="0" err="1" smtClean="0"/>
+              <a:rPr lang="fr-FR" sz="2000" dirty="0" err="1"/>
               <a:t>Wdbc.data</a:t>
             </a:r>
-            <a:endParaRPr lang="fr-FR" sz="2000" dirty="0" smtClean="0"/>
+            <a:endParaRPr lang="fr-FR" sz="2000" dirty="0"/>
           </a:p>
           <a:p>
             <a:pPr lvl="1"/>
             <a:r>
-              <a:rPr lang="fr-FR" sz="1800" dirty="0" smtClean="0"/>
+              <a:rPr lang="fr-FR" sz="1800" dirty="0"/>
               <a:t>Id</a:t>
             </a:r>
           </a:p>
           <a:p>
             <a:pPr lvl="1"/>
             <a:r>
-              <a:rPr lang="fr-FR" sz="1800" dirty="0" smtClean="0"/>
+              <a:rPr lang="fr-FR" sz="1800" dirty="0"/>
               <a:t>Diagnostique M = Maligne, B = </a:t>
             </a:r>
             <a:r>
-              <a:rPr lang="fr-FR" sz="1800" dirty="0" err="1" smtClean="0"/>
+              <a:rPr lang="fr-FR" sz="1800" dirty="0" err="1"/>
               <a:t>Benigne</a:t>
             </a:r>
-            <a:endParaRPr lang="fr-FR" sz="1800" dirty="0" smtClean="0"/>
-          </a:p>
-          <a:p>
-            <a:r>
-              <a:rPr lang="fr-FR" sz="2000" dirty="0" smtClean="0"/>
+            <a:endParaRPr lang="fr-FR" sz="1800" dirty="0"/>
+          </a:p>
+          <a:p>
+            <a:r>
+              <a:rPr lang="fr-FR" sz="2000" dirty="0"/>
               <a:t>Les données biologique sont interprétés depuis l’image de la tumeur</a:t>
             </a:r>
           </a:p>
           <a:p>
             <a:pPr lvl="1"/>
             <a:r>
-              <a:rPr lang="fr-FR" sz="1800" dirty="0" smtClean="0"/>
+              <a:rPr lang="fr-FR" sz="1800" dirty="0"/>
               <a:t>Rayon</a:t>
             </a:r>
           </a:p>
           <a:p>
             <a:pPr lvl="1"/>
             <a:r>
-              <a:rPr lang="fr-FR" sz="1800" dirty="0" smtClean="0"/>
+              <a:rPr lang="fr-FR" sz="1800" dirty="0"/>
               <a:t>Texture (</a:t>
             </a:r>
             <a:r>
               <a:rPr lang="en-US" sz="1800" dirty="0"/>
-              <a:t>standard deviation of gray-scale </a:t>
-            </a:r>
-            <a:r>
-              <a:rPr lang="en-US" sz="1800" dirty="0" smtClean="0"/>
-              <a:t>values)</a:t>
+              <a:t>standard deviation of gray-scale values)</a:t>
             </a:r>
           </a:p>
           <a:p>
             <a:pPr lvl="1"/>
             <a:r>
-              <a:rPr lang="en-US" sz="1800" dirty="0" err="1" smtClean="0"/>
+              <a:rPr lang="en-US" sz="1800" dirty="0" err="1"/>
               <a:t>Périmetre</a:t>
             </a:r>
-            <a:endParaRPr lang="en-US" sz="1800" dirty="0" smtClean="0"/>
+            <a:endParaRPr lang="en-US" sz="1800" dirty="0"/>
           </a:p>
           <a:p>
             <a:pPr lvl="1"/>
             <a:r>
-              <a:rPr lang="en-US" sz="1800" dirty="0" err="1" smtClean="0"/>
+              <a:rPr lang="en-US" sz="1800" dirty="0" err="1"/>
               <a:t>Superficie</a:t>
             </a:r>
-            <a:endParaRPr lang="en-US" sz="1800" dirty="0" smtClean="0"/>
+            <a:endParaRPr lang="en-US" sz="1800" dirty="0"/>
           </a:p>
           <a:p>
             <a:pPr lvl="1"/>
             <a:r>
-              <a:rPr lang="en-US" sz="1800" dirty="0" smtClean="0"/>
+              <a:rPr lang="en-US" sz="1800" dirty="0"/>
               <a:t>Smoothness (variation du rayon)</a:t>
             </a:r>
           </a:p>
           <a:p>
             <a:pPr lvl="1"/>
             <a:r>
-              <a:rPr lang="en-US" sz="1800" dirty="0" err="1" smtClean="0"/>
+              <a:rPr lang="en-US" sz="1800" dirty="0" err="1"/>
               <a:t>Compacité</a:t>
             </a:r>
             <a:r>
-              <a:rPr lang="en-US" sz="1800" dirty="0" smtClean="0"/>
+              <a:rPr lang="en-US" sz="1800" dirty="0"/>
               <a:t> (perimeter**2 / </a:t>
             </a:r>
             <a:r>
-              <a:rPr lang="en-US" sz="1800" dirty="0" err="1" smtClean="0"/>
+              <a:rPr lang="en-US" sz="1800" dirty="0" err="1"/>
               <a:t>superficie</a:t>
             </a:r>
             <a:r>
-              <a:rPr lang="en-US" sz="1800" dirty="0" smtClean="0"/>
+              <a:rPr lang="en-US" sz="1800" dirty="0"/>
               <a:t> – 1)</a:t>
             </a:r>
           </a:p>
           <a:p>
             <a:pPr lvl="1"/>
             <a:r>
-              <a:rPr lang="en-US" sz="1800" dirty="0" err="1" smtClean="0"/>
+              <a:rPr lang="en-US" sz="1800" dirty="0" err="1"/>
               <a:t>Concavité</a:t>
             </a:r>
             <a:r>
-              <a:rPr lang="en-US" sz="1800" dirty="0" smtClean="0"/>
-              <a:t> (</a:t>
-            </a:r>
-            <a:r>
               <a:rPr lang="en-US" sz="1800" dirty="0"/>
-              <a:t>severity of concave portions of the </a:t>
-            </a:r>
-            <a:r>
-              <a:rPr lang="en-US" sz="1800" dirty="0" smtClean="0"/>
-              <a:t>contour)</a:t>
+              <a:t> (severity of concave portions of the contour)</a:t>
             </a:r>
           </a:p>
           <a:p>
             <a:pPr lvl="1"/>
             <a:r>
-              <a:rPr lang="en-US" sz="1800" dirty="0" smtClean="0"/>
+              <a:rPr lang="en-US" sz="1800" dirty="0"/>
               <a:t>Points concaves (</a:t>
             </a:r>
             <a:r>
-              <a:rPr lang="en-US" sz="1800" dirty="0" err="1" smtClean="0"/>
+              <a:rPr lang="en-US" sz="1800" dirty="0" err="1"/>
               <a:t>nombre</a:t>
             </a:r>
             <a:r>
-              <a:rPr lang="en-US" sz="1800" dirty="0" smtClean="0"/>
+              <a:rPr lang="en-US" sz="1800" dirty="0"/>
               <a:t> de portion concave)</a:t>
             </a:r>
           </a:p>
           <a:p>
             <a:pPr lvl="1"/>
             <a:r>
-              <a:rPr lang="en-US" sz="1800" dirty="0" err="1" smtClean="0"/>
+              <a:rPr lang="en-US" sz="1800" dirty="0" err="1"/>
               <a:t>Symetrie</a:t>
             </a:r>
-            <a:endParaRPr lang="en-US" sz="1800" dirty="0" smtClean="0"/>
+            <a:endParaRPr lang="en-US" sz="1800" dirty="0"/>
           </a:p>
           <a:p>
             <a:pPr lvl="1"/>
             <a:r>
-              <a:rPr lang="en-US" sz="1800" dirty="0" smtClean="0"/>
+              <a:rPr lang="en-US" sz="1800" dirty="0"/>
               <a:t>Dimension </a:t>
             </a:r>
             <a:r>
-              <a:rPr lang="en-US" sz="1800" dirty="0" err="1" smtClean="0"/>
+              <a:rPr lang="en-US" sz="1800" dirty="0" err="1"/>
               <a:t>Fractale</a:t>
             </a:r>
             <a:r>
-              <a:rPr lang="en-US" sz="1800" dirty="0" smtClean="0"/>
+              <a:rPr lang="en-US" sz="1800" dirty="0"/>
               <a:t> (</a:t>
             </a:r>
             <a:r>
@@ -5047,13 +4934,9 @@
             </a:r>
             <a:r>
               <a:rPr lang="fr-FR" sz="1800" dirty="0"/>
-              <a:t> approximation" </a:t>
-            </a:r>
-            <a:r>
-              <a:rPr lang="fr-FR" sz="1800" dirty="0" smtClean="0"/>
-              <a:t>– 1)</a:t>
-            </a:r>
-            <a:endParaRPr lang="en-US" sz="1800" dirty="0" smtClean="0"/>
+              <a:t> approximation" – 1)</a:t>
+            </a:r>
+            <a:endParaRPr lang="en-US" sz="1800" dirty="0"/>
           </a:p>
         </p:txBody>
       </p:sp>
@@ -5091,13 +4974,6 @@
   <p:clrMapOvr>
     <a:masterClrMapping/>
   </p:clrMapOvr>
-  <p:timing>
-    <p:tnLst>
-      <p:par>
-        <p:cTn id="1" dur="indefinite" restart="never" nodeType="tmRoot"/>
-      </p:par>
-    </p:tnLst>
-  </p:timing>
 </p:sld>
 </file>
 
@@ -5134,10 +5010,9 @@
           <a:lstStyle/>
           <a:p>
             <a:r>
-              <a:rPr lang="fr-FR" dirty="0" smtClean="0"/>
+              <a:rPr lang="fr-FR" dirty="0"/>
               <a:t>Nettoyage du fichier</a:t>
             </a:r>
-            <a:endParaRPr lang="fr-FR" dirty="0"/>
           </a:p>
         </p:txBody>
       </p:sp>
@@ -5157,49 +5032,49 @@
           <a:lstStyle/>
           <a:p>
             <a:r>
-              <a:rPr lang="fr-FR" dirty="0" smtClean="0"/>
+              <a:rPr lang="fr-FR" dirty="0"/>
               <a:t>Le fichier est déjà nettoyé</a:t>
             </a:r>
           </a:p>
           <a:p>
             <a:r>
-              <a:rPr lang="fr-FR" dirty="0" smtClean="0"/>
+              <a:rPr lang="fr-FR" dirty="0"/>
               <a:t>Cependant il faut le reformater</a:t>
             </a:r>
           </a:p>
           <a:p>
             <a:pPr lvl="1"/>
             <a:r>
-              <a:rPr lang="fr-FR" dirty="0" smtClean="0"/>
+              <a:rPr lang="fr-FR" dirty="0"/>
               <a:t>Transformer M = 0 et B = 1</a:t>
             </a:r>
           </a:p>
           <a:p>
             <a:pPr lvl="1"/>
             <a:r>
-              <a:rPr lang="fr-FR" dirty="0" smtClean="0"/>
+              <a:rPr lang="fr-FR" dirty="0"/>
               <a:t>Séparer les valeurs (colonnes &gt; 2) et la </a:t>
             </a:r>
             <a:r>
-              <a:rPr lang="fr-FR" dirty="0" err="1" smtClean="0"/>
+              <a:rPr lang="fr-FR" dirty="0" err="1"/>
               <a:t>target</a:t>
             </a:r>
             <a:r>
-              <a:rPr lang="fr-FR" dirty="0" smtClean="0"/>
+              <a:rPr lang="fr-FR" dirty="0"/>
               <a:t> (colonne 1)</a:t>
             </a:r>
           </a:p>
           <a:p>
             <a:pPr lvl="1"/>
             <a:r>
-              <a:rPr lang="fr-FR" dirty="0" smtClean="0"/>
+              <a:rPr lang="fr-FR" dirty="0"/>
               <a:t>Typer les colonnes</a:t>
             </a:r>
           </a:p>
           <a:p>
             <a:pPr lvl="1"/>
             <a:r>
-              <a:rPr lang="fr-FR" dirty="0" smtClean="0"/>
+              <a:rPr lang="fr-FR" dirty="0"/>
               <a:t>Enlever la colonne 12</a:t>
             </a:r>
           </a:p>
@@ -5242,13 +5117,6 @@
   <p:clrMapOvr>
     <a:masterClrMapping/>
   </p:clrMapOvr>
-  <p:timing>
-    <p:tnLst>
-      <p:par>
-        <p:cTn id="1" dur="indefinite" restart="never" nodeType="tmRoot"/>
-      </p:par>
-    </p:tnLst>
-  </p:timing>
 </p:sld>
 </file>
 
@@ -5285,10 +5153,9 @@
           <a:lstStyle/>
           <a:p>
             <a:r>
-              <a:rPr lang="fr-FR" smtClean="0"/>
+              <a:rPr lang="fr-FR"/>
               <a:t>Neurone</a:t>
             </a:r>
-            <a:endParaRPr lang="fr-FR"/>
           </a:p>
         </p:txBody>
       </p:sp>
@@ -5308,13 +5175,13 @@
           <a:lstStyle/>
           <a:p>
             <a:r>
-              <a:rPr lang="fr-FR" dirty="0" smtClean="0"/>
+              <a:rPr lang="fr-FR" dirty="0"/>
               <a:t>En biologie un neurone est une cellule connecté à d’autre neurones qui a la faculté de laisser passer ou non un courant électrique</a:t>
             </a:r>
           </a:p>
           <a:p>
             <a:r>
-              <a:rPr lang="fr-FR" dirty="0" smtClean="0"/>
+              <a:rPr lang="fr-FR" dirty="0"/>
               <a:t>Sa modélisation mathématique est appelé perceptron</a:t>
             </a:r>
           </a:p>
@@ -5333,13 +5200,6 @@
   <p:clrMapOvr>
     <a:masterClrMapping/>
   </p:clrMapOvr>
-  <p:timing>
-    <p:tnLst>
-      <p:par>
-        <p:cTn id="1" dur="indefinite" restart="never" nodeType="tmRoot"/>
-      </p:par>
-    </p:tnLst>
-  </p:timing>
 </p:sld>
 </file>
 
@@ -5376,7 +5236,7 @@
           <a:lstStyle/>
           <a:p>
             <a:r>
-              <a:rPr lang="fr-FR" dirty="0" err="1" smtClean="0"/>
+              <a:rPr lang="fr-FR" dirty="0" err="1"/>
               <a:t>DeepNet</a:t>
             </a:r>
             <a:endParaRPr lang="fr-FR" dirty="0"/>
@@ -5399,46 +5259,57 @@
           <a:lstStyle/>
           <a:p>
             <a:r>
-              <a:rPr lang="fr-FR" dirty="0" err="1" smtClean="0"/>
+              <a:rPr lang="fr-FR" dirty="0" err="1"/>
               <a:t>DeepNet</a:t>
             </a:r>
             <a:r>
-              <a:rPr lang="fr-FR" dirty="0" smtClean="0"/>
+              <a:rPr lang="fr-FR" dirty="0"/>
               <a:t> est le package R de référence pour le </a:t>
             </a:r>
             <a:r>
-              <a:rPr lang="fr-FR" dirty="0" err="1" smtClean="0"/>
+              <a:rPr lang="fr-FR" dirty="0" err="1"/>
               <a:t>Deep</a:t>
             </a:r>
             <a:r>
-              <a:rPr lang="fr-FR" dirty="0" smtClean="0"/>
+              <a:rPr lang="fr-FR" dirty="0"/>
               <a:t> Learning MLP</a:t>
             </a:r>
           </a:p>
           <a:p>
             <a:pPr lvl="1"/>
             <a:r>
-              <a:rPr lang="fr-FR" dirty="0" smtClean="0"/>
-              <a:t>Facile d'installation</a:t>
+              <a:rPr lang="fr-FR" dirty="0"/>
+              <a:t>Installation</a:t>
             </a:r>
           </a:p>
           <a:p>
             <a:pPr lvl="1"/>
             <a:r>
-              <a:rPr lang="fr-FR" dirty="0" smtClean="0"/>
-              <a:t>Détrôné par </a:t>
-            </a:r>
-            <a:r>
-              <a:rPr lang="fr-FR" dirty="0" err="1" smtClean="0"/>
-              <a:t>TensorFlow</a:t>
-            </a:r>
-            <a:r>
-              <a:rPr lang="fr-FR" dirty="0" smtClean="0"/>
-              <a:t> </a:t>
-            </a:r>
-            <a:r>
-              <a:rPr lang="fr-FR" dirty="0" smtClean="0"/>
-              <a:t>qui est plus complexe</a:t>
+              <a:rPr lang="fr-FR" dirty="0" err="1"/>
+              <a:t>install.packages</a:t>
+            </a:r>
+            <a:r>
+              <a:rPr lang="fr-FR" dirty="0"/>
+              <a:t>("</a:t>
+            </a:r>
+            <a:r>
+              <a:rPr lang="fr-FR" dirty="0" err="1"/>
+              <a:t>deepnet</a:t>
+            </a:r>
+            <a:r>
+              <a:rPr lang="fr-FR" dirty="0"/>
+              <a:t>")</a:t>
+            </a:r>
+          </a:p>
+          <a:p>
+            <a:pPr lvl="1"/>
+            <a:r>
+              <a:rPr lang="fr-FR" dirty="0"/>
+              <a:t>Nécessite </a:t>
+            </a:r>
+            <a:r>
+              <a:rPr lang="fr-FR"/>
+              <a:t>RTools</a:t>
             </a:r>
             <a:endParaRPr lang="fr-FR" dirty="0"/>
           </a:p>
@@ -5454,13 +5325,6 @@
   <p:clrMapOvr>
     <a:masterClrMapping/>
   </p:clrMapOvr>
-  <p:timing>
-    <p:tnLst>
-      <p:par>
-        <p:cTn id="1" dur="indefinite" restart="never" nodeType="tmRoot"/>
-      </p:par>
-    </p:tnLst>
-  </p:timing>
 </p:sld>
 </file>
 
@@ -5497,7 +5361,7 @@
           <a:lstStyle/>
           <a:p>
             <a:r>
-              <a:rPr lang="fr-FR" dirty="0" err="1" smtClean="0"/>
+              <a:rPr lang="fr-FR" dirty="0" err="1"/>
               <a:t>DeepNet</a:t>
             </a:r>
             <a:endParaRPr lang="fr-FR" dirty="0"/>
@@ -5520,82 +5384,78 @@
           <a:lstStyle/>
           <a:p>
             <a:r>
-              <a:rPr lang="fr-FR" dirty="0" smtClean="0"/>
+              <a:rPr lang="fr-FR" dirty="0"/>
               <a:t>Multi Layer Perceptron</a:t>
             </a:r>
           </a:p>
           <a:p>
             <a:pPr lvl="1"/>
             <a:r>
-              <a:rPr lang="fr-FR" dirty="0" smtClean="0"/>
+              <a:rPr lang="fr-FR" dirty="0"/>
               <a:t>c(5) : Une couche cachée de 5 perceptrons</a:t>
             </a:r>
           </a:p>
           <a:p>
             <a:r>
-              <a:rPr lang="fr-FR" dirty="0" smtClean="0"/>
+              <a:rPr lang="fr-FR" dirty="0"/>
               <a:t>Activation</a:t>
             </a:r>
           </a:p>
           <a:p>
             <a:pPr lvl="1"/>
             <a:r>
-              <a:rPr lang="fr-FR" dirty="0" smtClean="0"/>
+              <a:rPr lang="fr-FR" dirty="0"/>
               <a:t>Fonction d’activation</a:t>
             </a:r>
           </a:p>
           <a:p>
             <a:pPr lvl="1"/>
             <a:r>
-              <a:rPr lang="fr-FR" dirty="0" err="1" smtClean="0"/>
+              <a:rPr lang="fr-FR" dirty="0" err="1"/>
               <a:t>Logistic</a:t>
             </a:r>
             <a:r>
-              <a:rPr lang="fr-FR" dirty="0" smtClean="0"/>
+              <a:rPr lang="fr-FR" dirty="0"/>
               <a:t> : </a:t>
             </a:r>
             <a:r>
-              <a:rPr lang="fr-FR" dirty="0" err="1" smtClean="0"/>
+              <a:rPr lang="fr-FR" dirty="0" err="1"/>
               <a:t>sigmoide</a:t>
             </a:r>
             <a:r>
-              <a:rPr lang="fr-FR" dirty="0" smtClean="0"/>
+              <a:rPr lang="fr-FR" dirty="0"/>
               <a:t> bien répartie mais couteuse : </a:t>
             </a:r>
             <a:r>
-              <a:rPr lang="fr-FR" sz="2200" dirty="0" smtClean="0"/>
+              <a:rPr lang="fr-FR" sz="2200" dirty="0"/>
               <a:t>f(x) = 1/1+exp(-x))</a:t>
             </a:r>
           </a:p>
           <a:p>
             <a:pPr lvl="1"/>
             <a:r>
-              <a:rPr lang="fr-FR" dirty="0" err="1" smtClean="0"/>
+              <a:rPr lang="fr-FR" dirty="0" err="1"/>
               <a:t>Tanh</a:t>
             </a:r>
             <a:r>
-              <a:rPr lang="fr-FR" dirty="0" smtClean="0"/>
+              <a:rPr lang="fr-FR" dirty="0"/>
               <a:t> : </a:t>
             </a:r>
             <a:r>
-              <a:rPr lang="fr-FR" dirty="0" err="1" smtClean="0"/>
+              <a:rPr lang="fr-FR" dirty="0" err="1"/>
               <a:t>sigmoide</a:t>
             </a:r>
             <a:r>
-              <a:rPr lang="fr-FR" dirty="0" smtClean="0"/>
+              <a:rPr lang="fr-FR" dirty="0"/>
               <a:t> </a:t>
             </a:r>
             <a:r>
-              <a:rPr lang="fr-FR" dirty="0" err="1" smtClean="0"/>
+              <a:rPr lang="fr-FR" dirty="0" err="1"/>
               <a:t>simplifée</a:t>
             </a:r>
             <a:r>
-              <a:rPr lang="fr-FR" dirty="0" smtClean="0"/>
-              <a:t> : </a:t>
-            </a:r>
-            <a:r>
-              <a:rPr lang="fr-FR" dirty="0"/>
-              <a:t>f(x) = </a:t>
+              <a:rPr lang="fr-FR" dirty="0"/>
+              <a:t> : f(x) = </a:t>
             </a:r>
             <a:r>
               <a:rPr lang="fr-FR" dirty="0" err="1"/>
@@ -5603,17 +5463,13 @@
             </a:r>
             <a:r>
               <a:rPr lang="fr-FR" dirty="0"/>
-              <a:t>(x</a:t>
-            </a:r>
-            <a:r>
-              <a:rPr lang="fr-FR" dirty="0" smtClean="0"/>
-              <a:t>)</a:t>
+              <a:t>(x)</a:t>
             </a:r>
           </a:p>
           <a:p>
             <a:pPr lvl="1"/>
             <a:r>
-              <a:rPr lang="fr-FR" dirty="0" smtClean="0"/>
+              <a:rPr lang="fr-FR" dirty="0"/>
               <a:t>Relu (par défaut) : f(x) = max (0, x) rapide mais ne permet pas de tout faire </a:t>
             </a:r>
           </a:p>
@@ -5694,13 +5550,6 @@
   <p:clrMapOvr>
     <a:masterClrMapping/>
   </p:clrMapOvr>
-  <p:timing>
-    <p:tnLst>
-      <p:par>
-        <p:cTn id="1" dur="indefinite" restart="never" nodeType="tmRoot"/>
-      </p:par>
-    </p:tnLst>
-  </p:timing>
 </p:sld>
 </file>
 
@@ -5737,10 +5586,9 @@
           <a:lstStyle/>
           <a:p>
             <a:r>
-              <a:rPr lang="fr-FR" dirty="0" smtClean="0"/>
+              <a:rPr lang="fr-FR" dirty="0"/>
               <a:t>Nombre de neurones</a:t>
             </a:r>
-            <a:endParaRPr lang="fr-FR" dirty="0"/>
           </a:p>
         </p:txBody>
       </p:sp>
@@ -5760,21 +5608,20 @@
           <a:lstStyle/>
           <a:p>
             <a:r>
-              <a:rPr lang="fr-FR" dirty="0" smtClean="0"/>
+              <a:rPr lang="fr-FR" dirty="0"/>
               <a:t>Le nombre de neurones peut dépendre de cette formule</a:t>
             </a:r>
           </a:p>
           <a:p>
             <a:pPr lvl="1"/>
             <a:r>
-              <a:rPr lang="fr-FR" smtClean="0"/>
+              <a:rPr lang="fr-FR"/>
               <a:t>Il faut </a:t>
             </a:r>
             <a:r>
-              <a:rPr lang="fr-FR" dirty="0" smtClean="0"/>
+              <a:rPr lang="fr-FR" dirty="0"/>
               <a:t>donc un Ns très élevé</a:t>
             </a:r>
-            <a:endParaRPr lang="fr-FR" dirty="0"/>
           </a:p>
         </p:txBody>
       </p:sp>
@@ -5812,13 +5659,6 @@
   <p:clrMapOvr>
     <a:masterClrMapping/>
   </p:clrMapOvr>
-  <p:timing>
-    <p:tnLst>
-      <p:par>
-        <p:cTn id="1" dur="indefinite" restart="never" nodeType="tmRoot"/>
-      </p:par>
-    </p:tnLst>
-  </p:timing>
 </p:sld>
 </file>
 
@@ -5855,10 +5695,9 @@
           <a:lstStyle/>
           <a:p>
             <a:r>
-              <a:rPr lang="fr-FR" dirty="0" smtClean="0"/>
+              <a:rPr lang="fr-FR" dirty="0"/>
               <a:t>Prédictions</a:t>
             </a:r>
-            <a:endParaRPr lang="fr-FR" dirty="0"/>
           </a:p>
         </p:txBody>
       </p:sp>
@@ -5878,7 +5717,7 @@
           <a:lstStyle/>
           <a:p>
             <a:r>
-              <a:rPr lang="fr-FR" dirty="0" err="1" smtClean="0"/>
+              <a:rPr lang="fr-FR" dirty="0" err="1"/>
               <a:t>Predict</a:t>
             </a:r>
             <a:endParaRPr lang="fr-FR" dirty="0"/>
@@ -5919,13 +5758,6 @@
   <p:clrMapOvr>
     <a:masterClrMapping/>
   </p:clrMapOvr>
-  <p:timing>
-    <p:tnLst>
-      <p:par>
-        <p:cTn id="1" dur="indefinite" restart="never" nodeType="tmRoot"/>
-      </p:par>
-    </p:tnLst>
-  </p:timing>
 </p:sld>
 </file>
 
@@ -5962,10 +5794,9 @@
           <a:lstStyle/>
           <a:p>
             <a:r>
-              <a:rPr lang="fr-FR" dirty="0" smtClean="0"/>
+              <a:rPr lang="fr-FR" dirty="0"/>
               <a:t>Matrice de confusion</a:t>
             </a:r>
-            <a:endParaRPr lang="fr-FR" dirty="0"/>
           </a:p>
         </p:txBody>
       </p:sp>
@@ -5985,10 +5816,9 @@
           <a:lstStyle/>
           <a:p>
             <a:r>
-              <a:rPr lang="fr-FR" dirty="0" smtClean="0"/>
+              <a:rPr lang="fr-FR" dirty="0"/>
               <a:t>La matrice de confusion apporte les cas de succès, en discriminant les vrai positifs, les vrai négatifs, les faux positifs et les vrais positifs</a:t>
             </a:r>
-            <a:endParaRPr lang="fr-FR" dirty="0"/>
           </a:p>
         </p:txBody>
       </p:sp>
@@ -6043,13 +5873,6 @@
   <p:clrMapOvr>
     <a:masterClrMapping/>
   </p:clrMapOvr>
-  <p:timing>
-    <p:tnLst>
-      <p:par>
-        <p:cTn id="1" dur="indefinite" restart="never" nodeType="tmRoot"/>
-      </p:par>
-    </p:tnLst>
-  </p:timing>
 </p:sld>
 </file>
 
@@ -6086,10 +5909,9 @@
           <a:lstStyle/>
           <a:p>
             <a:r>
-              <a:rPr lang="fr-FR" dirty="0" smtClean="0"/>
+              <a:rPr lang="fr-FR" dirty="0"/>
               <a:t>Exemple de matrice de confusion</a:t>
             </a:r>
-            <a:endParaRPr lang="fr-FR" dirty="0"/>
           </a:p>
         </p:txBody>
       </p:sp>
@@ -6153,13 +5975,6 @@
   <p:clrMapOvr>
     <a:masterClrMapping/>
   </p:clrMapOvr>
-  <p:timing>
-    <p:tnLst>
-      <p:par>
-        <p:cTn id="1" dur="indefinite" restart="never" nodeType="tmRoot"/>
-      </p:par>
-    </p:tnLst>
-  </p:timing>
 </p:sld>
 </file>
 
@@ -6196,7 +6011,7 @@
           <a:lstStyle/>
           <a:p>
             <a:r>
-              <a:rPr lang="fr-FR" dirty="0" err="1" smtClean="0"/>
+              <a:rPr lang="fr-FR" dirty="0" err="1"/>
               <a:t>NeuralNet</a:t>
             </a:r>
             <a:endParaRPr lang="fr-FR" dirty="0"/>
@@ -6224,7 +6039,7 @@
           <a:lstStyle/>
           <a:p>
             <a:r>
-              <a:rPr lang="fr-FR" dirty="0" smtClean="0"/>
+              <a:rPr lang="fr-FR" dirty="0"/>
               <a:t>Possède un fonctionnalité intéressante : Il affiche le réseau graphiquement</a:t>
             </a:r>
           </a:p>
@@ -6288,13 +6103,6 @@
   <p:clrMapOvr>
     <a:masterClrMapping/>
   </p:clrMapOvr>
-  <p:timing>
-    <p:tnLst>
-      <p:par>
-        <p:cTn id="1" dur="indefinite" restart="never" nodeType="tmRoot"/>
-      </p:par>
-    </p:tnLst>
-  </p:timing>
 </p:sld>
 </file>
 
@@ -6331,7 +6139,7 @@
           <a:lstStyle/>
           <a:p>
             <a:r>
-              <a:rPr lang="fr-FR" dirty="0" err="1" smtClean="0"/>
+              <a:rPr lang="fr-FR" dirty="0" err="1"/>
               <a:t>TensorFlow</a:t>
             </a:r>
             <a:endParaRPr lang="fr-FR" dirty="0"/>
@@ -6359,70 +6167,44 @@
             </a:r>
             <a:r>
               <a:rPr lang="fr-FR" dirty="0"/>
-              <a:t> est un outil open source d'apprentissage automatique développé par </a:t>
-            </a:r>
-            <a:r>
-              <a:rPr lang="fr-FR" dirty="0" smtClean="0"/>
-              <a:t>Google</a:t>
+              <a:t> est un outil open source d'apprentissage automatique développé par Google</a:t>
             </a:r>
           </a:p>
           <a:p>
             <a:pPr lvl="1"/>
             <a:r>
-              <a:rPr lang="fr-FR" dirty="0" smtClean="0"/>
-              <a:t>Le </a:t>
-            </a:r>
-            <a:r>
-              <a:rPr lang="fr-FR" dirty="0"/>
-              <a:t>code source a été ouvert le 9 novembre 2015 par Google et publié sous licence </a:t>
-            </a:r>
-            <a:r>
-              <a:rPr lang="fr-FR" dirty="0" smtClean="0"/>
-              <a:t>Apache</a:t>
+              <a:rPr lang="fr-FR" dirty="0"/>
+              <a:t>Le code source a été ouvert le 9 novembre 2015 par Google et publié sous licence Apache</a:t>
             </a:r>
           </a:p>
           <a:p>
             <a:pPr lvl="1"/>
             <a:r>
-              <a:rPr lang="fr-FR" dirty="0" smtClean="0"/>
+              <a:rPr lang="fr-FR" dirty="0"/>
               <a:t>V 1.0 du 11 février 2017</a:t>
             </a:r>
-            <a:endParaRPr lang="fr-FR" dirty="0"/>
-          </a:p>
-          <a:p>
-            <a:r>
-              <a:rPr lang="fr-FR" dirty="0" smtClean="0"/>
-              <a:t>Est </a:t>
-            </a:r>
-            <a:r>
-              <a:rPr lang="fr-FR" dirty="0"/>
-              <a:t>doté d'une interface Python.</a:t>
-            </a:r>
-          </a:p>
-          <a:p>
-            <a:r>
-              <a:rPr lang="fr-FR" dirty="0" err="1" smtClean="0"/>
+          </a:p>
+          <a:p>
+            <a:r>
+              <a:rPr lang="fr-FR" dirty="0"/>
+              <a:t>Est doté d'une interface Python.</a:t>
+            </a:r>
+          </a:p>
+          <a:p>
+            <a:r>
+              <a:rPr lang="fr-FR" dirty="0" err="1"/>
               <a:t>TensorFlow</a:t>
             </a:r>
             <a:r>
-              <a:rPr lang="fr-FR" dirty="0" smtClean="0"/>
-              <a:t> </a:t>
-            </a:r>
-            <a:r>
-              <a:rPr lang="fr-FR" dirty="0"/>
-              <a:t>est l'un des outils les plus utilisés en IA dans le domaine de l'apprentissage </a:t>
-            </a:r>
-            <a:r>
-              <a:rPr lang="fr-FR" dirty="0" smtClean="0"/>
-              <a:t>machine</a:t>
-            </a:r>
-          </a:p>
-          <a:p>
-            <a:r>
-              <a:rPr lang="fr-FR" dirty="0" smtClean="0"/>
+              <a:rPr lang="fr-FR" dirty="0"/>
+              <a:t> est l'un des outils les plus utilisés en IA dans le domaine de l'apprentissage machine</a:t>
+            </a:r>
+          </a:p>
+          <a:p>
+            <a:r>
+              <a:rPr lang="fr-FR" dirty="0"/>
               <a:t>Développé par Google Brain filiale d'Alphabet</a:t>
             </a:r>
-            <a:endParaRPr lang="fr-FR" dirty="0"/>
           </a:p>
         </p:txBody>
       </p:sp>
@@ -6460,13 +6242,6 @@
   <p:clrMapOvr>
     <a:masterClrMapping/>
   </p:clrMapOvr>
-  <p:timing>
-    <p:tnLst>
-      <p:par>
-        <p:cTn id="1" dur="indefinite" restart="never" nodeType="tmRoot"/>
-      </p:par>
-    </p:tnLst>
-  </p:timing>
 </p:sld>
 </file>
 
@@ -6503,7 +6278,7 @@
           <a:lstStyle/>
           <a:p>
             <a:r>
-              <a:rPr lang="fr-FR" dirty="0" err="1" smtClean="0"/>
+              <a:rPr lang="fr-FR" dirty="0" err="1"/>
               <a:t>Keras</a:t>
             </a:r>
             <a:endParaRPr lang="fr-FR" dirty="0"/>
@@ -6531,158 +6306,137 @@
             </a:r>
             <a:r>
               <a:rPr lang="fr-FR" dirty="0"/>
-              <a:t> est une </a:t>
-            </a:r>
-            <a:r>
-              <a:rPr lang="fr-FR" dirty="0" smtClean="0"/>
-              <a:t>API Python portable qui permet d'effectuer du </a:t>
-            </a:r>
-            <a:r>
-              <a:rPr lang="fr-FR" dirty="0" err="1" smtClean="0"/>
+              <a:t> est une API Python portable qui permet d'effectuer du </a:t>
+            </a:r>
+            <a:r>
+              <a:rPr lang="fr-FR" dirty="0" err="1"/>
               <a:t>Deep</a:t>
             </a:r>
             <a:r>
-              <a:rPr lang="fr-FR" dirty="0" smtClean="0"/>
+              <a:rPr lang="fr-FR" dirty="0"/>
               <a:t> Learning par-dessus </a:t>
             </a:r>
             <a:r>
-              <a:rPr lang="fr-FR" dirty="0" err="1" smtClean="0"/>
+              <a:rPr lang="fr-FR" dirty="0" err="1"/>
               <a:t>Tensorflow</a:t>
             </a:r>
             <a:r>
-              <a:rPr lang="fr-FR" dirty="0" smtClean="0"/>
-              <a:t>, CNTK </a:t>
-            </a:r>
-            <a:r>
-              <a:rPr lang="fr-FR" dirty="0"/>
-              <a:t>et </a:t>
-            </a:r>
-            <a:r>
-              <a:rPr lang="fr-FR" dirty="0" err="1" smtClean="0"/>
+              <a:rPr lang="fr-FR" dirty="0"/>
+              <a:t>, CNTK et </a:t>
+            </a:r>
+            <a:r>
+              <a:rPr lang="fr-FR" dirty="0" err="1"/>
               <a:t>Theano</a:t>
             </a:r>
-            <a:endParaRPr lang="fr-FR" dirty="0" smtClean="0"/>
+            <a:endParaRPr lang="fr-FR" dirty="0"/>
           </a:p>
           <a:p>
             <a:pPr lvl="1"/>
             <a:r>
-              <a:rPr lang="fr-FR" dirty="0" smtClean="0"/>
-              <a:t>Elle </a:t>
-            </a:r>
-            <a:r>
-              <a:rPr lang="fr-FR" dirty="0"/>
-              <a:t>a été initialement écrite par François </a:t>
-            </a:r>
-            <a:r>
-              <a:rPr lang="fr-FR" dirty="0" smtClean="0"/>
-              <a:t>Chollet</a:t>
+              <a:rPr lang="fr-FR" dirty="0"/>
+              <a:t>Elle a été initialement écrite par François Chollet</a:t>
             </a:r>
           </a:p>
           <a:p>
             <a:pPr lvl="2"/>
             <a:r>
-              <a:rPr lang="fr-FR" dirty="0" smtClean="0"/>
+              <a:rPr lang="fr-FR" dirty="0"/>
               <a:t>Salarié de Google</a:t>
             </a:r>
           </a:p>
           <a:p>
             <a:pPr lvl="1"/>
             <a:r>
-              <a:rPr lang="fr-FR" dirty="0" smtClean="0"/>
+              <a:rPr lang="fr-FR" dirty="0"/>
               <a:t>Permet d'écrire des réseaux neuronaux simplement</a:t>
             </a:r>
           </a:p>
           <a:p>
             <a:pPr lvl="1"/>
             <a:r>
-              <a:rPr lang="fr-FR" dirty="0" smtClean="0"/>
+              <a:rPr lang="fr-FR" dirty="0"/>
               <a:t>Permet de rendre le code </a:t>
             </a:r>
             <a:r>
-              <a:rPr lang="fr-FR" dirty="0" err="1" smtClean="0"/>
+              <a:rPr lang="fr-FR" dirty="0" err="1"/>
               <a:t>TensorFlow</a:t>
             </a:r>
             <a:r>
-              <a:rPr lang="fr-FR" dirty="0" smtClean="0"/>
+              <a:rPr lang="fr-FR" dirty="0"/>
               <a:t> portable vers CNTK et </a:t>
             </a:r>
             <a:r>
-              <a:rPr lang="fr-FR" dirty="0" err="1" smtClean="0"/>
+              <a:rPr lang="fr-FR" dirty="0" err="1"/>
               <a:t>Theano</a:t>
             </a:r>
-            <a:endParaRPr lang="fr-FR" dirty="0" smtClean="0"/>
+            <a:endParaRPr lang="fr-FR" dirty="0"/>
           </a:p>
           <a:p>
             <a:pPr lvl="1"/>
             <a:r>
-              <a:rPr lang="fr-FR" dirty="0" smtClean="0"/>
+              <a:rPr lang="fr-FR" dirty="0"/>
               <a:t>Inclus dans </a:t>
             </a:r>
             <a:r>
-              <a:rPr lang="fr-FR" dirty="0" err="1" smtClean="0"/>
+              <a:rPr lang="fr-FR" dirty="0" err="1"/>
               <a:t>TensorFlow</a:t>
             </a:r>
-            <a:endParaRPr lang="fr-FR" dirty="0" smtClean="0"/>
+            <a:endParaRPr lang="fr-FR" dirty="0"/>
           </a:p>
           <a:p>
             <a:pPr lvl="1"/>
             <a:r>
-              <a:rPr lang="fr-FR" dirty="0" smtClean="0"/>
-              <a:t>Installation </a:t>
-            </a:r>
-            <a:r>
-              <a:rPr lang="fr-FR" dirty="0"/>
-              <a:t>: </a:t>
-            </a:r>
-            <a:endParaRPr lang="fr-FR" dirty="0" smtClean="0"/>
+              <a:rPr lang="fr-FR" dirty="0"/>
+              <a:t>Installation : </a:t>
+            </a:r>
           </a:p>
           <a:p>
             <a:pPr lvl="2"/>
             <a:r>
-              <a:rPr lang="fr-FR" dirty="0" err="1" smtClean="0"/>
+              <a:rPr lang="fr-FR" dirty="0" err="1"/>
               <a:t>tensorflow</a:t>
             </a:r>
             <a:r>
-              <a:rPr lang="fr-FR" dirty="0" smtClean="0"/>
+              <a:rPr lang="fr-FR" dirty="0"/>
               <a:t>, </a:t>
             </a:r>
             <a:r>
-              <a:rPr lang="fr-FR" dirty="0" err="1" smtClean="0"/>
+              <a:rPr lang="fr-FR" dirty="0" err="1"/>
               <a:t>keras</a:t>
             </a:r>
             <a:r>
-              <a:rPr lang="fr-FR" dirty="0" smtClean="0"/>
+              <a:rPr lang="fr-FR" dirty="0"/>
               <a:t> et </a:t>
             </a:r>
             <a:r>
-              <a:rPr lang="fr-FR" dirty="0" err="1" smtClean="0"/>
+              <a:rPr lang="fr-FR" dirty="0" err="1"/>
               <a:t>kerasR</a:t>
             </a:r>
-            <a:endParaRPr lang="fr-FR" dirty="0" smtClean="0"/>
+            <a:endParaRPr lang="fr-FR" dirty="0"/>
           </a:p>
           <a:p>
             <a:pPr lvl="2"/>
             <a:r>
-              <a:rPr lang="fr-FR" dirty="0" smtClean="0"/>
+              <a:rPr lang="fr-FR" dirty="0"/>
               <a:t>Python 3.6 + </a:t>
             </a:r>
             <a:r>
-              <a:rPr lang="fr-FR" dirty="0" err="1" smtClean="0"/>
+              <a:rPr lang="fr-FR" dirty="0" err="1"/>
               <a:t>TensorFlow</a:t>
             </a:r>
             <a:r>
-              <a:rPr lang="fr-FR" dirty="0" smtClean="0"/>
+              <a:rPr lang="fr-FR" dirty="0"/>
               <a:t> + </a:t>
             </a:r>
             <a:r>
-              <a:rPr lang="fr-FR" dirty="0" err="1" smtClean="0"/>
+              <a:rPr lang="fr-FR" dirty="0" err="1"/>
               <a:t>Keras</a:t>
             </a:r>
-            <a:endParaRPr lang="fr-FR" dirty="0" smtClean="0"/>
+            <a:endParaRPr lang="fr-FR" dirty="0"/>
           </a:p>
           <a:p>
             <a:pPr lvl="2"/>
-            <a:endParaRPr lang="fr-FR" dirty="0" smtClean="0"/>
+            <a:endParaRPr lang="fr-FR" dirty="0"/>
           </a:p>
         </p:txBody>
       </p:sp>
@@ -6778,13 +6532,6 @@
   <p:clrMapOvr>
     <a:masterClrMapping/>
   </p:clrMapOvr>
-  <p:timing>
-    <p:tnLst>
-      <p:par>
-        <p:cTn id="1" dur="indefinite" restart="never" nodeType="tmRoot"/>
-      </p:par>
-    </p:tnLst>
-  </p:timing>
 </p:sld>
 </file>
 
@@ -6821,7 +6568,7 @@
           <a:lstStyle/>
           <a:p>
             <a:r>
-              <a:rPr lang="fr-FR" dirty="0" err="1" smtClean="0"/>
+              <a:rPr lang="fr-FR" dirty="0" err="1"/>
               <a:t>Keras</a:t>
             </a:r>
             <a:endParaRPr lang="fr-FR" dirty="0"/>
@@ -6844,44 +6591,43 @@
           <a:lstStyle/>
           <a:p>
             <a:r>
-              <a:rPr lang="fr-FR" dirty="0" err="1" smtClean="0"/>
+              <a:rPr lang="fr-FR" dirty="0" err="1"/>
               <a:t>KerasR</a:t>
             </a:r>
             <a:r>
-              <a:rPr lang="fr-FR" dirty="0" smtClean="0"/>
+              <a:rPr lang="fr-FR" dirty="0"/>
               <a:t> est l'implémentation R de </a:t>
             </a:r>
             <a:r>
-              <a:rPr lang="fr-FR" dirty="0" err="1" smtClean="0"/>
+              <a:rPr lang="fr-FR" dirty="0" err="1"/>
               <a:t>Keras</a:t>
             </a:r>
             <a:r>
-              <a:rPr lang="fr-FR" dirty="0" smtClean="0"/>
+              <a:rPr lang="fr-FR" dirty="0"/>
               <a:t> (Python)</a:t>
             </a:r>
           </a:p>
           <a:p>
             <a:r>
-              <a:rPr lang="fr-FR" dirty="0" err="1" smtClean="0"/>
+              <a:rPr lang="fr-FR" dirty="0" err="1"/>
               <a:t>Keras</a:t>
             </a:r>
             <a:r>
-              <a:rPr lang="fr-FR" dirty="0" smtClean="0"/>
+              <a:rPr lang="fr-FR" dirty="0"/>
               <a:t> est l'implémentation R S4 de </a:t>
             </a:r>
             <a:r>
-              <a:rPr lang="fr-FR" dirty="0" err="1" smtClean="0"/>
+              <a:rPr lang="fr-FR" dirty="0" err="1"/>
               <a:t>Keras</a:t>
             </a:r>
-            <a:endParaRPr lang="fr-FR" dirty="0" smtClean="0"/>
+            <a:endParaRPr lang="fr-FR" dirty="0"/>
           </a:p>
           <a:p>
             <a:pPr lvl="1"/>
             <a:r>
-              <a:rPr lang="fr-FR" dirty="0" smtClean="0"/>
+              <a:rPr lang="fr-FR" dirty="0"/>
               <a:t>%&gt;%</a:t>
             </a:r>
-            <a:endParaRPr lang="fr-FR" dirty="0"/>
           </a:p>
         </p:txBody>
       </p:sp>
@@ -6895,13 +6641,6 @@
   <p:clrMapOvr>
     <a:masterClrMapping/>
   </p:clrMapOvr>
-  <p:timing>
-    <p:tnLst>
-      <p:par>
-        <p:cTn id="1" dur="indefinite" restart="never" nodeType="tmRoot"/>
-      </p:par>
-    </p:tnLst>
-  </p:timing>
 </p:sld>
 </file>
 
@@ -6938,10 +6677,9 @@
           <a:lstStyle/>
           <a:p>
             <a:r>
-              <a:rPr lang="fr-FR" dirty="0" smtClean="0"/>
+              <a:rPr lang="fr-FR" dirty="0"/>
               <a:t>Perceptron</a:t>
             </a:r>
-            <a:endParaRPr lang="fr-FR" dirty="0"/>
           </a:p>
         </p:txBody>
       </p:sp>
@@ -6961,21 +6699,21 @@
           <a:lstStyle/>
           <a:p>
             <a:r>
-              <a:rPr lang="fr-FR" dirty="0" smtClean="0"/>
+              <a:rPr lang="fr-FR" dirty="0"/>
               <a:t>Un perceptron possède plusieurs entrées (ix), une sortie (o), un seuil et une fonction d’activation (f)</a:t>
             </a:r>
           </a:p>
           <a:p>
             <a:r>
-              <a:rPr lang="fr-FR" dirty="0" smtClean="0"/>
+              <a:rPr lang="fr-FR" dirty="0"/>
               <a:t>Chaque entrée possède un poids (</a:t>
             </a:r>
             <a:r>
-              <a:rPr lang="fr-FR" dirty="0" err="1" smtClean="0"/>
+              <a:rPr lang="fr-FR" dirty="0" err="1"/>
               <a:t>Wx</a:t>
             </a:r>
             <a:r>
-              <a:rPr lang="fr-FR" dirty="0" smtClean="0"/>
+              <a:rPr lang="fr-FR" dirty="0"/>
               <a:t>)</a:t>
             </a:r>
           </a:p>
@@ -7035,13 +6773,6 @@
   <p:clrMapOvr>
     <a:masterClrMapping/>
   </p:clrMapOvr>
-  <p:timing>
-    <p:tnLst>
-      <p:par>
-        <p:cTn id="1" dur="indefinite" restart="never" nodeType="tmRoot"/>
-      </p:par>
-    </p:tnLst>
-  </p:timing>
 </p:sld>
 </file>
 
@@ -7078,14 +6809,13 @@
           <a:lstStyle/>
           <a:p>
             <a:r>
-              <a:rPr lang="fr-FR" dirty="0" err="1" smtClean="0"/>
+              <a:rPr lang="fr-FR" dirty="0" err="1"/>
               <a:t>Deep</a:t>
             </a:r>
             <a:r>
-              <a:rPr lang="fr-FR" dirty="0" smtClean="0"/>
+              <a:rPr lang="fr-FR" dirty="0"/>
               <a:t> Learning</a:t>
             </a:r>
-            <a:endParaRPr lang="fr-FR" dirty="0"/>
           </a:p>
         </p:txBody>
       </p:sp>
@@ -7105,92 +6835,86 @@
           <a:lstStyle/>
           <a:p>
             <a:r>
-              <a:rPr lang="fr-FR" dirty="0" smtClean="0"/>
+              <a:rPr lang="fr-FR" dirty="0"/>
               <a:t>Les réseaux neuronaux sont souvent du type MLP</a:t>
             </a:r>
           </a:p>
           <a:p>
             <a:pPr lvl="1"/>
             <a:r>
-              <a:rPr lang="fr-FR" dirty="0" smtClean="0"/>
+              <a:rPr lang="fr-FR" dirty="0"/>
               <a:t>Multi Layer Perceptron</a:t>
             </a:r>
           </a:p>
           <a:p>
             <a:pPr lvl="1"/>
             <a:r>
-              <a:rPr lang="fr-FR" dirty="0" smtClean="0"/>
+              <a:rPr lang="fr-FR" dirty="0"/>
               <a:t>Avec TF il est difficile de créer un </a:t>
             </a:r>
             <a:r>
-              <a:rPr lang="fr-FR" dirty="0" err="1" smtClean="0"/>
+              <a:rPr lang="fr-FR" dirty="0" err="1"/>
               <a:t>Dataset</a:t>
             </a:r>
             <a:r>
-              <a:rPr lang="fr-FR" dirty="0" smtClean="0"/>
+              <a:rPr lang="fr-FR" dirty="0"/>
               <a:t> et encore plus difficile de créer un </a:t>
             </a:r>
             <a:r>
-              <a:rPr lang="fr-FR" dirty="0" err="1" smtClean="0"/>
+              <a:rPr lang="fr-FR" dirty="0" err="1"/>
               <a:t>Estimator</a:t>
             </a:r>
             <a:r>
-              <a:rPr lang="fr-FR" dirty="0" smtClean="0"/>
+              <a:rPr lang="fr-FR" dirty="0"/>
               <a:t> basé sur des réseaux neuronaux</a:t>
             </a:r>
           </a:p>
           <a:p>
             <a:r>
-              <a:rPr lang="fr-FR" dirty="0" smtClean="0"/>
+              <a:rPr lang="fr-FR" dirty="0"/>
               <a:t>Réseau CNN et CRNN</a:t>
             </a:r>
           </a:p>
           <a:p>
             <a:pPr lvl="1"/>
             <a:r>
-              <a:rPr lang="fr-FR" dirty="0" err="1" smtClean="0"/>
+              <a:rPr lang="fr-FR" dirty="0" err="1"/>
               <a:t>Convulational</a:t>
             </a:r>
             <a:r>
-              <a:rPr lang="fr-FR" dirty="0" smtClean="0"/>
+              <a:rPr lang="fr-FR" dirty="0"/>
               <a:t> (</a:t>
             </a:r>
             <a:r>
-              <a:rPr lang="fr-FR" dirty="0" err="1" smtClean="0"/>
+              <a:rPr lang="fr-FR" dirty="0" err="1"/>
               <a:t>Recursive</a:t>
             </a:r>
             <a:r>
-              <a:rPr lang="fr-FR" dirty="0" smtClean="0"/>
-              <a:t>) </a:t>
-            </a:r>
-            <a:r>
-              <a:rPr lang="fr-FR" dirty="0"/>
-              <a:t>Neural Network</a:t>
-            </a:r>
-            <a:endParaRPr lang="fr-FR" dirty="0" smtClean="0"/>
+              <a:rPr lang="fr-FR" dirty="0"/>
+              <a:t>) Neural Network</a:t>
+            </a:r>
           </a:p>
           <a:p>
             <a:pPr lvl="1"/>
             <a:r>
-              <a:rPr lang="fr-FR" dirty="0" smtClean="0"/>
+              <a:rPr lang="fr-FR" dirty="0"/>
               <a:t>Avec TF il encore plus difficile de faire des réseaux </a:t>
             </a:r>
             <a:r>
-              <a:rPr lang="fr-FR" dirty="0" err="1" smtClean="0"/>
+              <a:rPr lang="fr-FR" dirty="0" err="1"/>
               <a:t>circonvolutifs</a:t>
             </a:r>
-            <a:endParaRPr lang="fr-FR" dirty="0" smtClean="0"/>
-          </a:p>
-          <a:p>
-            <a:r>
-              <a:rPr lang="fr-FR" dirty="0" err="1" smtClean="0"/>
+            <a:endParaRPr lang="fr-FR" dirty="0"/>
+          </a:p>
+          <a:p>
+            <a:r>
+              <a:rPr lang="fr-FR" dirty="0" err="1"/>
               <a:t>Keras</a:t>
             </a:r>
             <a:r>
-              <a:rPr lang="fr-FR" dirty="0" smtClean="0"/>
+              <a:rPr lang="fr-FR" dirty="0"/>
               <a:t> rends tout cela simple</a:t>
             </a:r>
-            <a:endParaRPr lang="fr-FR" dirty="0"/>
           </a:p>
         </p:txBody>
       </p:sp>
@@ -7204,13 +6928,6 @@
   <p:clrMapOvr>
     <a:masterClrMapping/>
   </p:clrMapOvr>
-  <p:timing>
-    <p:tnLst>
-      <p:par>
-        <p:cTn id="1" dur="indefinite" restart="never" nodeType="tmRoot"/>
-      </p:par>
-    </p:tnLst>
-  </p:timing>
 </p:sld>
 </file>
 
@@ -7247,10 +6964,9 @@
           <a:lstStyle/>
           <a:p>
             <a:r>
-              <a:rPr lang="fr-FR" dirty="0" smtClean="0"/>
+              <a:rPr lang="fr-FR" dirty="0"/>
               <a:t>MLP</a:t>
             </a:r>
-            <a:endParaRPr lang="fr-FR" dirty="0"/>
           </a:p>
         </p:txBody>
       </p:sp>
@@ -7270,20 +6986,20 @@
           <a:lstStyle/>
           <a:p>
             <a:r>
-              <a:rPr lang="fr-FR" dirty="0" smtClean="0"/>
+              <a:rPr lang="fr-FR" dirty="0"/>
               <a:t>Pour créer un MLP</a:t>
             </a:r>
           </a:p>
           <a:p>
             <a:r>
-              <a:rPr lang="fr-FR" dirty="0" err="1" smtClean="0"/>
+              <a:rPr lang="fr-FR" dirty="0" err="1"/>
               <a:t>layer_dense</a:t>
             </a:r>
-            <a:endParaRPr lang="fr-FR" dirty="0" smtClean="0"/>
+            <a:endParaRPr lang="fr-FR" dirty="0"/>
           </a:p>
           <a:p>
             <a:pPr lvl="1"/>
-            <a:endParaRPr lang="fr-FR" dirty="0" smtClean="0"/>
+            <a:endParaRPr lang="fr-FR" dirty="0"/>
           </a:p>
           <a:p>
             <a:endParaRPr lang="fr-FR" dirty="0"/>
@@ -7324,13 +7040,6 @@
   <p:clrMapOvr>
     <a:masterClrMapping/>
   </p:clrMapOvr>
-  <p:timing>
-    <p:tnLst>
-      <p:par>
-        <p:cTn id="1" dur="indefinite" restart="never" nodeType="tmRoot"/>
-      </p:par>
-    </p:tnLst>
-  </p:timing>
 </p:sld>
 </file>
 
@@ -7367,10 +7076,9 @@
           <a:lstStyle/>
           <a:p>
             <a:r>
-              <a:rPr lang="fr-FR" dirty="0" smtClean="0"/>
+              <a:rPr lang="fr-FR" dirty="0"/>
               <a:t>Fonctions d'activation</a:t>
             </a:r>
-            <a:endParaRPr lang="fr-FR" dirty="0"/>
           </a:p>
         </p:txBody>
       </p:sp>
@@ -7390,77 +7098,73 @@
           <a:lstStyle/>
           <a:p>
             <a:r>
-              <a:rPr lang="fr-FR" dirty="0" err="1" smtClean="0"/>
+              <a:rPr lang="fr-FR" dirty="0" err="1"/>
               <a:t>Linear</a:t>
             </a:r>
             <a:r>
-              <a:rPr lang="fr-FR" dirty="0" smtClean="0"/>
+              <a:rPr lang="fr-FR" dirty="0"/>
               <a:t> (défaut)</a:t>
             </a:r>
           </a:p>
           <a:p>
             <a:r>
-              <a:rPr lang="fr-FR" dirty="0" err="1" smtClean="0"/>
+              <a:rPr lang="fr-FR" dirty="0" err="1"/>
               <a:t>tanh</a:t>
             </a:r>
             <a:r>
-              <a:rPr lang="fr-FR" dirty="0" smtClean="0"/>
+              <a:rPr lang="fr-FR" dirty="0"/>
               <a:t> (rapide), </a:t>
             </a:r>
             <a:r>
-              <a:rPr lang="fr-FR" dirty="0" err="1" smtClean="0"/>
+              <a:rPr lang="fr-FR" dirty="0" err="1"/>
               <a:t>sigmoid</a:t>
             </a:r>
             <a:r>
-              <a:rPr lang="fr-FR" dirty="0" smtClean="0"/>
+              <a:rPr lang="fr-FR" dirty="0"/>
               <a:t> (lent), </a:t>
             </a:r>
             <a:r>
-              <a:rPr lang="fr-FR" dirty="0" err="1" smtClean="0"/>
+              <a:rPr lang="fr-FR" dirty="0" err="1"/>
               <a:t>hard_sigmoid</a:t>
             </a:r>
             <a:r>
-              <a:rPr lang="fr-FR" dirty="0" smtClean="0"/>
+              <a:rPr lang="fr-FR" dirty="0"/>
               <a:t>(rapide)</a:t>
             </a:r>
           </a:p>
           <a:p>
             <a:r>
               <a:rPr lang="fr-FR" dirty="0" err="1"/>
-              <a:t>x</a:t>
-            </a:r>
-            <a:r>
-              <a:rPr lang="fr-FR" dirty="0" err="1" smtClean="0"/>
-              <a:t>elu</a:t>
-            </a:r>
-            <a:endParaRPr lang="fr-FR" dirty="0" smtClean="0"/>
+              <a:t>xelu</a:t>
+            </a:r>
+            <a:endParaRPr lang="fr-FR" dirty="0"/>
           </a:p>
           <a:p>
             <a:pPr lvl="1"/>
             <a:r>
-              <a:rPr lang="fr-FR" dirty="0" smtClean="0"/>
+              <a:rPr lang="fr-FR" dirty="0"/>
               <a:t>Comme </a:t>
             </a:r>
             <a:r>
-              <a:rPr lang="fr-FR" dirty="0" err="1" smtClean="0"/>
+              <a:rPr lang="fr-FR" dirty="0" err="1"/>
               <a:t>Linear</a:t>
             </a:r>
             <a:r>
-              <a:rPr lang="fr-FR" dirty="0" smtClean="0"/>
+              <a:rPr lang="fr-FR" dirty="0"/>
               <a:t> mais renvoie une valeur atténuée en cas d'échec</a:t>
             </a:r>
           </a:p>
           <a:p>
             <a:r>
-              <a:rPr lang="fr-FR" dirty="0" err="1" smtClean="0"/>
+              <a:rPr lang="fr-FR" dirty="0" err="1"/>
               <a:t>softmax</a:t>
             </a:r>
-            <a:endParaRPr lang="fr-FR" dirty="0" smtClean="0"/>
+            <a:endParaRPr lang="fr-FR" dirty="0"/>
           </a:p>
           <a:p>
             <a:pPr lvl="1"/>
             <a:r>
-              <a:rPr lang="fr-FR" dirty="0" smtClean="0"/>
+              <a:rPr lang="fr-FR" dirty="0"/>
               <a:t>Exponentielle normalisée</a:t>
             </a:r>
           </a:p>
@@ -7470,32 +7174,25 @@
           </a:p>
           <a:p>
             <a:pPr lvl="1"/>
-            <a:endParaRPr lang="fr-FR" dirty="0" smtClean="0"/>
+            <a:endParaRPr lang="fr-FR" dirty="0"/>
           </a:p>
           <a:p>
             <a:pPr marL="457200" lvl="1" indent="0">
               <a:buNone/>
             </a:pPr>
             <a:r>
-              <a:rPr lang="fr-FR" sz="2000" dirty="0" err="1" smtClean="0">
+              <a:rPr lang="fr-FR" sz="2000" dirty="0" err="1">
                 <a:latin typeface="Courier New" panose="02070309020205020404" pitchFamily="49" charset="0"/>
                 <a:cs typeface="Courier New" panose="02070309020205020404" pitchFamily="49" charset="0"/>
               </a:rPr>
               <a:t>layer_dense</a:t>
             </a:r>
             <a:r>
-              <a:rPr lang="fr-FR" sz="2000" dirty="0" smtClean="0">
-                <a:latin typeface="Courier New" panose="02070309020205020404" pitchFamily="49" charset="0"/>
-                <a:cs typeface="Courier New" panose="02070309020205020404" pitchFamily="49" charset="0"/>
-              </a:rPr>
-              <a:t>(64</a:t>
-            </a:r>
-            <a:r>
               <a:rPr lang="fr-FR" sz="2000" dirty="0">
                 <a:latin typeface="Courier New" panose="02070309020205020404" pitchFamily="49" charset="0"/>
                 <a:cs typeface="Courier New" panose="02070309020205020404" pitchFamily="49" charset="0"/>
               </a:rPr>
-              <a:t>, activation='</a:t>
+              <a:t>(64, activation='</a:t>
             </a:r>
             <a:r>
               <a:rPr lang="fr-FR" sz="2000" dirty="0" err="1">
@@ -7517,25 +7214,18 @@
               <a:buNone/>
             </a:pPr>
             <a:r>
-              <a:rPr lang="fr-FR" sz="2000" dirty="0" err="1" smtClean="0">
+              <a:rPr lang="fr-FR" sz="2000" dirty="0" err="1">
                 <a:latin typeface="Courier New" panose="02070309020205020404" pitchFamily="49" charset="0"/>
                 <a:cs typeface="Courier New" panose="02070309020205020404" pitchFamily="49" charset="0"/>
               </a:rPr>
               <a:t>layer_dense</a:t>
             </a:r>
             <a:r>
-              <a:rPr lang="fr-FR" sz="2000" dirty="0" smtClean="0">
-                <a:latin typeface="Courier New" panose="02070309020205020404" pitchFamily="49" charset="0"/>
-                <a:cs typeface="Courier New" panose="02070309020205020404" pitchFamily="49" charset="0"/>
-              </a:rPr>
-              <a:t>(64</a:t>
-            </a:r>
-            <a:r>
               <a:rPr lang="fr-FR" sz="2000" dirty="0">
                 <a:latin typeface="Courier New" panose="02070309020205020404" pitchFamily="49" charset="0"/>
                 <a:cs typeface="Courier New" panose="02070309020205020404" pitchFamily="49" charset="0"/>
               </a:rPr>
-              <a:t>, activation=</a:t>
+              <a:t>(64, activation=</a:t>
             </a:r>
             <a:r>
               <a:rPr lang="fr-FR" sz="2000" dirty="0" err="1">
@@ -7551,10 +7241,6 @@
               </a:rPr>
               <a:t>)</a:t>
             </a:r>
-            <a:endParaRPr lang="fr-FR" sz="2000" dirty="0" smtClean="0">
-              <a:latin typeface="Courier New" panose="02070309020205020404" pitchFamily="49" charset="0"/>
-              <a:cs typeface="Courier New" panose="02070309020205020404" pitchFamily="49" charset="0"/>
-            </a:endParaRPr>
           </a:p>
           <a:p>
             <a:endParaRPr lang="fr-FR" dirty="0"/>
@@ -7651,13 +7337,6 @@
   <p:clrMapOvr>
     <a:masterClrMapping/>
   </p:clrMapOvr>
-  <p:timing>
-    <p:tnLst>
-      <p:par>
-        <p:cTn id="1" dur="indefinite" restart="never" nodeType="tmRoot"/>
-      </p:par>
-    </p:tnLst>
-  </p:timing>
 </p:sld>
 </file>
 
@@ -7694,7 +7373,7 @@
           <a:lstStyle/>
           <a:p>
             <a:r>
-              <a:rPr lang="fr-FR" dirty="0" err="1" smtClean="0"/>
+              <a:rPr lang="fr-FR" dirty="0" err="1"/>
               <a:t>Initializer</a:t>
             </a:r>
             <a:endParaRPr lang="fr-FR" dirty="0"/>
@@ -7722,36 +7401,32 @@
             </a:r>
             <a:r>
               <a:rPr lang="fr-FR" dirty="0"/>
-              <a:t> </a:t>
-            </a:r>
-            <a:r>
-              <a:rPr lang="fr-FR" dirty="0" smtClean="0"/>
-              <a:t>et </a:t>
-            </a:r>
-            <a:r>
-              <a:rPr lang="fr-FR" dirty="0" err="1" smtClean="0"/>
+              <a:t> et </a:t>
+            </a:r>
+            <a:r>
+              <a:rPr lang="fr-FR" dirty="0" err="1"/>
               <a:t>bias_initializer</a:t>
             </a:r>
-            <a:endParaRPr lang="fr-FR" dirty="0" smtClean="0"/>
+            <a:endParaRPr lang="fr-FR" dirty="0"/>
           </a:p>
           <a:p>
             <a:pPr lvl="1"/>
             <a:r>
-              <a:rPr lang="fr-FR" dirty="0" smtClean="0"/>
+              <a:rPr lang="fr-FR" dirty="0"/>
               <a:t>Valeur initiale des poids</a:t>
             </a:r>
           </a:p>
           <a:p>
             <a:pPr lvl="1"/>
             <a:r>
-              <a:rPr lang="fr-FR" dirty="0" smtClean="0"/>
+              <a:rPr lang="fr-FR" dirty="0"/>
               <a:t>Par défaut </a:t>
             </a:r>
             <a:r>
-              <a:rPr lang="fr-FR" dirty="0" err="1" smtClean="0"/>
+              <a:rPr lang="fr-FR" dirty="0" err="1"/>
               <a:t>glorot_normal</a:t>
             </a:r>
-            <a:endParaRPr lang="fr-FR" dirty="0" smtClean="0"/>
+            <a:endParaRPr lang="fr-FR" dirty="0"/>
           </a:p>
           <a:p>
             <a:pPr lvl="1"/>
@@ -7776,105 +7451,97 @@
               <a:t>fan_out</a:t>
             </a:r>
             <a:r>
-              <a:rPr lang="fr-FR" dirty="0" smtClean="0"/>
+              <a:rPr lang="fr-FR" dirty="0"/>
               <a:t>))</a:t>
             </a:r>
           </a:p>
           <a:p>
             <a:pPr lvl="1"/>
             <a:r>
-              <a:rPr lang="fr-FR" dirty="0" err="1" smtClean="0"/>
+              <a:rPr lang="fr-FR" dirty="0" err="1"/>
               <a:t>fan_in</a:t>
             </a:r>
             <a:r>
-              <a:rPr lang="fr-FR" dirty="0" smtClean="0"/>
+              <a:rPr lang="fr-FR" dirty="0"/>
               <a:t> = nb input du perceptron (</a:t>
             </a:r>
             <a:r>
-              <a:rPr lang="fr-FR" dirty="0" err="1" smtClean="0"/>
+              <a:rPr lang="fr-FR" dirty="0" err="1"/>
               <a:t>tensor</a:t>
             </a:r>
             <a:r>
-              <a:rPr lang="fr-FR" dirty="0" smtClean="0"/>
+              <a:rPr lang="fr-FR" dirty="0"/>
               <a:t>)</a:t>
             </a:r>
           </a:p>
           <a:p>
             <a:pPr lvl="1"/>
             <a:r>
-              <a:rPr lang="fr-FR" dirty="0" err="1" smtClean="0"/>
+              <a:rPr lang="fr-FR" dirty="0" err="1"/>
               <a:t>fan_out</a:t>
             </a:r>
             <a:r>
-              <a:rPr lang="fr-FR" dirty="0" smtClean="0"/>
+              <a:rPr lang="fr-FR" dirty="0"/>
               <a:t> = nb output</a:t>
             </a:r>
           </a:p>
           <a:p>
             <a:pPr lvl="1"/>
             <a:r>
-              <a:rPr lang="fr-FR" dirty="0" smtClean="0"/>
+              <a:rPr lang="fr-FR" dirty="0"/>
               <a:t>Dans le cas d'une activation </a:t>
             </a:r>
             <a:r>
-              <a:rPr lang="fr-FR" dirty="0" err="1" smtClean="0"/>
+              <a:rPr lang="fr-FR" dirty="0" err="1"/>
               <a:t>lineaire</a:t>
             </a:r>
-            <a:endParaRPr lang="fr-FR" dirty="0" smtClean="0"/>
+            <a:endParaRPr lang="fr-FR" dirty="0"/>
           </a:p>
           <a:p>
             <a:pPr lvl="1"/>
             <a:r>
-              <a:rPr lang="fr-FR" dirty="0" smtClean="0"/>
+              <a:rPr lang="fr-FR" dirty="0"/>
               <a:t>ho=</a:t>
             </a:r>
             <a:r>
               <a:rPr lang="fr-FR" dirty="0" err="1"/>
-              <a:t>w</a:t>
-            </a:r>
-            <a:r>
-              <a:rPr lang="fr-FR" dirty="0" err="1" smtClean="0"/>
-              <a:t>eight</a:t>
-            </a:r>
-            <a:r>
-              <a:rPr lang="fr-FR" dirty="0" smtClean="0"/>
-              <a:t>*x </a:t>
-            </a:r>
-            <a:r>
-              <a:rPr lang="fr-FR" dirty="0"/>
-              <a:t>+ </a:t>
-            </a:r>
-            <a:r>
-              <a:rPr lang="fr-FR" dirty="0" err="1" smtClean="0"/>
+              <a:t>weight</a:t>
+            </a:r>
+            <a:r>
+              <a:rPr lang="fr-FR" dirty="0"/>
+              <a:t>*x + </a:t>
+            </a:r>
+            <a:r>
+              <a:rPr lang="fr-FR" dirty="0" err="1"/>
               <a:t>bias</a:t>
             </a:r>
-            <a:endParaRPr lang="fr-FR" dirty="0" smtClean="0"/>
-          </a:p>
-          <a:p>
-            <a:r>
-              <a:rPr lang="fr-FR" dirty="0" err="1" smtClean="0"/>
+            <a:endParaRPr lang="fr-FR" dirty="0"/>
+          </a:p>
+          <a:p>
+            <a:r>
+              <a:rPr lang="fr-FR" dirty="0" err="1"/>
               <a:t>kernel_regularizer</a:t>
             </a:r>
             <a:r>
-              <a:rPr lang="fr-FR" dirty="0" smtClean="0"/>
+              <a:rPr lang="fr-FR" dirty="0"/>
               <a:t> et </a:t>
             </a:r>
             <a:r>
-              <a:rPr lang="fr-FR" dirty="0" err="1" smtClean="0"/>
+              <a:rPr lang="fr-FR" dirty="0" err="1"/>
               <a:t>bias_regularizer</a:t>
             </a:r>
-            <a:endParaRPr lang="fr-FR" dirty="0" smtClean="0"/>
+            <a:endParaRPr lang="fr-FR" dirty="0"/>
           </a:p>
           <a:p>
             <a:pPr lvl="1"/>
             <a:r>
-              <a:rPr lang="fr-FR" dirty="0" smtClean="0"/>
+              <a:rPr lang="fr-FR" dirty="0"/>
               <a:t>Affecte des pénalités lors du changement de poids</a:t>
             </a:r>
           </a:p>
           <a:p>
             <a:pPr lvl="1"/>
-            <a:endParaRPr lang="fr-FR" dirty="0" smtClean="0"/>
+            <a:endParaRPr lang="fr-FR" dirty="0"/>
           </a:p>
           <a:p>
             <a:endParaRPr lang="fr-FR" dirty="0"/>
@@ -7891,13 +7558,6 @@
   <p:clrMapOvr>
     <a:masterClrMapping/>
   </p:clrMapOvr>
-  <p:timing>
-    <p:tnLst>
-      <p:par>
-        <p:cTn id="1" dur="indefinite" restart="never" nodeType="tmRoot"/>
-      </p:par>
-    </p:tnLst>
-  </p:timing>
 </p:sld>
 </file>
 
@@ -7934,10 +7594,9 @@
           <a:lstStyle/>
           <a:p>
             <a:r>
-              <a:rPr lang="fr-FR" dirty="0" smtClean="0"/>
+              <a:rPr lang="fr-FR" dirty="0"/>
               <a:t>Réseaux plus conséquent</a:t>
             </a:r>
-            <a:endParaRPr lang="fr-FR" dirty="0"/>
           </a:p>
         </p:txBody>
       </p:sp>
@@ -7957,10 +7616,9 @@
           <a:lstStyle/>
           <a:p>
             <a:r>
-              <a:rPr lang="fr-FR" dirty="0" smtClean="0"/>
+              <a:rPr lang="fr-FR" dirty="0"/>
               <a:t>Il est donc possible d'avoir un réseau plus complexe</a:t>
             </a:r>
-            <a:endParaRPr lang="fr-FR" dirty="0"/>
           </a:p>
         </p:txBody>
       </p:sp>
@@ -7998,13 +7656,6 @@
   <p:clrMapOvr>
     <a:masterClrMapping/>
   </p:clrMapOvr>
-  <p:timing>
-    <p:tnLst>
-      <p:par>
-        <p:cTn id="1" dur="indefinite" restart="never" nodeType="tmRoot"/>
-      </p:par>
-    </p:tnLst>
-  </p:timing>
 </p:sld>
 </file>
 
@@ -8041,15 +7692,15 @@
           <a:lstStyle/>
           <a:p>
             <a:r>
-              <a:rPr lang="fr-FR" dirty="0" err="1" smtClean="0"/>
+              <a:rPr lang="fr-FR" dirty="0" err="1"/>
               <a:t>Keras</a:t>
             </a:r>
             <a:r>
-              <a:rPr lang="fr-FR" dirty="0" smtClean="0"/>
+              <a:rPr lang="fr-FR" dirty="0"/>
               <a:t> vs </a:t>
             </a:r>
             <a:r>
-              <a:rPr lang="fr-FR" dirty="0" err="1" smtClean="0"/>
+              <a:rPr lang="fr-FR" dirty="0" err="1"/>
               <a:t>KerasR</a:t>
             </a:r>
             <a:endParaRPr lang="fr-FR" dirty="0"/>
@@ -8114,13 +7765,6 @@
   <p:clrMapOvr>
     <a:masterClrMapping/>
   </p:clrMapOvr>
-  <p:timing>
-    <p:tnLst>
-      <p:par>
-        <p:cTn id="1" dur="indefinite" restart="never" nodeType="tmRoot"/>
-      </p:par>
-    </p:tnLst>
-  </p:timing>
 </p:sld>
 </file>
 
@@ -8157,10 +7801,9 @@
           <a:lstStyle/>
           <a:p>
             <a:r>
-              <a:rPr lang="fr-FR" dirty="0" smtClean="0"/>
+              <a:rPr lang="fr-FR" dirty="0"/>
               <a:t>Compile</a:t>
             </a:r>
-            <a:endParaRPr lang="fr-FR" dirty="0"/>
           </a:p>
         </p:txBody>
       </p:sp>
@@ -8180,122 +7823,122 @@
           <a:lstStyle/>
           <a:p>
             <a:r>
-              <a:rPr lang="fr-FR" dirty="0" smtClean="0"/>
+              <a:rPr lang="fr-FR" dirty="0"/>
               <a:t>Compile construit le réseaux de </a:t>
             </a:r>
             <a:r>
-              <a:rPr lang="fr-FR" dirty="0" err="1" smtClean="0"/>
+              <a:rPr lang="fr-FR" dirty="0" err="1"/>
               <a:t>tensors</a:t>
             </a:r>
-            <a:endParaRPr lang="fr-FR" dirty="0" smtClean="0"/>
-          </a:p>
-          <a:p>
             <a:endParaRPr lang="fr-FR" dirty="0"/>
           </a:p>
           <a:p>
-            <a:endParaRPr lang="fr-FR" dirty="0" smtClean="0"/>
+            <a:endParaRPr lang="fr-FR" dirty="0"/>
+          </a:p>
+          <a:p>
+            <a:endParaRPr lang="fr-FR" dirty="0"/>
           </a:p>
           <a:p>
             <a:pPr lvl="1"/>
             <a:r>
-              <a:rPr lang="fr-FR" dirty="0" err="1" smtClean="0"/>
+              <a:rPr lang="fr-FR" dirty="0" err="1"/>
               <a:t>Optimizer</a:t>
             </a:r>
-            <a:endParaRPr lang="fr-FR" dirty="0" smtClean="0"/>
+            <a:endParaRPr lang="fr-FR" dirty="0"/>
           </a:p>
           <a:p>
             <a:pPr lvl="2"/>
             <a:r>
-              <a:rPr lang="fr-FR" dirty="0" smtClean="0"/>
+              <a:rPr lang="fr-FR" dirty="0"/>
               <a:t>Algorithme de convergence du réseaux</a:t>
             </a:r>
           </a:p>
           <a:p>
             <a:pPr lvl="1"/>
             <a:r>
-              <a:rPr lang="fr-FR" dirty="0" err="1" smtClean="0"/>
+              <a:rPr lang="fr-FR" dirty="0" err="1"/>
               <a:t>Loss</a:t>
             </a:r>
-            <a:endParaRPr lang="fr-FR" dirty="0" smtClean="0"/>
+            <a:endParaRPr lang="fr-FR" dirty="0"/>
           </a:p>
           <a:p>
             <a:pPr lvl="2"/>
             <a:r>
-              <a:rPr lang="fr-FR" dirty="0" smtClean="0"/>
+              <a:rPr lang="fr-FR" dirty="0"/>
               <a:t>Méthode de calcul du </a:t>
             </a:r>
             <a:r>
-              <a:rPr lang="fr-FR" dirty="0" err="1" smtClean="0"/>
+              <a:rPr lang="fr-FR" dirty="0" err="1"/>
               <a:t>loss</a:t>
             </a:r>
-            <a:endParaRPr lang="fr-FR" dirty="0" smtClean="0"/>
+            <a:endParaRPr lang="fr-FR" dirty="0"/>
           </a:p>
           <a:p>
             <a:pPr lvl="2"/>
             <a:r>
-              <a:rPr lang="fr-FR" dirty="0" err="1" smtClean="0"/>
+              <a:rPr lang="fr-FR" dirty="0" err="1"/>
               <a:t>mse</a:t>
             </a:r>
             <a:r>
-              <a:rPr lang="fr-FR" dirty="0" smtClean="0"/>
+              <a:rPr lang="fr-FR" dirty="0"/>
               <a:t> </a:t>
             </a:r>
             <a:r>
-              <a:rPr lang="fr-FR" dirty="0" err="1" smtClean="0"/>
+              <a:rPr lang="fr-FR" dirty="0" err="1"/>
               <a:t>Mean</a:t>
             </a:r>
             <a:r>
-              <a:rPr lang="fr-FR" dirty="0" smtClean="0"/>
+              <a:rPr lang="fr-FR" dirty="0"/>
               <a:t> </a:t>
             </a:r>
             <a:r>
-              <a:rPr lang="fr-FR" dirty="0" err="1" smtClean="0"/>
+              <a:rPr lang="fr-FR" dirty="0" err="1"/>
               <a:t>Squared</a:t>
             </a:r>
             <a:r>
-              <a:rPr lang="fr-FR" dirty="0" smtClean="0"/>
+              <a:rPr lang="fr-FR" dirty="0"/>
               <a:t> </a:t>
             </a:r>
             <a:r>
-              <a:rPr lang="fr-FR" dirty="0" err="1" smtClean="0"/>
+              <a:rPr lang="fr-FR" dirty="0" err="1"/>
               <a:t>Error</a:t>
             </a:r>
-            <a:endParaRPr lang="fr-FR" dirty="0" smtClean="0"/>
+            <a:endParaRPr lang="fr-FR" dirty="0"/>
           </a:p>
           <a:p>
             <a:pPr lvl="1"/>
             <a:r>
-              <a:rPr lang="fr-FR" dirty="0" err="1" smtClean="0"/>
+              <a:rPr lang="fr-FR" dirty="0" err="1"/>
               <a:t>Metrics</a:t>
             </a:r>
-            <a:endParaRPr lang="fr-FR" dirty="0" smtClean="0"/>
+            <a:endParaRPr lang="fr-FR" dirty="0"/>
           </a:p>
           <a:p>
             <a:pPr lvl="2"/>
             <a:r>
-              <a:rPr lang="fr-FR" dirty="0" err="1" smtClean="0"/>
+              <a:rPr lang="fr-FR" dirty="0" err="1"/>
               <a:t>Metrics</a:t>
             </a:r>
             <a:r>
-              <a:rPr lang="fr-FR" dirty="0" smtClean="0"/>
+              <a:rPr lang="fr-FR" dirty="0"/>
               <a:t> pour les logs</a:t>
             </a:r>
           </a:p>
           <a:p>
             <a:pPr lvl="1"/>
             <a:r>
-              <a:rPr lang="fr-FR" dirty="0" smtClean="0"/>
+              <a:rPr lang="fr-FR" dirty="0"/>
               <a:t>Exemple pour </a:t>
             </a:r>
             <a:r>
-              <a:rPr lang="fr-FR" dirty="0" err="1" smtClean="0"/>
+              <a:rPr lang="fr-FR" dirty="0" err="1"/>
               <a:t>regressor</a:t>
             </a:r>
-            <a:endParaRPr lang="fr-FR" dirty="0" smtClean="0"/>
+            <a:endParaRPr lang="fr-FR" dirty="0"/>
           </a:p>
           <a:p>
             <a:pPr lvl="2"/>
-            <a:endParaRPr lang="fr-FR" dirty="0" smtClean="0"/>
+            <a:endParaRPr lang="fr-FR" dirty="0"/>
           </a:p>
           <a:p>
             <a:pPr lvl="1"/>
@@ -8385,13 +8028,6 @@
   <p:clrMapOvr>
     <a:masterClrMapping/>
   </p:clrMapOvr>
-  <p:timing>
-    <p:tnLst>
-      <p:par>
-        <p:cTn id="1" dur="indefinite" restart="never" nodeType="tmRoot"/>
-      </p:par>
-    </p:tnLst>
-  </p:timing>
 </p:sld>
 </file>
 
@@ -8428,10 +8064,9 @@
           <a:lstStyle/>
           <a:p>
             <a:r>
-              <a:rPr lang="fr-FR" dirty="0" smtClean="0"/>
+              <a:rPr lang="fr-FR" dirty="0"/>
               <a:t>Fit</a:t>
             </a:r>
-            <a:endParaRPr lang="fr-FR" dirty="0"/>
           </a:p>
         </p:txBody>
       </p:sp>
@@ -8451,35 +8086,35 @@
           <a:lstStyle/>
           <a:p>
             <a:r>
-              <a:rPr lang="fr-FR" dirty="0" smtClean="0"/>
+              <a:rPr lang="fr-FR" dirty="0"/>
               <a:t>Associe le </a:t>
             </a:r>
             <a:r>
-              <a:rPr lang="fr-FR" dirty="0" err="1" smtClean="0"/>
+              <a:rPr lang="fr-FR" dirty="0" err="1"/>
               <a:t>Dataset</a:t>
             </a:r>
             <a:r>
-              <a:rPr lang="fr-FR" dirty="0" smtClean="0"/>
+              <a:rPr lang="fr-FR" dirty="0"/>
               <a:t> TF à </a:t>
             </a:r>
             <a:r>
-              <a:rPr lang="fr-FR" dirty="0" err="1" smtClean="0"/>
+              <a:rPr lang="fr-FR" dirty="0" err="1"/>
               <a:t>Keras</a:t>
             </a:r>
-            <a:endParaRPr lang="fr-FR" dirty="0" smtClean="0"/>
+            <a:endParaRPr lang="fr-FR" dirty="0"/>
           </a:p>
           <a:p>
             <a:pPr lvl="1"/>
             <a:r>
-              <a:rPr lang="fr-FR" dirty="0" err="1" smtClean="0"/>
+              <a:rPr lang="fr-FR" dirty="0" err="1"/>
               <a:t>model.fit</a:t>
             </a:r>
             <a:r>
-              <a:rPr lang="fr-FR" dirty="0" smtClean="0"/>
+              <a:rPr lang="fr-FR" dirty="0"/>
               <a:t>(</a:t>
             </a:r>
             <a:r>
-              <a:rPr lang="fr-FR" dirty="0" err="1" smtClean="0"/>
+              <a:rPr lang="fr-FR" dirty="0" err="1"/>
               <a:t>dataset</a:t>
             </a:r>
             <a:r>
@@ -8500,21 +8135,15 @@
             </a:r>
             <a:r>
               <a:rPr lang="fr-FR" dirty="0"/>
-              <a:t>=30</a:t>
-            </a:r>
-            <a:r>
-              <a:rPr lang="fr-FR" dirty="0" smtClean="0"/>
-              <a:t>)</a:t>
-            </a:r>
-            <a:endParaRPr lang="fr-FR" dirty="0"/>
+              <a:t>=30)</a:t>
+            </a:r>
           </a:p>
           <a:p>
             <a:pPr lvl="1"/>
             <a:r>
-              <a:rPr lang="fr-FR" dirty="0" smtClean="0"/>
+              <a:rPr lang="fr-FR" dirty="0"/>
               <a:t>Il y aura 10 * 30 itérations</a:t>
             </a:r>
-            <a:endParaRPr lang="fr-FR" dirty="0"/>
           </a:p>
         </p:txBody>
       </p:sp>
@@ -8552,13 +8181,6 @@
   <p:clrMapOvr>
     <a:masterClrMapping/>
   </p:clrMapOvr>
-  <p:timing>
-    <p:tnLst>
-      <p:par>
-        <p:cTn id="1" dur="indefinite" restart="never" nodeType="tmRoot"/>
-      </p:par>
-    </p:tnLst>
-  </p:timing>
 </p:sld>
 </file>
 
@@ -8595,11 +8217,11 @@
           <a:lstStyle/>
           <a:p>
             <a:r>
-              <a:rPr lang="fr-FR" dirty="0" smtClean="0"/>
+              <a:rPr lang="fr-FR" dirty="0"/>
               <a:t>Evolution de </a:t>
             </a:r>
             <a:r>
-              <a:rPr lang="fr-FR" dirty="0" err="1" smtClean="0"/>
+              <a:rPr lang="fr-FR" dirty="0" err="1"/>
               <a:t>loss</a:t>
             </a:r>
             <a:endParaRPr lang="fr-FR" dirty="0"/>
@@ -8622,11 +8244,11 @@
           <a:lstStyle/>
           <a:p>
             <a:r>
-              <a:rPr lang="fr-FR" dirty="0" smtClean="0"/>
+              <a:rPr lang="fr-FR" dirty="0"/>
               <a:t>Pour 5 </a:t>
             </a:r>
             <a:r>
-              <a:rPr lang="fr-FR" dirty="0" err="1" smtClean="0"/>
+              <a:rPr lang="fr-FR" dirty="0" err="1"/>
               <a:t>epoch</a:t>
             </a:r>
             <a:endParaRPr lang="fr-FR" dirty="0"/>
@@ -8667,13 +8289,6 @@
   <p:clrMapOvr>
     <a:masterClrMapping/>
   </p:clrMapOvr>
-  <p:timing>
-    <p:tnLst>
-      <p:par>
-        <p:cTn id="1" dur="indefinite" restart="never" nodeType="tmRoot"/>
-      </p:par>
-    </p:tnLst>
-  </p:timing>
 </p:sld>
 </file>
 
@@ -8710,7 +8325,7 @@
           <a:lstStyle/>
           <a:p>
             <a:r>
-              <a:rPr lang="fr-FR" dirty="0" err="1" smtClean="0"/>
+              <a:rPr lang="fr-FR" dirty="0" err="1"/>
               <a:t>Evaluate</a:t>
             </a:r>
             <a:endParaRPr lang="fr-FR" dirty="0"/>
@@ -8733,26 +8348,26 @@
           <a:lstStyle/>
           <a:p>
             <a:r>
-              <a:rPr lang="fr-FR" dirty="0" smtClean="0"/>
+              <a:rPr lang="fr-FR" dirty="0"/>
               <a:t>Evalue le modèle</a:t>
             </a:r>
           </a:p>
           <a:p>
             <a:pPr lvl="1"/>
             <a:r>
-              <a:rPr lang="fr-FR" dirty="0" smtClean="0"/>
+              <a:rPr lang="fr-FR" dirty="0"/>
               <a:t>model %&gt;% </a:t>
             </a:r>
             <a:r>
-              <a:rPr lang="fr-FR" dirty="0" err="1" smtClean="0"/>
+              <a:rPr lang="fr-FR" dirty="0" err="1"/>
               <a:t>evaluate</a:t>
             </a:r>
             <a:r>
-              <a:rPr lang="fr-FR" dirty="0" smtClean="0"/>
+              <a:rPr lang="fr-FR" dirty="0"/>
               <a:t>(</a:t>
             </a:r>
             <a:r>
-              <a:rPr lang="fr-FR" dirty="0" err="1" smtClean="0"/>
+              <a:rPr lang="fr-FR" dirty="0" err="1"/>
               <a:t>dataset</a:t>
             </a:r>
             <a:r>
@@ -8765,11 +8380,7 @@
             </a:r>
             <a:r>
               <a:rPr lang="fr-FR" dirty="0"/>
-              <a:t>=30</a:t>
-            </a:r>
-            <a:r>
-              <a:rPr lang="fr-FR" dirty="0" smtClean="0"/>
-              <a:t>)</a:t>
+              <a:t>=30)</a:t>
             </a:r>
           </a:p>
           <a:p>
@@ -8787,13 +8398,6 @@
   <p:clrMapOvr>
     <a:masterClrMapping/>
   </p:clrMapOvr>
-  <p:timing>
-    <p:tnLst>
-      <p:par>
-        <p:cTn id="1" dur="indefinite" restart="never" nodeType="tmRoot"/>
-      </p:par>
-    </p:tnLst>
-  </p:timing>
 </p:sld>
 </file>
 
@@ -8830,10 +8434,9 @@
           <a:lstStyle/>
           <a:p>
             <a:r>
-              <a:rPr lang="fr-FR" dirty="0" smtClean="0"/>
+              <a:rPr lang="fr-FR" dirty="0"/>
               <a:t>Perceptron</a:t>
             </a:r>
-            <a:endParaRPr lang="fr-FR" dirty="0"/>
           </a:p>
         </p:txBody>
       </p:sp>
@@ -8853,48 +8456,44 @@
           <a:lstStyle/>
           <a:p>
             <a:r>
-              <a:rPr lang="fr-FR" dirty="0" smtClean="0"/>
+              <a:rPr lang="fr-FR" dirty="0"/>
               <a:t>L’ensemble des entrées sont multipliés à leurs poids puis sommés</a:t>
             </a:r>
           </a:p>
           <a:p>
             <a:r>
               <a:rPr lang="fr-FR" dirty="0"/>
-              <a:t>s</a:t>
-            </a:r>
-            <a:r>
-              <a:rPr lang="fr-FR" dirty="0" smtClean="0"/>
-              <a:t>ignal = </a:t>
-            </a:r>
-            <a:r>
-              <a:rPr lang="fr-FR" dirty="0" err="1" smtClean="0"/>
+              <a:t>signal = </a:t>
+            </a:r>
+            <a:r>
+              <a:rPr lang="fr-FR" dirty="0" err="1"/>
               <a:t>sum</a:t>
             </a:r>
             <a:r>
-              <a:rPr lang="fr-FR" dirty="0" smtClean="0"/>
+              <a:rPr lang="fr-FR" dirty="0"/>
               <a:t>(i[x]*W[x])</a:t>
             </a:r>
           </a:p>
           <a:p>
             <a:r>
-              <a:rPr lang="fr-FR" dirty="0" smtClean="0"/>
+              <a:rPr lang="fr-FR" dirty="0"/>
               <a:t>Si f(signal) &gt; seuil (ou biais) alors le signal passe dans le sortie</a:t>
             </a:r>
           </a:p>
           <a:p>
             <a:r>
-              <a:rPr lang="fr-FR" dirty="0" smtClean="0"/>
+              <a:rPr lang="fr-FR" dirty="0"/>
               <a:t>f est souvent une tangente hyperbolique ou une sigmoïde</a:t>
             </a:r>
           </a:p>
           <a:p>
             <a:pPr lvl="1"/>
             <a:r>
-              <a:rPr lang="fr-FR" dirty="0" smtClean="0"/>
+              <a:rPr lang="fr-FR" dirty="0"/>
               <a:t>F = </a:t>
             </a:r>
             <a:r>
-              <a:rPr lang="fr-FR" dirty="0" err="1" smtClean="0"/>
+              <a:rPr lang="fr-FR" dirty="0" err="1"/>
               <a:t>math.tanh</a:t>
             </a:r>
             <a:endParaRPr lang="fr-FR" dirty="0"/>
@@ -8952,13 +8551,6 @@
   <p:clrMapOvr>
     <a:masterClrMapping/>
   </p:clrMapOvr>
-  <p:timing>
-    <p:tnLst>
-      <p:par>
-        <p:cTn id="1" dur="indefinite" restart="never" nodeType="tmRoot"/>
-      </p:par>
-    </p:tnLst>
-  </p:timing>
 </p:sld>
 </file>
 
@@ -8995,7 +8587,7 @@
           <a:lstStyle/>
           <a:p>
             <a:r>
-              <a:rPr lang="fr-FR" dirty="0" err="1" smtClean="0"/>
+              <a:rPr lang="fr-FR" dirty="0" err="1"/>
               <a:t>Predict</a:t>
             </a:r>
             <a:endParaRPr lang="fr-FR" dirty="0"/>
@@ -9018,39 +8610,27 @@
           <a:lstStyle/>
           <a:p>
             <a:r>
-              <a:rPr lang="fr-FR" dirty="0" smtClean="0"/>
+              <a:rPr lang="fr-FR" dirty="0"/>
               <a:t>Prédiction</a:t>
             </a:r>
           </a:p>
           <a:p>
             <a:pPr lvl="1"/>
             <a:r>
-              <a:rPr lang="fr-FR" dirty="0" err="1" smtClean="0"/>
+              <a:rPr lang="fr-FR" dirty="0" err="1"/>
               <a:t>result</a:t>
             </a:r>
             <a:r>
-              <a:rPr lang="fr-FR" dirty="0" smtClean="0"/>
-              <a:t> </a:t>
-            </a:r>
-            <a:r>
-              <a:rPr lang="fr-FR" dirty="0"/>
-              <a:t>= </a:t>
-            </a:r>
-            <a:r>
-              <a:rPr lang="fr-FR" dirty="0" smtClean="0"/>
-              <a:t>model %&gt;% </a:t>
-            </a:r>
-            <a:r>
-              <a:rPr lang="fr-FR" dirty="0" err="1" smtClean="0"/>
+              <a:rPr lang="fr-FR" dirty="0"/>
+              <a:t> = model %&gt;% </a:t>
+            </a:r>
+            <a:r>
+              <a:rPr lang="fr-FR" dirty="0" err="1"/>
               <a:t>predict</a:t>
             </a:r>
             <a:r>
-              <a:rPr lang="fr-FR" dirty="0" smtClean="0"/>
-              <a:t>(data</a:t>
-            </a:r>
-            <a:r>
-              <a:rPr lang="fr-FR" dirty="0"/>
-              <a:t>, </a:t>
+              <a:rPr lang="fr-FR" dirty="0"/>
+              <a:t>(data, </a:t>
             </a:r>
             <a:r>
               <a:rPr lang="fr-FR" dirty="0" err="1"/>
@@ -9073,13 +8653,6 @@
   <p:clrMapOvr>
     <a:masterClrMapping/>
   </p:clrMapOvr>
-  <p:timing>
-    <p:tnLst>
-      <p:par>
-        <p:cTn id="1" dur="indefinite" restart="never" nodeType="tmRoot"/>
-      </p:par>
-    </p:tnLst>
-  </p:timing>
 </p:sld>
 </file>
 
@@ -9116,10 +8689,9 @@
           <a:lstStyle/>
           <a:p>
             <a:r>
-              <a:rPr lang="fr-FR" smtClean="0"/>
+              <a:rPr lang="fr-FR"/>
               <a:t>Solidification du modèle</a:t>
             </a:r>
-            <a:endParaRPr lang="fr-FR"/>
           </a:p>
         </p:txBody>
       </p:sp>
@@ -9139,25 +8711,25 @@
           <a:lstStyle/>
           <a:p>
             <a:r>
-              <a:rPr lang="fr-FR" dirty="0" smtClean="0"/>
+              <a:rPr lang="fr-FR" dirty="0"/>
               <a:t>Il est possible de sauvegarder entièrement le modèle</a:t>
             </a:r>
           </a:p>
           <a:p>
             <a:pPr lvl="1"/>
             <a:r>
-              <a:rPr lang="fr-FR" dirty="0" err="1" smtClean="0"/>
+              <a:rPr lang="fr-FR" dirty="0" err="1"/>
               <a:t>Keras</a:t>
             </a:r>
             <a:r>
-              <a:rPr lang="fr-FR" dirty="0" smtClean="0"/>
+              <a:rPr lang="fr-FR" dirty="0"/>
               <a:t> H5</a:t>
             </a:r>
           </a:p>
           <a:p>
             <a:pPr lvl="1"/>
             <a:r>
-              <a:rPr lang="fr-FR" dirty="0" smtClean="0"/>
+              <a:rPr lang="fr-FR" dirty="0"/>
               <a:t>save_model_hdf5(model, file.h5)</a:t>
             </a:r>
           </a:p>
@@ -9173,13 +8745,6 @@
   <p:clrMapOvr>
     <a:masterClrMapping/>
   </p:clrMapOvr>
-  <p:timing>
-    <p:tnLst>
-      <p:par>
-        <p:cTn id="1" dur="indefinite" restart="never" nodeType="tmRoot"/>
-      </p:par>
-    </p:tnLst>
-  </p:timing>
 </p:sld>
 </file>
 
@@ -9216,7 +8781,7 @@
           <a:lstStyle/>
           <a:p>
             <a:r>
-              <a:rPr lang="fr-FR" dirty="0" err="1" smtClean="0"/>
+              <a:rPr lang="fr-FR" dirty="0" err="1"/>
               <a:t>Netron</a:t>
             </a:r>
             <a:endParaRPr lang="fr-FR" dirty="0"/>
@@ -9244,24 +8809,23 @@
           <a:lstStyle/>
           <a:p>
             <a:r>
-              <a:rPr lang="fr-FR" dirty="0" err="1" smtClean="0"/>
+              <a:rPr lang="fr-FR" dirty="0" err="1"/>
               <a:t>Netron</a:t>
             </a:r>
             <a:r>
-              <a:rPr lang="fr-FR" dirty="0" smtClean="0"/>
+              <a:rPr lang="fr-FR" dirty="0"/>
               <a:t> permet de visualiser un MLP</a:t>
             </a:r>
           </a:p>
           <a:p>
             <a:r>
-              <a:rPr lang="fr-FR" dirty="0" err="1" smtClean="0"/>
+              <a:rPr lang="fr-FR" dirty="0" err="1"/>
               <a:t>Netron</a:t>
             </a:r>
             <a:r>
-              <a:rPr lang="fr-FR" dirty="0" smtClean="0"/>
+              <a:rPr lang="fr-FR" dirty="0"/>
               <a:t> permet d'import ou d'exporter des réseaux neuronaux depuis d'autres langages</a:t>
             </a:r>
-            <a:endParaRPr lang="fr-FR" dirty="0"/>
           </a:p>
         </p:txBody>
       </p:sp>
@@ -9299,13 +8863,6 @@
   <p:clrMapOvr>
     <a:masterClrMapping/>
   </p:clrMapOvr>
-  <p:timing>
-    <p:tnLst>
-      <p:par>
-        <p:cTn id="1" dur="indefinite" restart="never" nodeType="tmRoot"/>
-      </p:par>
-    </p:tnLst>
-  </p:timing>
 </p:sld>
 </file>
 
@@ -9342,10 +8899,9 @@
           <a:lstStyle/>
           <a:p>
             <a:r>
-              <a:rPr lang="fr-FR" dirty="0" smtClean="0"/>
+              <a:rPr lang="fr-FR" dirty="0"/>
               <a:t>Exemple simple</a:t>
             </a:r>
-            <a:endParaRPr lang="fr-FR" dirty="0"/>
           </a:p>
         </p:txBody>
       </p:sp>
@@ -9365,84 +8921,83 @@
           <a:lstStyle/>
           <a:p>
             <a:r>
-              <a:rPr lang="fr-FR" dirty="0" smtClean="0"/>
+              <a:rPr lang="fr-FR" dirty="0"/>
               <a:t>Réseau (2,2,2)</a:t>
             </a:r>
           </a:p>
           <a:p>
             <a:pPr lvl="1"/>
             <a:r>
-              <a:rPr lang="fr-FR" dirty="0" smtClean="0"/>
+              <a:rPr lang="fr-FR" dirty="0"/>
               <a:t>2 inputs</a:t>
             </a:r>
           </a:p>
           <a:p>
             <a:pPr lvl="1"/>
             <a:r>
-              <a:rPr lang="fr-FR" dirty="0" smtClean="0"/>
+              <a:rPr lang="fr-FR" dirty="0"/>
               <a:t>2 </a:t>
             </a:r>
             <a:r>
-              <a:rPr lang="fr-FR" dirty="0" err="1" smtClean="0"/>
+              <a:rPr lang="fr-FR" dirty="0" err="1"/>
               <a:t>hiddens</a:t>
             </a:r>
-            <a:endParaRPr lang="fr-FR" dirty="0" smtClean="0"/>
+            <a:endParaRPr lang="fr-FR" dirty="0"/>
           </a:p>
           <a:p>
             <a:pPr lvl="1"/>
             <a:r>
-              <a:rPr lang="fr-FR" dirty="0" smtClean="0"/>
+              <a:rPr lang="fr-FR" dirty="0"/>
               <a:t>2 outputs</a:t>
             </a:r>
           </a:p>
           <a:p>
             <a:r>
-              <a:rPr lang="fr-FR" dirty="0" smtClean="0"/>
+              <a:rPr lang="fr-FR" dirty="0"/>
               <a:t>Input [0.05, 0.1]</a:t>
             </a:r>
           </a:p>
           <a:p>
             <a:r>
-              <a:rPr lang="fr-FR" dirty="0" smtClean="0"/>
+              <a:rPr lang="fr-FR" dirty="0"/>
               <a:t>Output </a:t>
             </a:r>
             <a:r>
-              <a:rPr lang="fr-FR" dirty="0" err="1" smtClean="0"/>
+              <a:rPr lang="fr-FR" dirty="0" err="1"/>
               <a:t>target</a:t>
             </a:r>
             <a:r>
-              <a:rPr lang="fr-FR" dirty="0" smtClean="0"/>
+              <a:rPr lang="fr-FR" dirty="0"/>
               <a:t> [0.01, 0.99]</a:t>
             </a:r>
           </a:p>
           <a:p>
             <a:r>
-              <a:rPr lang="fr-FR" dirty="0" err="1" smtClean="0"/>
+              <a:rPr lang="fr-FR" dirty="0" err="1"/>
               <a:t>wx</a:t>
             </a:r>
             <a:r>
-              <a:rPr lang="fr-FR" dirty="0" smtClean="0"/>
+              <a:rPr lang="fr-FR" dirty="0"/>
               <a:t> = Poids</a:t>
             </a:r>
           </a:p>
           <a:p>
             <a:r>
-              <a:rPr lang="fr-FR" dirty="0" err="1" smtClean="0"/>
+              <a:rPr lang="fr-FR" dirty="0" err="1"/>
               <a:t>bx</a:t>
             </a:r>
             <a:r>
-              <a:rPr lang="fr-FR" dirty="0" smtClean="0"/>
+              <a:rPr lang="fr-FR" dirty="0"/>
               <a:t> = </a:t>
             </a:r>
             <a:r>
-              <a:rPr lang="fr-FR" dirty="0" err="1" smtClean="0"/>
+              <a:rPr lang="fr-FR" dirty="0" err="1"/>
               <a:t>Bias</a:t>
             </a:r>
             <a:r>
-              <a:rPr lang="fr-FR" dirty="0" smtClean="0"/>
+              <a:rPr lang="fr-FR" dirty="0"/>
               <a:t> (seuils)</a:t>
             </a:r>
-            <a:endParaRPr lang="fr-FR" dirty="0"/>
           </a:p>
         </p:txBody>
       </p:sp>
@@ -9497,13 +9052,6 @@
   <p:clrMapOvr>
     <a:masterClrMapping/>
   </p:clrMapOvr>
-  <p:timing>
-    <p:tnLst>
-      <p:par>
-        <p:cTn id="1" dur="indefinite" restart="never" nodeType="tmRoot"/>
-      </p:par>
-    </p:tnLst>
-  </p:timing>
 </p:sld>
 </file>
 
@@ -9540,10 +9088,9 @@
           <a:lstStyle/>
           <a:p>
             <a:r>
-              <a:rPr lang="fr-FR" dirty="0" smtClean="0"/>
+              <a:rPr lang="fr-FR" dirty="0"/>
               <a:t>L'importance des poids</a:t>
             </a:r>
-            <a:endParaRPr lang="fr-FR" dirty="0"/>
           </a:p>
         </p:txBody>
       </p:sp>
@@ -9600,13 +9147,6 @@
   <p:clrMapOvr>
     <a:masterClrMapping/>
   </p:clrMapOvr>
-  <p:timing>
-    <p:tnLst>
-      <p:par>
-        <p:cTn id="1" dur="indefinite" restart="never" nodeType="tmRoot"/>
-      </p:par>
-    </p:tnLst>
-  </p:timing>
 </p:sld>
 </file>
 
@@ -9643,10 +9183,9 @@
           <a:lstStyle/>
           <a:p>
             <a:r>
-              <a:rPr lang="fr-FR" dirty="0" smtClean="0"/>
+              <a:rPr lang="fr-FR" dirty="0"/>
               <a:t>MLP MNIST</a:t>
             </a:r>
-            <a:endParaRPr lang="fr-FR" dirty="0"/>
           </a:p>
         </p:txBody>
       </p:sp>
@@ -9703,13 +9242,6 @@
   <p:clrMapOvr>
     <a:masterClrMapping/>
   </p:clrMapOvr>
-  <p:timing>
-    <p:tnLst>
-      <p:par>
-        <p:cTn id="1" dur="indefinite" restart="never" nodeType="tmRoot"/>
-      </p:par>
-    </p:tnLst>
-  </p:timing>
 </p:sld>
 </file>
 
@@ -9746,10 +9278,9 @@
           <a:lstStyle/>
           <a:p>
             <a:r>
-              <a:rPr lang="fr-FR" dirty="0" smtClean="0"/>
+              <a:rPr lang="fr-FR" dirty="0"/>
               <a:t>MLP MNIST</a:t>
             </a:r>
-            <a:endParaRPr lang="fr-FR" dirty="0"/>
           </a:p>
         </p:txBody>
       </p:sp>
@@ -9806,13 +9337,6 @@
   <p:clrMapOvr>
     <a:masterClrMapping/>
   </p:clrMapOvr>
-  <p:timing>
-    <p:tnLst>
-      <p:par>
-        <p:cTn id="1" dur="indefinite" restart="never" nodeType="tmRoot"/>
-      </p:par>
-    </p:tnLst>
-  </p:timing>
 </p:sld>
 </file>
 
@@ -9849,7 +9373,7 @@
           <a:lstStyle/>
           <a:p>
             <a:r>
-              <a:rPr lang="fr-FR" dirty="0" err="1" smtClean="0"/>
+              <a:rPr lang="fr-FR" dirty="0" err="1"/>
               <a:t>Backpropagation</a:t>
             </a:r>
             <a:endParaRPr lang="fr-FR" dirty="0"/>
@@ -9872,31 +9396,31 @@
           <a:lstStyle/>
           <a:p>
             <a:r>
-              <a:rPr lang="fr-FR" dirty="0" smtClean="0"/>
+              <a:rPr lang="fr-FR" dirty="0"/>
               <a:t>Les réseaux de neurones sont souvent supervisé</a:t>
             </a:r>
           </a:p>
           <a:p>
             <a:pPr lvl="1"/>
             <a:r>
-              <a:rPr lang="fr-FR" dirty="0" smtClean="0"/>
+              <a:rPr lang="fr-FR" dirty="0"/>
               <a:t>Présence d’un feedback pour indiquer si le calcul est bon</a:t>
             </a:r>
           </a:p>
           <a:p>
             <a:r>
-              <a:rPr lang="fr-FR" dirty="0" smtClean="0"/>
+              <a:rPr lang="fr-FR" dirty="0"/>
               <a:t>Si le feedback est bon, le neurone se fige un peu plus</a:t>
             </a:r>
           </a:p>
           <a:p>
             <a:r>
-              <a:rPr lang="fr-FR" dirty="0" smtClean="0"/>
+              <a:rPr lang="fr-FR" dirty="0"/>
               <a:t>Sinon, le seuil et les poids changent un peu</a:t>
             </a:r>
           </a:p>
           <a:p>
-            <a:endParaRPr lang="fr-FR" dirty="0" smtClean="0"/>
+            <a:endParaRPr lang="fr-FR" dirty="0"/>
           </a:p>
           <a:p>
             <a:endParaRPr lang="fr-FR" dirty="0"/>
@@ -9913,13 +9437,6 @@
   <p:clrMapOvr>
     <a:masterClrMapping/>
   </p:clrMapOvr>
-  <p:timing>
-    <p:tnLst>
-      <p:par>
-        <p:cTn id="1" dur="indefinite" restart="never" nodeType="tmRoot"/>
-      </p:par>
-    </p:tnLst>
-  </p:timing>
 </p:sld>
 </file>
 
